--- a/Case Study 1/EDA slides-1.pptx
+++ b/Case Study 1/EDA slides-1.pptx
@@ -11,8 +11,10 @@
     <p:sldId id="261" r:id="rId5"/>
     <p:sldId id="260" r:id="rId6"/>
     <p:sldId id="264" r:id="rId7"/>
-    <p:sldId id="262" r:id="rId8"/>
-    <p:sldId id="263" r:id="rId9"/>
+    <p:sldId id="266" r:id="rId8"/>
+    <p:sldId id="262" r:id="rId9"/>
+    <p:sldId id="263" r:id="rId10"/>
+    <p:sldId id="265" r:id="rId11"/>
   </p:sldIdLst>
   <p:sldSz cx="12192000" cy="6858000"/>
   <p:notesSz cx="6858000" cy="9144000"/>
@@ -277,7 +279,7 @@
             <a:fld id="{276D79ED-3FA7-4EF8-964B-EB8BCFAB02F8}" type="datetimeFigureOut">
               <a:rPr lang="en-US" smtClean="0"/>
               <a:pPr/>
-              <a:t>10/9/2023</a:t>
+              <a:t>10/10/2023</a:t>
             </a:fld>
             <a:endParaRPr lang="en-US"/>
           </a:p>
@@ -472,7 +474,7 @@
           <a:p>
             <a:fld id="{276D79ED-3FA7-4EF8-964B-EB8BCFAB02F8}" type="datetimeFigureOut">
               <a:rPr lang="en-US" smtClean="0"/>
-              <a:t>10/9/2023</a:t>
+              <a:t>10/10/2023</a:t>
             </a:fld>
             <a:endParaRPr lang="en-US"/>
           </a:p>
@@ -718,7 +720,7 @@
           <a:p>
             <a:fld id="{276D79ED-3FA7-4EF8-964B-EB8BCFAB02F8}" type="datetimeFigureOut">
               <a:rPr lang="en-US" smtClean="0"/>
-              <a:t>10/9/2023</a:t>
+              <a:t>10/10/2023</a:t>
             </a:fld>
             <a:endParaRPr lang="en-US"/>
           </a:p>
@@ -949,7 +951,7 @@
           <a:p>
             <a:fld id="{276D79ED-3FA7-4EF8-964B-EB8BCFAB02F8}" type="datetimeFigureOut">
               <a:rPr lang="en-US" smtClean="0"/>
-              <a:t>10/9/2023</a:t>
+              <a:t>10/10/2023</a:t>
             </a:fld>
             <a:endParaRPr lang="en-US"/>
           </a:p>
@@ -1313,7 +1315,7 @@
           <a:p>
             <a:fld id="{276D79ED-3FA7-4EF8-964B-EB8BCFAB02F8}" type="datetimeFigureOut">
               <a:rPr lang="en-US" smtClean="0"/>
-              <a:t>10/9/2023</a:t>
+              <a:t>10/10/2023</a:t>
             </a:fld>
             <a:endParaRPr lang="en-US"/>
           </a:p>
@@ -1435,7 +1437,7 @@
           <a:p>
             <a:fld id="{276D79ED-3FA7-4EF8-964B-EB8BCFAB02F8}" type="datetimeFigureOut">
               <a:rPr lang="en-US" smtClean="0"/>
-              <a:t>10/9/2023</a:t>
+              <a:t>10/10/2023</a:t>
             </a:fld>
             <a:endParaRPr lang="en-US"/>
           </a:p>
@@ -1530,7 +1532,7 @@
           <a:p>
             <a:fld id="{276D79ED-3FA7-4EF8-964B-EB8BCFAB02F8}" type="datetimeFigureOut">
               <a:rPr lang="en-US" smtClean="0"/>
-              <a:t>10/9/2023</a:t>
+              <a:t>10/10/2023</a:t>
             </a:fld>
             <a:endParaRPr lang="en-US"/>
           </a:p>
@@ -1806,7 +1808,7 @@
           <a:p>
             <a:fld id="{276D79ED-3FA7-4EF8-964B-EB8BCFAB02F8}" type="datetimeFigureOut">
               <a:rPr lang="en-US" smtClean="0"/>
-              <a:t>10/9/2023</a:t>
+              <a:t>10/10/2023</a:t>
             </a:fld>
             <a:endParaRPr lang="en-US"/>
           </a:p>
@@ -2062,7 +2064,7 @@
           <a:p>
             <a:fld id="{276D79ED-3FA7-4EF8-964B-EB8BCFAB02F8}" type="datetimeFigureOut">
               <a:rPr lang="en-US" smtClean="0"/>
-              <a:t>10/9/2023</a:t>
+              <a:t>10/10/2023</a:t>
             </a:fld>
             <a:endParaRPr lang="en-US"/>
           </a:p>
@@ -2282,7 +2284,7 @@
           <a:p>
             <a:fld id="{276D79ED-3FA7-4EF8-964B-EB8BCFAB02F8}" type="datetimeFigureOut">
               <a:rPr lang="en-US" smtClean="0"/>
-              <a:t>10/9/2023</a:t>
+              <a:t>10/10/2023</a:t>
             </a:fld>
             <a:endParaRPr lang="en-US"/>
           </a:p>
@@ -2829,7 +2831,7 @@
                 <a:latin typeface="Georgia Pro Semibold" panose="02040702050405020303" pitchFamily="18" charset="0"/>
                 <a:cs typeface="Times New Roman" panose="02020603050405020304" pitchFamily="18" charset="0"/>
               </a:rPr>
-              <a:t>Budweiser’s Craft Beers and Breweries study</a:t>
+              <a:t>Craft Beers and Breweries Study For Budweiser</a:t>
             </a:r>
             <a:endParaRPr lang="en-US" dirty="0">
               <a:latin typeface="Times New Roman" panose="02020603050405020304" pitchFamily="18" charset="0"/>
@@ -2915,6 +2917,116 @@
     <p:extLst>
       <p:ext uri="{BB962C8B-B14F-4D97-AF65-F5344CB8AC3E}">
         <p14:creationId xmlns:p14="http://schemas.microsoft.com/office/powerpoint/2010/main" val="720928810"/>
+      </p:ext>
+    </p:extLst>
+  </p:cSld>
+  <p:clrMapOvr>
+    <a:masterClrMapping/>
+  </p:clrMapOvr>
+</p:sld>
+</file>
+
+<file path=ppt/slides/slide10.xml><?xml version="1.0" encoding="utf-8"?>
+<p:sld xmlns:a="http://schemas.openxmlformats.org/drawingml/2006/main" xmlns:r="http://schemas.openxmlformats.org/officeDocument/2006/relationships" xmlns:p="http://schemas.openxmlformats.org/presentationml/2006/main">
+  <p:cSld>
+    <p:spTree>
+      <p:nvGrpSpPr>
+        <p:cNvPr id="1" name=""/>
+        <p:cNvGrpSpPr/>
+        <p:nvPr/>
+      </p:nvGrpSpPr>
+      <p:grpSpPr>
+        <a:xfrm>
+          <a:off x="0" y="0"/>
+          <a:ext cx="0" cy="0"/>
+          <a:chOff x="0" y="0"/>
+          <a:chExt cx="0" cy="0"/>
+        </a:xfrm>
+      </p:grpSpPr>
+      <p:sp>
+        <p:nvSpPr>
+          <p:cNvPr id="2" name="Title 1">
+            <a:extLst>
+              <a:ext uri="{FF2B5EF4-FFF2-40B4-BE49-F238E27FC236}">
+                <a16:creationId xmlns:a16="http://schemas.microsoft.com/office/drawing/2014/main" id="{4B6F8C27-BB5F-E87C-34D7-208B35BC2052}"/>
+              </a:ext>
+            </a:extLst>
+          </p:cNvPr>
+          <p:cNvSpPr>
+            <a:spLocks noGrp="1"/>
+          </p:cNvSpPr>
+          <p:nvPr>
+            <p:ph type="title"/>
+          </p:nvPr>
+        </p:nvSpPr>
+        <p:spPr>
+          <a:xfrm>
+            <a:off x="404943" y="33915"/>
+            <a:ext cx="10047352" cy="821488"/>
+          </a:xfrm>
+        </p:spPr>
+        <p:txBody>
+          <a:bodyPr anchor="ctr">
+            <a:normAutofit/>
+          </a:bodyPr>
+          <a:lstStyle/>
+          <a:p>
+            <a:r>
+              <a:rPr lang="en-US" sz="4000" dirty="0"/>
+              <a:t>Next Steps in EDA Process</a:t>
+            </a:r>
+          </a:p>
+        </p:txBody>
+      </p:sp>
+      <p:sp>
+        <p:nvSpPr>
+          <p:cNvPr id="7" name="Content Placeholder 2">
+            <a:extLst>
+              <a:ext uri="{FF2B5EF4-FFF2-40B4-BE49-F238E27FC236}">
+                <a16:creationId xmlns:a16="http://schemas.microsoft.com/office/drawing/2014/main" id="{5AAAD48E-AA6D-FE2D-F9BB-BAFE8ABD5C66}"/>
+              </a:ext>
+            </a:extLst>
+          </p:cNvPr>
+          <p:cNvSpPr>
+            <a:spLocks noGrp="1"/>
+          </p:cNvSpPr>
+          <p:nvPr>
+            <p:ph idx="1"/>
+          </p:nvPr>
+        </p:nvSpPr>
+        <p:spPr>
+          <a:xfrm>
+            <a:off x="404943" y="1661747"/>
+            <a:ext cx="9470577" cy="4387352"/>
+          </a:xfrm>
+        </p:spPr>
+        <p:txBody>
+          <a:bodyPr/>
+          <a:lstStyle/>
+          <a:p>
+            <a:r>
+              <a:rPr lang="en-US" dirty="0"/>
+              <a:t>Classification of Styles to smaller grouping (IPA, Ale’s, and Other)</a:t>
+            </a:r>
+          </a:p>
+          <a:p>
+            <a:r>
+              <a:rPr lang="en-US" dirty="0"/>
+              <a:t>Further analysis to determine any further trends, interesting findings, and data correlations</a:t>
+            </a:r>
+          </a:p>
+          <a:p>
+            <a:pPr marL="0" indent="0">
+              <a:buNone/>
+            </a:pPr>
+            <a:endParaRPr lang="en-US" dirty="0"/>
+          </a:p>
+        </p:txBody>
+      </p:sp>
+    </p:spTree>
+    <p:extLst>
+      <p:ext uri="{BB962C8B-B14F-4D97-AF65-F5344CB8AC3E}">
+        <p14:creationId xmlns:p14="http://schemas.microsoft.com/office/powerpoint/2010/main" val="3695498628"/>
       </p:ext>
     </p:extLst>
   </p:cSld>
@@ -2960,7 +3072,7 @@
           <a:p>
             <a:r>
               <a:rPr lang="en-US" sz="4000" dirty="0"/>
-              <a:t>Topics</a:t>
+              <a:t>Exploratory Data Analysis (EDA)</a:t>
             </a:r>
           </a:p>
         </p:txBody>
@@ -2982,8 +3094,38 @@
           <a:p>
             <a:r>
               <a:rPr lang="en-US" dirty="0"/>
-              <a:t>Topics</a:t>
-            </a:r>
+              <a:t>Basic review of summary statistics</a:t>
+            </a:r>
+          </a:p>
+          <a:p>
+            <a:r>
+              <a:rPr lang="en-US" dirty="0"/>
+              <a:t>Approach to address missing values</a:t>
+            </a:r>
+          </a:p>
+          <a:p>
+            <a:r>
+              <a:rPr lang="en-US" dirty="0"/>
+              <a:t>Observations of data relationship</a:t>
+            </a:r>
+          </a:p>
+          <a:p>
+            <a:r>
+              <a:rPr lang="en-US" dirty="0"/>
+              <a:t>Organizing data and plotting for further analysis</a:t>
+            </a:r>
+          </a:p>
+          <a:p>
+            <a:r>
+              <a:rPr lang="en-US" dirty="0"/>
+              <a:t>Next steps in completing EDA</a:t>
+            </a:r>
+          </a:p>
+          <a:p>
+            <a:pPr marL="0" indent="0">
+              <a:buNone/>
+            </a:pPr>
+            <a:endParaRPr lang="en-US" dirty="0"/>
           </a:p>
         </p:txBody>
       </p:sp>
@@ -3047,7 +3189,7 @@
           <a:p>
             <a:r>
               <a:rPr lang="en-US" sz="4000" dirty="0"/>
-              <a:t>Number of Breweries by State</a:t>
+              <a:t>Review of Datasets</a:t>
             </a:r>
           </a:p>
         </p:txBody>
@@ -3074,8 +3216,8 @@
         </p:blipFill>
         <p:spPr>
           <a:xfrm>
-            <a:off x="308568" y="1057958"/>
-            <a:ext cx="9636882" cy="5033125"/>
+            <a:off x="2589243" y="1402871"/>
+            <a:ext cx="7332879" cy="3829796"/>
           </a:xfrm>
           <a:prstGeom prst="rect">
             <a:avLst/>
@@ -3083,6 +3225,119 @@
           <a:noFill/>
         </p:spPr>
       </p:pic>
+      <p:sp>
+        <p:nvSpPr>
+          <p:cNvPr id="3" name="TextBox 2">
+            <a:extLst>
+              <a:ext uri="{FF2B5EF4-FFF2-40B4-BE49-F238E27FC236}">
+                <a16:creationId xmlns:a16="http://schemas.microsoft.com/office/drawing/2014/main" id="{AC77B5E7-E6F5-FF99-F483-50F1D73A6020}"/>
+              </a:ext>
+            </a:extLst>
+          </p:cNvPr>
+          <p:cNvSpPr txBox="1"/>
+          <p:nvPr/>
+        </p:nvSpPr>
+        <p:spPr>
+          <a:xfrm>
+            <a:off x="326570" y="1207812"/>
+            <a:ext cx="2547257" cy="4247317"/>
+          </a:xfrm>
+          <a:prstGeom prst="rect">
+            <a:avLst/>
+          </a:prstGeom>
+          <a:noFill/>
+        </p:spPr>
+        <p:txBody>
+          <a:bodyPr wrap="square" rtlCol="0">
+            <a:spAutoFit/>
+          </a:bodyPr>
+          <a:lstStyle/>
+          <a:p>
+            <a:r>
+              <a:rPr lang="en-US" dirty="0"/>
+              <a:t>Breweries.csv (558)</a:t>
+            </a:r>
+          </a:p>
+          <a:p>
+            <a:r>
+              <a:rPr lang="en-US" dirty="0"/>
+              <a:t>- ID (PK)</a:t>
+            </a:r>
+          </a:p>
+          <a:p>
+            <a:r>
+              <a:rPr lang="en-US" dirty="0"/>
+              <a:t>- Name</a:t>
+            </a:r>
+          </a:p>
+          <a:p>
+            <a:r>
+              <a:rPr lang="en-US" dirty="0"/>
+              <a:t>- City</a:t>
+            </a:r>
+          </a:p>
+          <a:p>
+            <a:r>
+              <a:rPr lang="en-US" dirty="0"/>
+              <a:t>- State</a:t>
+            </a:r>
+          </a:p>
+          <a:p>
+            <a:endParaRPr lang="en-US" dirty="0"/>
+          </a:p>
+          <a:p>
+            <a:r>
+              <a:rPr lang="en-US" dirty="0"/>
+              <a:t>Beers.csv (2,410)</a:t>
+            </a:r>
+          </a:p>
+          <a:p>
+            <a:r>
+              <a:rPr lang="en-US" dirty="0"/>
+              <a:t>- Name</a:t>
+            </a:r>
+          </a:p>
+          <a:p>
+            <a:r>
+              <a:rPr lang="en-US" dirty="0"/>
+              <a:t>- Beer ID (PK)</a:t>
+            </a:r>
+          </a:p>
+          <a:p>
+            <a:r>
+              <a:rPr lang="en-US" dirty="0"/>
+              <a:t>- ABV</a:t>
+            </a:r>
+          </a:p>
+          <a:p>
+            <a:r>
+              <a:rPr lang="en-US" dirty="0"/>
+              <a:t>- IBU</a:t>
+            </a:r>
+          </a:p>
+          <a:p>
+            <a:r>
+              <a:rPr lang="en-US" dirty="0"/>
+              <a:t>- Brewery ID (FK)</a:t>
+            </a:r>
+          </a:p>
+          <a:p>
+            <a:r>
+              <a:rPr lang="en-US" dirty="0"/>
+              <a:t>- Style</a:t>
+            </a:r>
+          </a:p>
+          <a:p>
+            <a:r>
+              <a:rPr lang="en-US" dirty="0"/>
+              <a:t>- Ounces</a:t>
+            </a:r>
+          </a:p>
+          <a:p>
+            <a:endParaRPr lang="en-US" dirty="0"/>
+          </a:p>
+        </p:txBody>
+      </p:sp>
     </p:spTree>
     <p:extLst>
       <p:ext uri="{BB962C8B-B14F-4D97-AF65-F5344CB8AC3E}">
@@ -3164,9 +3419,16 @@
             <p:ph idx="1"/>
           </p:nvPr>
         </p:nvSpPr>
-        <p:spPr/>
-        <p:txBody>
-          <a:bodyPr/>
+        <p:spPr>
+          <a:xfrm>
+            <a:off x="404942" y="1661747"/>
+            <a:ext cx="6630339" cy="4387352"/>
+          </a:xfrm>
+        </p:spPr>
+        <p:txBody>
+          <a:bodyPr>
+            <a:normAutofit/>
+          </a:bodyPr>
           <a:lstStyle/>
           <a:p>
             <a:r>
@@ -3198,40 +3460,52 @@
           <a:p>
             <a:r>
               <a:rPr lang="en-US" dirty="0"/>
-              <a:t>After the missing values lookup:</a:t>
+              <a:t>Address missing values with research:</a:t>
             </a:r>
           </a:p>
           <a:p>
             <a:pPr lvl="1"/>
             <a:r>
+              <a:rPr lang="en-US" dirty="0">
+                <a:solidFill>
+                  <a:srgbClr val="FF0000"/>
+                </a:solidFill>
+              </a:rPr>
+              <a:t>ABV missing: 15 out of 2410 = 0.6%</a:t>
+            </a:r>
+          </a:p>
+          <a:p>
+            <a:pPr lvl="1"/>
+            <a:r>
               <a:rPr lang="en-US" dirty="0"/>
-              <a:t>ABV missing: 15 out of 2410 = 0.6%</a:t>
+              <a:t>IBU missing: 944 out of 2410 = 39%</a:t>
             </a:r>
           </a:p>
           <a:p>
             <a:pPr lvl="1"/>
             <a:r>
+              <a:rPr lang="en-US" dirty="0">
+                <a:solidFill>
+                  <a:srgbClr val="FF0000"/>
+                </a:solidFill>
+              </a:rPr>
+              <a:t>Style missing: 3</a:t>
+            </a:r>
+          </a:p>
+          <a:p>
+            <a:r>
               <a:rPr lang="en-US" dirty="0"/>
-              <a:t>IBV missing: 944 out of 2410 = 39%</a:t>
+              <a:t>After impute IBU missing values:</a:t>
             </a:r>
           </a:p>
           <a:p>
             <a:pPr lvl="1"/>
             <a:r>
-              <a:rPr lang="en-US" dirty="0"/>
-              <a:t>Style missing: 3</a:t>
-            </a:r>
-          </a:p>
-          <a:p>
-            <a:r>
-              <a:rPr lang="en-US" dirty="0"/>
-              <a:t>After impute IBV missing values:</a:t>
-            </a:r>
-          </a:p>
-          <a:p>
-            <a:pPr lvl="1"/>
-            <a:r>
-              <a:rPr lang="en-US" dirty="0"/>
+              <a:rPr lang="en-US" dirty="0">
+                <a:solidFill>
+                  <a:srgbClr val="FF0000"/>
+                </a:solidFill>
+              </a:rPr>
               <a:t>IBV missing: 11 out of 2410 = 0.46%</a:t>
             </a:r>
           </a:p>
@@ -3241,6 +3515,328 @@
           </a:p>
         </p:txBody>
       </p:sp>
+      <p:grpSp>
+        <p:nvGrpSpPr>
+          <p:cNvPr id="6" name="Group 5">
+            <a:extLst>
+              <a:ext uri="{FF2B5EF4-FFF2-40B4-BE49-F238E27FC236}">
+                <a16:creationId xmlns:a16="http://schemas.microsoft.com/office/drawing/2014/main" id="{614DD2D4-8EC2-19FD-4653-BE9FA4764A22}"/>
+              </a:ext>
+            </a:extLst>
+          </p:cNvPr>
+          <p:cNvGrpSpPr/>
+          <p:nvPr/>
+        </p:nvGrpSpPr>
+        <p:grpSpPr>
+          <a:xfrm>
+            <a:off x="6372808" y="1158273"/>
+            <a:ext cx="4198778" cy="1883505"/>
+            <a:chOff x="6096000" y="1699448"/>
+            <a:chExt cx="4198778" cy="1883505"/>
+          </a:xfrm>
+        </p:grpSpPr>
+        <p:sp>
+          <p:nvSpPr>
+            <p:cNvPr id="4" name="Oval 3">
+              <a:extLst>
+                <a:ext uri="{FF2B5EF4-FFF2-40B4-BE49-F238E27FC236}">
+                  <a16:creationId xmlns:a16="http://schemas.microsoft.com/office/drawing/2014/main" id="{3019FDD2-5390-FB4B-E761-A2E27D6E9A23}"/>
+                </a:ext>
+              </a:extLst>
+            </p:cNvPr>
+            <p:cNvSpPr/>
+            <p:nvPr/>
+          </p:nvSpPr>
+          <p:spPr>
+            <a:xfrm>
+              <a:off x="6279505" y="1699448"/>
+              <a:ext cx="4015273" cy="1883505"/>
+            </a:xfrm>
+            <a:prstGeom prst="ellipse">
+              <a:avLst/>
+            </a:prstGeom>
+            <a:solidFill>
+              <a:srgbClr val="DE1930"/>
+            </a:solidFill>
+            <a:ln>
+              <a:solidFill>
+                <a:srgbClr val="DE1930"/>
+              </a:solidFill>
+            </a:ln>
+          </p:spPr>
+          <p:style>
+            <a:lnRef idx="2">
+              <a:schemeClr val="accent1">
+                <a:shade val="15000"/>
+              </a:schemeClr>
+            </a:lnRef>
+            <a:fillRef idx="1">
+              <a:schemeClr val="accent1"/>
+            </a:fillRef>
+            <a:effectRef idx="0">
+              <a:schemeClr val="accent1"/>
+            </a:effectRef>
+            <a:fontRef idx="minor">
+              <a:schemeClr val="lt1"/>
+            </a:fontRef>
+          </p:style>
+          <p:txBody>
+            <a:bodyPr rtlCol="0" anchor="ctr"/>
+            <a:lstStyle/>
+            <a:p>
+              <a:pPr algn="ctr"/>
+              <a:endParaRPr lang="en-US"/>
+            </a:p>
+          </p:txBody>
+        </p:sp>
+        <p:sp>
+          <p:nvSpPr>
+            <p:cNvPr id="5" name="Content Placeholder 2">
+              <a:extLst>
+                <a:ext uri="{FF2B5EF4-FFF2-40B4-BE49-F238E27FC236}">
+                  <a16:creationId xmlns:a16="http://schemas.microsoft.com/office/drawing/2014/main" id="{0AFDE210-1D01-3F36-921D-A0558E952AED}"/>
+                </a:ext>
+              </a:extLst>
+            </p:cNvPr>
+            <p:cNvSpPr txBox="1">
+              <a:spLocks/>
+            </p:cNvSpPr>
+            <p:nvPr/>
+          </p:nvSpPr>
+          <p:spPr>
+            <a:xfrm>
+              <a:off x="6096000" y="2100667"/>
+              <a:ext cx="4152123" cy="1153313"/>
+            </a:xfrm>
+            <a:prstGeom prst="rect">
+              <a:avLst/>
+            </a:prstGeom>
+          </p:spPr>
+          <p:txBody>
+            <a:bodyPr vert="horz" lIns="91440" tIns="45720" rIns="91440" bIns="45720" rtlCol="0">
+              <a:normAutofit/>
+            </a:bodyPr>
+            <a:lstStyle>
+              <a:lvl1pPr marL="228600" indent="-228600" algn="l" defTabSz="914400" rtl="0" eaLnBrk="1" latinLnBrk="0" hangingPunct="1">
+                <a:lnSpc>
+                  <a:spcPct val="90000"/>
+                </a:lnSpc>
+                <a:spcBef>
+                  <a:spcPts val="1000"/>
+                </a:spcBef>
+                <a:buFont typeface="Arial" panose="020B0604020202020204" pitchFamily="34" charset="0"/>
+                <a:buChar char="•"/>
+                <a:defRPr sz="2800" kern="1200">
+                  <a:solidFill>
+                    <a:schemeClr val="tx1"/>
+                  </a:solidFill>
+                  <a:latin typeface="+mn-lt"/>
+                  <a:ea typeface="+mn-ea"/>
+                  <a:cs typeface="+mn-cs"/>
+                </a:defRPr>
+              </a:lvl1pPr>
+              <a:lvl2pPr marL="685800" indent="-228600" algn="l" defTabSz="914400" rtl="0" eaLnBrk="1" latinLnBrk="0" hangingPunct="1">
+                <a:lnSpc>
+                  <a:spcPct val="90000"/>
+                </a:lnSpc>
+                <a:spcBef>
+                  <a:spcPts val="500"/>
+                </a:spcBef>
+                <a:buFont typeface="Arial" panose="020B0604020202020204" pitchFamily="34" charset="0"/>
+                <a:buChar char="•"/>
+                <a:defRPr sz="2400" kern="1200">
+                  <a:solidFill>
+                    <a:schemeClr val="tx1"/>
+                  </a:solidFill>
+                  <a:latin typeface="+mn-lt"/>
+                  <a:ea typeface="+mn-ea"/>
+                  <a:cs typeface="+mn-cs"/>
+                </a:defRPr>
+              </a:lvl2pPr>
+              <a:lvl3pPr marL="1143000" indent="-228600" algn="l" defTabSz="914400" rtl="0" eaLnBrk="1" latinLnBrk="0" hangingPunct="1">
+                <a:lnSpc>
+                  <a:spcPct val="90000"/>
+                </a:lnSpc>
+                <a:spcBef>
+                  <a:spcPts val="500"/>
+                </a:spcBef>
+                <a:buFont typeface="Arial" panose="020B0604020202020204" pitchFamily="34" charset="0"/>
+                <a:buChar char="•"/>
+                <a:defRPr sz="2000" kern="1200">
+                  <a:solidFill>
+                    <a:schemeClr val="tx1"/>
+                  </a:solidFill>
+                  <a:latin typeface="+mn-lt"/>
+                  <a:ea typeface="+mn-ea"/>
+                  <a:cs typeface="+mn-cs"/>
+                </a:defRPr>
+              </a:lvl3pPr>
+              <a:lvl4pPr marL="1600200" indent="-228600" algn="l" defTabSz="914400" rtl="0" eaLnBrk="1" latinLnBrk="0" hangingPunct="1">
+                <a:lnSpc>
+                  <a:spcPct val="90000"/>
+                </a:lnSpc>
+                <a:spcBef>
+                  <a:spcPts val="500"/>
+                </a:spcBef>
+                <a:buFont typeface="Arial" panose="020B0604020202020204" pitchFamily="34" charset="0"/>
+                <a:buChar char="•"/>
+                <a:defRPr sz="1800" kern="1200">
+                  <a:solidFill>
+                    <a:schemeClr val="tx1"/>
+                  </a:solidFill>
+                  <a:latin typeface="+mn-lt"/>
+                  <a:ea typeface="+mn-ea"/>
+                  <a:cs typeface="+mn-cs"/>
+                </a:defRPr>
+              </a:lvl4pPr>
+              <a:lvl5pPr marL="2057400" indent="-228600" algn="l" defTabSz="914400" rtl="0" eaLnBrk="1" latinLnBrk="0" hangingPunct="1">
+                <a:lnSpc>
+                  <a:spcPct val="90000"/>
+                </a:lnSpc>
+                <a:spcBef>
+                  <a:spcPts val="500"/>
+                </a:spcBef>
+                <a:buFont typeface="Arial" panose="020B0604020202020204" pitchFamily="34" charset="0"/>
+                <a:buChar char="•"/>
+                <a:defRPr sz="1800" kern="1200">
+                  <a:solidFill>
+                    <a:schemeClr val="tx1"/>
+                  </a:solidFill>
+                  <a:latin typeface="+mn-lt"/>
+                  <a:ea typeface="+mn-ea"/>
+                  <a:cs typeface="+mn-cs"/>
+                </a:defRPr>
+              </a:lvl5pPr>
+              <a:lvl6pPr marL="2514600" indent="-228600" algn="l" defTabSz="914400" rtl="0" eaLnBrk="1" latinLnBrk="0" hangingPunct="1">
+                <a:lnSpc>
+                  <a:spcPct val="90000"/>
+                </a:lnSpc>
+                <a:spcBef>
+                  <a:spcPts val="500"/>
+                </a:spcBef>
+                <a:buFont typeface="Arial" panose="020B0604020202020204" pitchFamily="34" charset="0"/>
+                <a:buChar char="•"/>
+                <a:defRPr sz="1800" kern="1200">
+                  <a:solidFill>
+                    <a:schemeClr val="tx1"/>
+                  </a:solidFill>
+                  <a:latin typeface="+mn-lt"/>
+                  <a:ea typeface="+mn-ea"/>
+                  <a:cs typeface="+mn-cs"/>
+                </a:defRPr>
+              </a:lvl6pPr>
+              <a:lvl7pPr marL="2971800" indent="-228600" algn="l" defTabSz="914400" rtl="0" eaLnBrk="1" latinLnBrk="0" hangingPunct="1">
+                <a:lnSpc>
+                  <a:spcPct val="90000"/>
+                </a:lnSpc>
+                <a:spcBef>
+                  <a:spcPts val="500"/>
+                </a:spcBef>
+                <a:buFont typeface="Arial" panose="020B0604020202020204" pitchFamily="34" charset="0"/>
+                <a:buChar char="•"/>
+                <a:defRPr sz="1800" kern="1200">
+                  <a:solidFill>
+                    <a:schemeClr val="tx1"/>
+                  </a:solidFill>
+                  <a:latin typeface="+mn-lt"/>
+                  <a:ea typeface="+mn-ea"/>
+                  <a:cs typeface="+mn-cs"/>
+                </a:defRPr>
+              </a:lvl7pPr>
+              <a:lvl8pPr marL="3429000" indent="-228600" algn="l" defTabSz="914400" rtl="0" eaLnBrk="1" latinLnBrk="0" hangingPunct="1">
+                <a:lnSpc>
+                  <a:spcPct val="90000"/>
+                </a:lnSpc>
+                <a:spcBef>
+                  <a:spcPts val="500"/>
+                </a:spcBef>
+                <a:buFont typeface="Arial" panose="020B0604020202020204" pitchFamily="34" charset="0"/>
+                <a:buChar char="•"/>
+                <a:defRPr sz="1800" kern="1200">
+                  <a:solidFill>
+                    <a:schemeClr val="tx1"/>
+                  </a:solidFill>
+                  <a:latin typeface="+mn-lt"/>
+                  <a:ea typeface="+mn-ea"/>
+                  <a:cs typeface="+mn-cs"/>
+                </a:defRPr>
+              </a:lvl8pPr>
+              <a:lvl9pPr marL="3886200" indent="-228600" algn="l" defTabSz="914400" rtl="0" eaLnBrk="1" latinLnBrk="0" hangingPunct="1">
+                <a:lnSpc>
+                  <a:spcPct val="90000"/>
+                </a:lnSpc>
+                <a:spcBef>
+                  <a:spcPts val="500"/>
+                </a:spcBef>
+                <a:buFont typeface="Arial" panose="020B0604020202020204" pitchFamily="34" charset="0"/>
+                <a:buChar char="•"/>
+                <a:defRPr sz="1800" kern="1200">
+                  <a:solidFill>
+                    <a:schemeClr val="tx1"/>
+                  </a:solidFill>
+                  <a:latin typeface="+mn-lt"/>
+                  <a:ea typeface="+mn-ea"/>
+                  <a:cs typeface="+mn-cs"/>
+                </a:defRPr>
+              </a:lvl9pPr>
+            </a:lstStyle>
+            <a:p>
+              <a:pPr marL="457200" lvl="1" indent="0">
+                <a:buNone/>
+              </a:pPr>
+              <a:r>
+                <a:rPr lang="en-US" dirty="0">
+                  <a:solidFill>
+                    <a:schemeClr val="bg1"/>
+                  </a:solidFill>
+                </a:rPr>
+                <a:t>Impute missing IBU values with the median of IBU for that style of beer</a:t>
+              </a:r>
+            </a:p>
+          </p:txBody>
+        </p:sp>
+      </p:grpSp>
+      <p:cxnSp>
+        <p:nvCxnSpPr>
+          <p:cNvPr id="8" name="Straight Arrow Connector 7">
+            <a:extLst>
+              <a:ext uri="{FF2B5EF4-FFF2-40B4-BE49-F238E27FC236}">
+                <a16:creationId xmlns:a16="http://schemas.microsoft.com/office/drawing/2014/main" id="{4EFBF708-DBDF-2194-F40F-0CB54266089C}"/>
+              </a:ext>
+            </a:extLst>
+          </p:cNvPr>
+          <p:cNvCxnSpPr>
+            <a:cxnSpLocks/>
+          </p:cNvCxnSpPr>
+          <p:nvPr/>
+        </p:nvCxnSpPr>
+        <p:spPr>
+          <a:xfrm flipV="1">
+            <a:off x="6096000" y="3107094"/>
+            <a:ext cx="1844351" cy="1278294"/>
+          </a:xfrm>
+          <a:prstGeom prst="straightConnector1">
+            <a:avLst/>
+          </a:prstGeom>
+          <a:ln w="76200">
+            <a:tailEnd type="triangle"/>
+          </a:ln>
+        </p:spPr>
+        <p:style>
+          <a:lnRef idx="1">
+            <a:schemeClr val="accent1"/>
+          </a:lnRef>
+          <a:fillRef idx="0">
+            <a:schemeClr val="accent1"/>
+          </a:fillRef>
+          <a:effectRef idx="0">
+            <a:schemeClr val="accent1"/>
+          </a:effectRef>
+          <a:fontRef idx="minor">
+            <a:schemeClr val="tx1"/>
+          </a:fontRef>
+        </p:style>
+      </p:cxnSp>
     </p:spTree>
     <p:extLst>
       <p:ext uri="{BB962C8B-B14F-4D97-AF65-F5344CB8AC3E}">
@@ -3301,7 +3897,7 @@
           <a:p>
             <a:r>
               <a:rPr lang="en-US" sz="4000" dirty="0"/>
-              <a:t>Median APV and IBU by State</a:t>
+              <a:t>Median ABV and IBU by State</a:t>
             </a:r>
           </a:p>
         </p:txBody>
@@ -3396,7 +3992,7 @@
           <a:p>
             <a:r>
               <a:rPr lang="en-US" sz="4000" dirty="0"/>
-              <a:t>Median APV and IBU by State</a:t>
+              <a:t>Median ABV and IBU by State</a:t>
             </a:r>
           </a:p>
         </p:txBody>
@@ -3479,6 +4075,483 @@
         </p:nvSpPr>
         <p:spPr>
           <a:xfrm>
+            <a:off x="404943" y="92917"/>
+            <a:ext cx="10047352" cy="688753"/>
+          </a:xfrm>
+        </p:spPr>
+        <p:txBody>
+          <a:bodyPr anchor="ctr">
+            <a:normAutofit/>
+          </a:bodyPr>
+          <a:lstStyle/>
+          <a:p>
+            <a:r>
+              <a:rPr lang="en-US" sz="4000" dirty="0"/>
+              <a:t>Comparing ABV and IBU by State</a:t>
+            </a:r>
+          </a:p>
+        </p:txBody>
+      </p:sp>
+      <p:sp>
+        <p:nvSpPr>
+          <p:cNvPr id="3" name="Content Placeholder 2">
+            <a:extLst>
+              <a:ext uri="{FF2B5EF4-FFF2-40B4-BE49-F238E27FC236}">
+                <a16:creationId xmlns:a16="http://schemas.microsoft.com/office/drawing/2014/main" id="{08F12EFF-0684-7E86-4233-16846264C659}"/>
+              </a:ext>
+            </a:extLst>
+          </p:cNvPr>
+          <p:cNvSpPr>
+            <a:spLocks noGrp="1"/>
+          </p:cNvSpPr>
+          <p:nvPr>
+            <p:ph idx="1"/>
+          </p:nvPr>
+        </p:nvSpPr>
+        <p:spPr>
+          <a:xfrm>
+            <a:off x="404944" y="1661747"/>
+            <a:ext cx="7022224" cy="4387352"/>
+          </a:xfrm>
+        </p:spPr>
+        <p:txBody>
+          <a:bodyPr/>
+          <a:lstStyle/>
+          <a:p>
+            <a:pPr marL="0" indent="0">
+              <a:buNone/>
+            </a:pPr>
+            <a:r>
+              <a:rPr lang="en-US" dirty="0"/>
+              <a:t>Kentucky led the States in highest average % alcohol, while West Virginia led the States in bitterness.</a:t>
+            </a:r>
+          </a:p>
+          <a:p>
+            <a:pPr marL="0" indent="0">
+              <a:buNone/>
+            </a:pPr>
+            <a:endParaRPr lang="en-US" dirty="0"/>
+          </a:p>
+          <a:p>
+            <a:pPr marL="0" indent="0">
+              <a:buNone/>
+            </a:pPr>
+            <a:r>
+              <a:rPr lang="en-US" dirty="0"/>
+              <a:t>While Kentucky was highest in ABV it scored in the lower half for IBU.</a:t>
+            </a:r>
+          </a:p>
+          <a:p>
+            <a:pPr marL="0" indent="0">
+              <a:buNone/>
+            </a:pPr>
+            <a:endParaRPr lang="en-US" dirty="0"/>
+          </a:p>
+          <a:p>
+            <a:pPr marL="0" indent="0">
+              <a:buNone/>
+            </a:pPr>
+            <a:r>
+              <a:rPr lang="en-US" dirty="0"/>
+              <a:t>West Virginia was in top 5 for both ABV and IBU.</a:t>
+            </a:r>
+          </a:p>
+          <a:p>
+            <a:pPr marL="0" indent="0">
+              <a:buNone/>
+            </a:pPr>
+            <a:endParaRPr lang="en-US" dirty="0"/>
+          </a:p>
+          <a:p>
+            <a:pPr marL="0" indent="0">
+              <a:buNone/>
+            </a:pPr>
+            <a:endParaRPr lang="en-US" dirty="0"/>
+          </a:p>
+          <a:p>
+            <a:pPr marL="0" indent="0">
+              <a:buNone/>
+            </a:pPr>
+            <a:endParaRPr lang="en-US" dirty="0"/>
+          </a:p>
+          <a:p>
+            <a:pPr marL="0" indent="0">
+              <a:buNone/>
+            </a:pPr>
+            <a:endParaRPr lang="en-US" dirty="0"/>
+          </a:p>
+        </p:txBody>
+      </p:sp>
+      <p:grpSp>
+        <p:nvGrpSpPr>
+          <p:cNvPr id="5" name="Group 4">
+            <a:extLst>
+              <a:ext uri="{FF2B5EF4-FFF2-40B4-BE49-F238E27FC236}">
+                <a16:creationId xmlns:a16="http://schemas.microsoft.com/office/drawing/2014/main" id="{C8C01BA5-7868-7D17-EA15-D670CD6C8EF5}"/>
+              </a:ext>
+            </a:extLst>
+          </p:cNvPr>
+          <p:cNvGrpSpPr/>
+          <p:nvPr/>
+        </p:nvGrpSpPr>
+        <p:grpSpPr>
+          <a:xfrm>
+            <a:off x="7315200" y="2056039"/>
+            <a:ext cx="3470990" cy="819816"/>
+            <a:chOff x="6096000" y="1699448"/>
+            <a:chExt cx="4198778" cy="1883505"/>
+          </a:xfrm>
+        </p:grpSpPr>
+        <p:sp>
+          <p:nvSpPr>
+            <p:cNvPr id="6" name="Oval 5">
+              <a:extLst>
+                <a:ext uri="{FF2B5EF4-FFF2-40B4-BE49-F238E27FC236}">
+                  <a16:creationId xmlns:a16="http://schemas.microsoft.com/office/drawing/2014/main" id="{D23CDF84-6640-75FC-D715-B15027A46A5F}"/>
+                </a:ext>
+              </a:extLst>
+            </p:cNvPr>
+            <p:cNvSpPr/>
+            <p:nvPr/>
+          </p:nvSpPr>
+          <p:spPr>
+            <a:xfrm>
+              <a:off x="6279505" y="1699448"/>
+              <a:ext cx="4015273" cy="1883505"/>
+            </a:xfrm>
+            <a:prstGeom prst="ellipse">
+              <a:avLst/>
+            </a:prstGeom>
+            <a:solidFill>
+              <a:srgbClr val="DE1930"/>
+            </a:solidFill>
+            <a:ln>
+              <a:solidFill>
+                <a:srgbClr val="DE1930"/>
+              </a:solidFill>
+            </a:ln>
+          </p:spPr>
+          <p:style>
+            <a:lnRef idx="2">
+              <a:schemeClr val="accent1">
+                <a:shade val="15000"/>
+              </a:schemeClr>
+            </a:lnRef>
+            <a:fillRef idx="1">
+              <a:schemeClr val="accent1"/>
+            </a:fillRef>
+            <a:effectRef idx="0">
+              <a:schemeClr val="accent1"/>
+            </a:effectRef>
+            <a:fontRef idx="minor">
+              <a:schemeClr val="lt1"/>
+            </a:fontRef>
+          </p:style>
+          <p:txBody>
+            <a:bodyPr rtlCol="0" anchor="ctr"/>
+            <a:lstStyle/>
+            <a:p>
+              <a:pPr algn="ctr"/>
+              <a:endParaRPr lang="en-US"/>
+            </a:p>
+          </p:txBody>
+        </p:sp>
+        <p:sp>
+          <p:nvSpPr>
+            <p:cNvPr id="7" name="Content Placeholder 2">
+              <a:extLst>
+                <a:ext uri="{FF2B5EF4-FFF2-40B4-BE49-F238E27FC236}">
+                  <a16:creationId xmlns:a16="http://schemas.microsoft.com/office/drawing/2014/main" id="{99D1725F-6389-3711-1FB4-41605BF6F791}"/>
+                </a:ext>
+              </a:extLst>
+            </p:cNvPr>
+            <p:cNvSpPr txBox="1">
+              <a:spLocks/>
+            </p:cNvSpPr>
+            <p:nvPr/>
+          </p:nvSpPr>
+          <p:spPr>
+            <a:xfrm>
+              <a:off x="6096000" y="2100667"/>
+              <a:ext cx="4152123" cy="1153313"/>
+            </a:xfrm>
+            <a:prstGeom prst="rect">
+              <a:avLst/>
+            </a:prstGeom>
+          </p:spPr>
+          <p:txBody>
+            <a:bodyPr vert="horz" lIns="91440" tIns="45720" rIns="91440" bIns="45720" rtlCol="0">
+              <a:normAutofit/>
+            </a:bodyPr>
+            <a:lstStyle>
+              <a:lvl1pPr marL="228600" indent="-228600" algn="l" defTabSz="914400" rtl="0" eaLnBrk="1" latinLnBrk="0" hangingPunct="1">
+                <a:lnSpc>
+                  <a:spcPct val="90000"/>
+                </a:lnSpc>
+                <a:spcBef>
+                  <a:spcPts val="1000"/>
+                </a:spcBef>
+                <a:buFont typeface="Arial" panose="020B0604020202020204" pitchFamily="34" charset="0"/>
+                <a:buChar char="•"/>
+                <a:defRPr sz="2800" kern="1200">
+                  <a:solidFill>
+                    <a:schemeClr val="tx1"/>
+                  </a:solidFill>
+                  <a:latin typeface="+mn-lt"/>
+                  <a:ea typeface="+mn-ea"/>
+                  <a:cs typeface="+mn-cs"/>
+                </a:defRPr>
+              </a:lvl1pPr>
+              <a:lvl2pPr marL="685800" indent="-228600" algn="l" defTabSz="914400" rtl="0" eaLnBrk="1" latinLnBrk="0" hangingPunct="1">
+                <a:lnSpc>
+                  <a:spcPct val="90000"/>
+                </a:lnSpc>
+                <a:spcBef>
+                  <a:spcPts val="500"/>
+                </a:spcBef>
+                <a:buFont typeface="Arial" panose="020B0604020202020204" pitchFamily="34" charset="0"/>
+                <a:buChar char="•"/>
+                <a:defRPr sz="2400" kern="1200">
+                  <a:solidFill>
+                    <a:schemeClr val="tx1"/>
+                  </a:solidFill>
+                  <a:latin typeface="+mn-lt"/>
+                  <a:ea typeface="+mn-ea"/>
+                  <a:cs typeface="+mn-cs"/>
+                </a:defRPr>
+              </a:lvl2pPr>
+              <a:lvl3pPr marL="1143000" indent="-228600" algn="l" defTabSz="914400" rtl="0" eaLnBrk="1" latinLnBrk="0" hangingPunct="1">
+                <a:lnSpc>
+                  <a:spcPct val="90000"/>
+                </a:lnSpc>
+                <a:spcBef>
+                  <a:spcPts val="500"/>
+                </a:spcBef>
+                <a:buFont typeface="Arial" panose="020B0604020202020204" pitchFamily="34" charset="0"/>
+                <a:buChar char="•"/>
+                <a:defRPr sz="2000" kern="1200">
+                  <a:solidFill>
+                    <a:schemeClr val="tx1"/>
+                  </a:solidFill>
+                  <a:latin typeface="+mn-lt"/>
+                  <a:ea typeface="+mn-ea"/>
+                  <a:cs typeface="+mn-cs"/>
+                </a:defRPr>
+              </a:lvl3pPr>
+              <a:lvl4pPr marL="1600200" indent="-228600" algn="l" defTabSz="914400" rtl="0" eaLnBrk="1" latinLnBrk="0" hangingPunct="1">
+                <a:lnSpc>
+                  <a:spcPct val="90000"/>
+                </a:lnSpc>
+                <a:spcBef>
+                  <a:spcPts val="500"/>
+                </a:spcBef>
+                <a:buFont typeface="Arial" panose="020B0604020202020204" pitchFamily="34" charset="0"/>
+                <a:buChar char="•"/>
+                <a:defRPr sz="1800" kern="1200">
+                  <a:solidFill>
+                    <a:schemeClr val="tx1"/>
+                  </a:solidFill>
+                  <a:latin typeface="+mn-lt"/>
+                  <a:ea typeface="+mn-ea"/>
+                  <a:cs typeface="+mn-cs"/>
+                </a:defRPr>
+              </a:lvl4pPr>
+              <a:lvl5pPr marL="2057400" indent="-228600" algn="l" defTabSz="914400" rtl="0" eaLnBrk="1" latinLnBrk="0" hangingPunct="1">
+                <a:lnSpc>
+                  <a:spcPct val="90000"/>
+                </a:lnSpc>
+                <a:spcBef>
+                  <a:spcPts val="500"/>
+                </a:spcBef>
+                <a:buFont typeface="Arial" panose="020B0604020202020204" pitchFamily="34" charset="0"/>
+                <a:buChar char="•"/>
+                <a:defRPr sz="1800" kern="1200">
+                  <a:solidFill>
+                    <a:schemeClr val="tx1"/>
+                  </a:solidFill>
+                  <a:latin typeface="+mn-lt"/>
+                  <a:ea typeface="+mn-ea"/>
+                  <a:cs typeface="+mn-cs"/>
+                </a:defRPr>
+              </a:lvl5pPr>
+              <a:lvl6pPr marL="2514600" indent="-228600" algn="l" defTabSz="914400" rtl="0" eaLnBrk="1" latinLnBrk="0" hangingPunct="1">
+                <a:lnSpc>
+                  <a:spcPct val="90000"/>
+                </a:lnSpc>
+                <a:spcBef>
+                  <a:spcPts val="500"/>
+                </a:spcBef>
+                <a:buFont typeface="Arial" panose="020B0604020202020204" pitchFamily="34" charset="0"/>
+                <a:buChar char="•"/>
+                <a:defRPr sz="1800" kern="1200">
+                  <a:solidFill>
+                    <a:schemeClr val="tx1"/>
+                  </a:solidFill>
+                  <a:latin typeface="+mn-lt"/>
+                  <a:ea typeface="+mn-ea"/>
+                  <a:cs typeface="+mn-cs"/>
+                </a:defRPr>
+              </a:lvl6pPr>
+              <a:lvl7pPr marL="2971800" indent="-228600" algn="l" defTabSz="914400" rtl="0" eaLnBrk="1" latinLnBrk="0" hangingPunct="1">
+                <a:lnSpc>
+                  <a:spcPct val="90000"/>
+                </a:lnSpc>
+                <a:spcBef>
+                  <a:spcPts val="500"/>
+                </a:spcBef>
+                <a:buFont typeface="Arial" panose="020B0604020202020204" pitchFamily="34" charset="0"/>
+                <a:buChar char="•"/>
+                <a:defRPr sz="1800" kern="1200">
+                  <a:solidFill>
+                    <a:schemeClr val="tx1"/>
+                  </a:solidFill>
+                  <a:latin typeface="+mn-lt"/>
+                  <a:ea typeface="+mn-ea"/>
+                  <a:cs typeface="+mn-cs"/>
+                </a:defRPr>
+              </a:lvl7pPr>
+              <a:lvl8pPr marL="3429000" indent="-228600" algn="l" defTabSz="914400" rtl="0" eaLnBrk="1" latinLnBrk="0" hangingPunct="1">
+                <a:lnSpc>
+                  <a:spcPct val="90000"/>
+                </a:lnSpc>
+                <a:spcBef>
+                  <a:spcPts val="500"/>
+                </a:spcBef>
+                <a:buFont typeface="Arial" panose="020B0604020202020204" pitchFamily="34" charset="0"/>
+                <a:buChar char="•"/>
+                <a:defRPr sz="1800" kern="1200">
+                  <a:solidFill>
+                    <a:schemeClr val="tx1"/>
+                  </a:solidFill>
+                  <a:latin typeface="+mn-lt"/>
+                  <a:ea typeface="+mn-ea"/>
+                  <a:cs typeface="+mn-cs"/>
+                </a:defRPr>
+              </a:lvl8pPr>
+              <a:lvl9pPr marL="3886200" indent="-228600" algn="l" defTabSz="914400" rtl="0" eaLnBrk="1" latinLnBrk="0" hangingPunct="1">
+                <a:lnSpc>
+                  <a:spcPct val="90000"/>
+                </a:lnSpc>
+                <a:spcBef>
+                  <a:spcPts val="500"/>
+                </a:spcBef>
+                <a:buFont typeface="Arial" panose="020B0604020202020204" pitchFamily="34" charset="0"/>
+                <a:buChar char="•"/>
+                <a:defRPr sz="1800" kern="1200">
+                  <a:solidFill>
+                    <a:schemeClr val="tx1"/>
+                  </a:solidFill>
+                  <a:latin typeface="+mn-lt"/>
+                  <a:ea typeface="+mn-ea"/>
+                  <a:cs typeface="+mn-cs"/>
+                </a:defRPr>
+              </a:lvl9pPr>
+            </a:lstStyle>
+            <a:p>
+              <a:pPr marL="457200" lvl="1" indent="0" algn="ctr">
+                <a:buNone/>
+              </a:pPr>
+              <a:r>
+                <a:rPr lang="en-US" dirty="0">
+                  <a:solidFill>
+                    <a:schemeClr val="bg1"/>
+                  </a:solidFill>
+                </a:rPr>
+                <a:t>Interesting finding!</a:t>
+              </a:r>
+            </a:p>
+          </p:txBody>
+        </p:sp>
+      </p:grpSp>
+      <p:cxnSp>
+        <p:nvCxnSpPr>
+          <p:cNvPr id="8" name="Straight Arrow Connector 7">
+            <a:extLst>
+              <a:ext uri="{FF2B5EF4-FFF2-40B4-BE49-F238E27FC236}">
+                <a16:creationId xmlns:a16="http://schemas.microsoft.com/office/drawing/2014/main" id="{46CABAB1-634B-41A3-4454-F149FA4F6CDC}"/>
+              </a:ext>
+            </a:extLst>
+          </p:cNvPr>
+          <p:cNvCxnSpPr>
+            <a:cxnSpLocks/>
+          </p:cNvCxnSpPr>
+          <p:nvPr/>
+        </p:nvCxnSpPr>
+        <p:spPr>
+          <a:xfrm flipH="1">
+            <a:off x="6606073" y="2565918"/>
+            <a:ext cx="1296956" cy="1026368"/>
+          </a:xfrm>
+          <a:prstGeom prst="straightConnector1">
+            <a:avLst/>
+          </a:prstGeom>
+          <a:ln w="76200">
+            <a:tailEnd type="triangle"/>
+          </a:ln>
+        </p:spPr>
+        <p:style>
+          <a:lnRef idx="1">
+            <a:schemeClr val="accent1"/>
+          </a:lnRef>
+          <a:fillRef idx="0">
+            <a:schemeClr val="accent1"/>
+          </a:fillRef>
+          <a:effectRef idx="0">
+            <a:schemeClr val="accent1"/>
+          </a:effectRef>
+          <a:fontRef idx="minor">
+            <a:schemeClr val="tx1"/>
+          </a:fontRef>
+        </p:style>
+      </p:cxnSp>
+    </p:spTree>
+    <p:extLst>
+      <p:ext uri="{BB962C8B-B14F-4D97-AF65-F5344CB8AC3E}">
+        <p14:creationId xmlns:p14="http://schemas.microsoft.com/office/powerpoint/2010/main" val="1556083333"/>
+      </p:ext>
+    </p:extLst>
+  </p:cSld>
+  <p:clrMapOvr>
+    <a:masterClrMapping/>
+  </p:clrMapOvr>
+</p:sld>
+</file>
+
+<file path=ppt/slides/slide8.xml><?xml version="1.0" encoding="utf-8"?>
+<p:sld xmlns:a="http://schemas.openxmlformats.org/drawingml/2006/main" xmlns:r="http://schemas.openxmlformats.org/officeDocument/2006/relationships" xmlns:p="http://schemas.openxmlformats.org/presentationml/2006/main">
+  <p:cSld>
+    <p:spTree>
+      <p:nvGrpSpPr>
+        <p:cNvPr id="1" name=""/>
+        <p:cNvGrpSpPr/>
+        <p:nvPr/>
+      </p:nvGrpSpPr>
+      <p:grpSpPr>
+        <a:xfrm>
+          <a:off x="0" y="0"/>
+          <a:ext cx="0" cy="0"/>
+          <a:chOff x="0" y="0"/>
+          <a:chExt cx="0" cy="0"/>
+        </a:xfrm>
+      </p:grpSpPr>
+      <p:sp>
+        <p:nvSpPr>
+          <p:cNvPr id="2" name="Title 1">
+            <a:extLst>
+              <a:ext uri="{FF2B5EF4-FFF2-40B4-BE49-F238E27FC236}">
+                <a16:creationId xmlns:a16="http://schemas.microsoft.com/office/drawing/2014/main" id="{4B6F8C27-BB5F-E87C-34D7-208B35BC2052}"/>
+              </a:ext>
+            </a:extLst>
+          </p:cNvPr>
+          <p:cNvSpPr>
+            <a:spLocks noGrp="1"/>
+          </p:cNvSpPr>
+          <p:nvPr>
+            <p:ph type="title"/>
+          </p:nvPr>
+        </p:nvSpPr>
+        <p:spPr>
+          <a:xfrm>
             <a:off x="404943" y="33914"/>
             <a:ext cx="10047352" cy="909979"/>
           </a:xfrm>
@@ -3491,7 +4564,7 @@
           <a:p>
             <a:r>
               <a:rPr lang="en-US" sz="4000" dirty="0"/>
-              <a:t>APV Statistics</a:t>
+              <a:t>ABV Statistics</a:t>
             </a:r>
           </a:p>
         </p:txBody>
@@ -3568,8 +4641,16 @@
           </a:p>
           <a:p>
             <a:r>
+              <a:rPr lang="en-US" sz="2000" dirty="0">
+                <a:solidFill>
+                  <a:srgbClr val="0000FF"/>
+                </a:solidFill>
+              </a:rPr>
+              <a:t>Median</a:t>
+            </a:r>
+            <a:r>
               <a:rPr lang="en-US" sz="2000" dirty="0"/>
-              <a:t>Median = 5.6%</a:t>
+              <a:t> = 5.6%</a:t>
             </a:r>
           </a:p>
           <a:p>
@@ -3611,7 +4692,7 @@
 </p:sld>
 </file>
 
-<file path=ppt/slides/slide8.xml><?xml version="1.0" encoding="utf-8"?>
+<file path=ppt/slides/slide9.xml><?xml version="1.0" encoding="utf-8"?>
 <p:sld xmlns:a="http://schemas.openxmlformats.org/drawingml/2006/main" xmlns:r="http://schemas.openxmlformats.org/officeDocument/2006/relationships" xmlns:p="http://schemas.openxmlformats.org/presentationml/2006/main">
   <p:cSld>
     <p:spTree>
@@ -3658,7 +4739,7 @@
           <a:p>
             <a:r>
               <a:rPr lang="en-US" sz="4000" dirty="0"/>
-              <a:t>APV vs. IBU</a:t>
+              <a:t>ABV vs. IBU</a:t>
             </a:r>
           </a:p>
         </p:txBody>

--- a/Case Study 1/EDA slides-1.pptx
+++ b/Case Study 1/EDA slides-1.pptx
@@ -4,6 +4,9 @@
   <p:sldMasterIdLst>
     <p:sldMasterId id="2147483648" r:id="rId1"/>
   </p:sldMasterIdLst>
+  <p:notesMasterIdLst>
+    <p:notesMasterId r:id="rId14"/>
+  </p:notesMasterIdLst>
   <p:sldIdLst>
     <p:sldId id="256" r:id="rId2"/>
     <p:sldId id="257" r:id="rId3"/>
@@ -13,8 +16,10 @@
     <p:sldId id="264" r:id="rId7"/>
     <p:sldId id="266" r:id="rId8"/>
     <p:sldId id="262" r:id="rId9"/>
-    <p:sldId id="263" r:id="rId10"/>
-    <p:sldId id="265" r:id="rId11"/>
+    <p:sldId id="267" r:id="rId10"/>
+    <p:sldId id="263" r:id="rId11"/>
+    <p:sldId id="265" r:id="rId12"/>
+    <p:sldId id="268" r:id="rId13"/>
   </p:sldIdLst>
   <p:sldSz cx="12192000" cy="6858000"/>
   <p:notesSz cx="6858000" cy="9144000"/>
@@ -119,6 +124,1159 @@
     </p:ext>
   </p:extLst>
 </p:presentation>
+</file>
+
+<file path=ppt/notesMasters/notesMaster1.xml><?xml version="1.0" encoding="utf-8"?>
+<p:notesMaster xmlns:a="http://schemas.openxmlformats.org/drawingml/2006/main" xmlns:r="http://schemas.openxmlformats.org/officeDocument/2006/relationships" xmlns:p="http://schemas.openxmlformats.org/presentationml/2006/main">
+  <p:cSld>
+    <p:bg>
+      <p:bgRef idx="1001">
+        <a:schemeClr val="bg1"/>
+      </p:bgRef>
+    </p:bg>
+    <p:spTree>
+      <p:nvGrpSpPr>
+        <p:cNvPr id="1" name=""/>
+        <p:cNvGrpSpPr/>
+        <p:nvPr/>
+      </p:nvGrpSpPr>
+      <p:grpSpPr>
+        <a:xfrm>
+          <a:off x="0" y="0"/>
+          <a:ext cx="0" cy="0"/>
+          <a:chOff x="0" y="0"/>
+          <a:chExt cx="0" cy="0"/>
+        </a:xfrm>
+      </p:grpSpPr>
+      <p:sp>
+        <p:nvSpPr>
+          <p:cNvPr id="2" name="Header Placeholder 1"/>
+          <p:cNvSpPr>
+            <a:spLocks noGrp="1"/>
+          </p:cNvSpPr>
+          <p:nvPr>
+            <p:ph type="hdr" sz="quarter"/>
+          </p:nvPr>
+        </p:nvSpPr>
+        <p:spPr>
+          <a:xfrm>
+            <a:off x="0" y="0"/>
+            <a:ext cx="2971800" cy="458788"/>
+          </a:xfrm>
+          <a:prstGeom prst="rect">
+            <a:avLst/>
+          </a:prstGeom>
+        </p:spPr>
+        <p:txBody>
+          <a:bodyPr vert="horz" lIns="91440" tIns="45720" rIns="91440" bIns="45720" rtlCol="0"/>
+          <a:lstStyle>
+            <a:lvl1pPr algn="l">
+              <a:defRPr sz="1200"/>
+            </a:lvl1pPr>
+          </a:lstStyle>
+          <a:p>
+            <a:endParaRPr lang="en-US"/>
+          </a:p>
+        </p:txBody>
+      </p:sp>
+      <p:sp>
+        <p:nvSpPr>
+          <p:cNvPr id="3" name="Date Placeholder 2"/>
+          <p:cNvSpPr>
+            <a:spLocks noGrp="1"/>
+          </p:cNvSpPr>
+          <p:nvPr>
+            <p:ph type="dt" idx="1"/>
+          </p:nvPr>
+        </p:nvSpPr>
+        <p:spPr>
+          <a:xfrm>
+            <a:off x="3884613" y="0"/>
+            <a:ext cx="2971800" cy="458788"/>
+          </a:xfrm>
+          <a:prstGeom prst="rect">
+            <a:avLst/>
+          </a:prstGeom>
+        </p:spPr>
+        <p:txBody>
+          <a:bodyPr vert="horz" lIns="91440" tIns="45720" rIns="91440" bIns="45720" rtlCol="0"/>
+          <a:lstStyle>
+            <a:lvl1pPr algn="r">
+              <a:defRPr sz="1200"/>
+            </a:lvl1pPr>
+          </a:lstStyle>
+          <a:p>
+            <a:fld id="{DDA2AD20-2A73-4520-92D8-09F2357760CD}" type="datetimeFigureOut">
+              <a:rPr lang="en-US" smtClean="0"/>
+              <a:t>10/10/2023</a:t>
+            </a:fld>
+            <a:endParaRPr lang="en-US"/>
+          </a:p>
+        </p:txBody>
+      </p:sp>
+      <p:sp>
+        <p:nvSpPr>
+          <p:cNvPr id="4" name="Slide Image Placeholder 3"/>
+          <p:cNvSpPr>
+            <a:spLocks noGrp="1" noRot="1" noChangeAspect="1"/>
+          </p:cNvSpPr>
+          <p:nvPr>
+            <p:ph type="sldImg" idx="2"/>
+          </p:nvPr>
+        </p:nvSpPr>
+        <p:spPr>
+          <a:xfrm>
+            <a:off x="685800" y="1143000"/>
+            <a:ext cx="5486400" cy="3086100"/>
+          </a:xfrm>
+          <a:prstGeom prst="rect">
+            <a:avLst/>
+          </a:prstGeom>
+          <a:noFill/>
+          <a:ln w="12700">
+            <a:solidFill>
+              <a:prstClr val="black"/>
+            </a:solidFill>
+          </a:ln>
+        </p:spPr>
+        <p:txBody>
+          <a:bodyPr vert="horz" lIns="91440" tIns="45720" rIns="91440" bIns="45720" rtlCol="0" anchor="ctr"/>
+          <a:lstStyle/>
+          <a:p>
+            <a:endParaRPr lang="en-US"/>
+          </a:p>
+        </p:txBody>
+      </p:sp>
+      <p:sp>
+        <p:nvSpPr>
+          <p:cNvPr id="5" name="Notes Placeholder 4"/>
+          <p:cNvSpPr>
+            <a:spLocks noGrp="1"/>
+          </p:cNvSpPr>
+          <p:nvPr>
+            <p:ph type="body" sz="quarter" idx="3"/>
+          </p:nvPr>
+        </p:nvSpPr>
+        <p:spPr>
+          <a:xfrm>
+            <a:off x="685800" y="4400550"/>
+            <a:ext cx="5486400" cy="3600450"/>
+          </a:xfrm>
+          <a:prstGeom prst="rect">
+            <a:avLst/>
+          </a:prstGeom>
+        </p:spPr>
+        <p:txBody>
+          <a:bodyPr vert="horz" lIns="91440" tIns="45720" rIns="91440" bIns="45720" rtlCol="0"/>
+          <a:lstStyle/>
+          <a:p>
+            <a:pPr lvl="0"/>
+            <a:r>
+              <a:rPr lang="en-US"/>
+              <a:t>Click to edit Master text styles</a:t>
+            </a:r>
+          </a:p>
+          <a:p>
+            <a:pPr lvl="1"/>
+            <a:r>
+              <a:rPr lang="en-US"/>
+              <a:t>Second level</a:t>
+            </a:r>
+          </a:p>
+          <a:p>
+            <a:pPr lvl="2"/>
+            <a:r>
+              <a:rPr lang="en-US"/>
+              <a:t>Third level</a:t>
+            </a:r>
+          </a:p>
+          <a:p>
+            <a:pPr lvl="3"/>
+            <a:r>
+              <a:rPr lang="en-US"/>
+              <a:t>Fourth level</a:t>
+            </a:r>
+          </a:p>
+          <a:p>
+            <a:pPr lvl="4"/>
+            <a:r>
+              <a:rPr lang="en-US"/>
+              <a:t>Fifth level</a:t>
+            </a:r>
+          </a:p>
+        </p:txBody>
+      </p:sp>
+      <p:sp>
+        <p:nvSpPr>
+          <p:cNvPr id="6" name="Footer Placeholder 5"/>
+          <p:cNvSpPr>
+            <a:spLocks noGrp="1"/>
+          </p:cNvSpPr>
+          <p:nvPr>
+            <p:ph type="ftr" sz="quarter" idx="4"/>
+          </p:nvPr>
+        </p:nvSpPr>
+        <p:spPr>
+          <a:xfrm>
+            <a:off x="0" y="8685213"/>
+            <a:ext cx="2971800" cy="458787"/>
+          </a:xfrm>
+          <a:prstGeom prst="rect">
+            <a:avLst/>
+          </a:prstGeom>
+        </p:spPr>
+        <p:txBody>
+          <a:bodyPr vert="horz" lIns="91440" tIns="45720" rIns="91440" bIns="45720" rtlCol="0" anchor="b"/>
+          <a:lstStyle>
+            <a:lvl1pPr algn="l">
+              <a:defRPr sz="1200"/>
+            </a:lvl1pPr>
+          </a:lstStyle>
+          <a:p>
+            <a:endParaRPr lang="en-US"/>
+          </a:p>
+        </p:txBody>
+      </p:sp>
+      <p:sp>
+        <p:nvSpPr>
+          <p:cNvPr id="7" name="Slide Number Placeholder 6"/>
+          <p:cNvSpPr>
+            <a:spLocks noGrp="1"/>
+          </p:cNvSpPr>
+          <p:nvPr>
+            <p:ph type="sldNum" sz="quarter" idx="5"/>
+          </p:nvPr>
+        </p:nvSpPr>
+        <p:spPr>
+          <a:xfrm>
+            <a:off x="3884613" y="8685213"/>
+            <a:ext cx="2971800" cy="458787"/>
+          </a:xfrm>
+          <a:prstGeom prst="rect">
+            <a:avLst/>
+          </a:prstGeom>
+        </p:spPr>
+        <p:txBody>
+          <a:bodyPr vert="horz" lIns="91440" tIns="45720" rIns="91440" bIns="45720" rtlCol="0" anchor="b"/>
+          <a:lstStyle>
+            <a:lvl1pPr algn="r">
+              <a:defRPr sz="1200"/>
+            </a:lvl1pPr>
+          </a:lstStyle>
+          <a:p>
+            <a:fld id="{E922BBE0-9C86-4477-BE99-0B912D62B6A1}" type="slidenum">
+              <a:rPr lang="en-US" smtClean="0"/>
+              <a:t>‹#›</a:t>
+            </a:fld>
+            <a:endParaRPr lang="en-US"/>
+          </a:p>
+        </p:txBody>
+      </p:sp>
+    </p:spTree>
+    <p:extLst>
+      <p:ext uri="{BB962C8B-B14F-4D97-AF65-F5344CB8AC3E}">
+        <p14:creationId xmlns:p14="http://schemas.microsoft.com/office/powerpoint/2010/main" val="196481557"/>
+      </p:ext>
+    </p:extLst>
+  </p:cSld>
+  <p:clrMap bg1="lt1" tx1="dk1" bg2="lt2" tx2="dk2" accent1="accent1" accent2="accent2" accent3="accent3" accent4="accent4" accent5="accent5" accent6="accent6" hlink="hlink" folHlink="folHlink"/>
+  <p:notesStyle>
+    <a:lvl1pPr marL="0" algn="l" defTabSz="914400" rtl="0" eaLnBrk="1" latinLnBrk="0" hangingPunct="1">
+      <a:defRPr sz="1200" kern="1200">
+        <a:solidFill>
+          <a:schemeClr val="tx1"/>
+        </a:solidFill>
+        <a:latin typeface="+mn-lt"/>
+        <a:ea typeface="+mn-ea"/>
+        <a:cs typeface="+mn-cs"/>
+      </a:defRPr>
+    </a:lvl1pPr>
+    <a:lvl2pPr marL="457200" algn="l" defTabSz="914400" rtl="0" eaLnBrk="1" latinLnBrk="0" hangingPunct="1">
+      <a:defRPr sz="1200" kern="1200">
+        <a:solidFill>
+          <a:schemeClr val="tx1"/>
+        </a:solidFill>
+        <a:latin typeface="+mn-lt"/>
+        <a:ea typeface="+mn-ea"/>
+        <a:cs typeface="+mn-cs"/>
+      </a:defRPr>
+    </a:lvl2pPr>
+    <a:lvl3pPr marL="914400" algn="l" defTabSz="914400" rtl="0" eaLnBrk="1" latinLnBrk="0" hangingPunct="1">
+      <a:defRPr sz="1200" kern="1200">
+        <a:solidFill>
+          <a:schemeClr val="tx1"/>
+        </a:solidFill>
+        <a:latin typeface="+mn-lt"/>
+        <a:ea typeface="+mn-ea"/>
+        <a:cs typeface="+mn-cs"/>
+      </a:defRPr>
+    </a:lvl3pPr>
+    <a:lvl4pPr marL="1371600" algn="l" defTabSz="914400" rtl="0" eaLnBrk="1" latinLnBrk="0" hangingPunct="1">
+      <a:defRPr sz="1200" kern="1200">
+        <a:solidFill>
+          <a:schemeClr val="tx1"/>
+        </a:solidFill>
+        <a:latin typeface="+mn-lt"/>
+        <a:ea typeface="+mn-ea"/>
+        <a:cs typeface="+mn-cs"/>
+      </a:defRPr>
+    </a:lvl4pPr>
+    <a:lvl5pPr marL="1828800" algn="l" defTabSz="914400" rtl="0" eaLnBrk="1" latinLnBrk="0" hangingPunct="1">
+      <a:defRPr sz="1200" kern="1200">
+        <a:solidFill>
+          <a:schemeClr val="tx1"/>
+        </a:solidFill>
+        <a:latin typeface="+mn-lt"/>
+        <a:ea typeface="+mn-ea"/>
+        <a:cs typeface="+mn-cs"/>
+      </a:defRPr>
+    </a:lvl5pPr>
+    <a:lvl6pPr marL="2286000" algn="l" defTabSz="914400" rtl="0" eaLnBrk="1" latinLnBrk="0" hangingPunct="1">
+      <a:defRPr sz="1200" kern="1200">
+        <a:solidFill>
+          <a:schemeClr val="tx1"/>
+        </a:solidFill>
+        <a:latin typeface="+mn-lt"/>
+        <a:ea typeface="+mn-ea"/>
+        <a:cs typeface="+mn-cs"/>
+      </a:defRPr>
+    </a:lvl6pPr>
+    <a:lvl7pPr marL="2743200" algn="l" defTabSz="914400" rtl="0" eaLnBrk="1" latinLnBrk="0" hangingPunct="1">
+      <a:defRPr sz="1200" kern="1200">
+        <a:solidFill>
+          <a:schemeClr val="tx1"/>
+        </a:solidFill>
+        <a:latin typeface="+mn-lt"/>
+        <a:ea typeface="+mn-ea"/>
+        <a:cs typeface="+mn-cs"/>
+      </a:defRPr>
+    </a:lvl7pPr>
+    <a:lvl8pPr marL="3200400" algn="l" defTabSz="914400" rtl="0" eaLnBrk="1" latinLnBrk="0" hangingPunct="1">
+      <a:defRPr sz="1200" kern="1200">
+        <a:solidFill>
+          <a:schemeClr val="tx1"/>
+        </a:solidFill>
+        <a:latin typeface="+mn-lt"/>
+        <a:ea typeface="+mn-ea"/>
+        <a:cs typeface="+mn-cs"/>
+      </a:defRPr>
+    </a:lvl8pPr>
+    <a:lvl9pPr marL="3657600" algn="l" defTabSz="914400" rtl="0" eaLnBrk="1" latinLnBrk="0" hangingPunct="1">
+      <a:defRPr sz="1200" kern="1200">
+        <a:solidFill>
+          <a:schemeClr val="tx1"/>
+        </a:solidFill>
+        <a:latin typeface="+mn-lt"/>
+        <a:ea typeface="+mn-ea"/>
+        <a:cs typeface="+mn-cs"/>
+      </a:defRPr>
+    </a:lvl9pPr>
+  </p:notesStyle>
+</p:notesMaster>
+</file>
+
+<file path=ppt/notesSlides/notesSlide1.xml><?xml version="1.0" encoding="utf-8"?>
+<p:notes xmlns:a="http://schemas.openxmlformats.org/drawingml/2006/main" xmlns:r="http://schemas.openxmlformats.org/officeDocument/2006/relationships" xmlns:p="http://schemas.openxmlformats.org/presentationml/2006/main">
+  <p:cSld>
+    <p:spTree>
+      <p:nvGrpSpPr>
+        <p:cNvPr id="1" name=""/>
+        <p:cNvGrpSpPr/>
+        <p:nvPr/>
+      </p:nvGrpSpPr>
+      <p:grpSpPr>
+        <a:xfrm>
+          <a:off x="0" y="0"/>
+          <a:ext cx="0" cy="0"/>
+          <a:chOff x="0" y="0"/>
+          <a:chExt cx="0" cy="0"/>
+        </a:xfrm>
+      </p:grpSpPr>
+      <p:sp>
+        <p:nvSpPr>
+          <p:cNvPr id="2" name="Slide Image Placeholder 1"/>
+          <p:cNvSpPr>
+            <a:spLocks noGrp="1" noRot="1" noChangeAspect="1"/>
+          </p:cNvSpPr>
+          <p:nvPr>
+            <p:ph type="sldImg"/>
+          </p:nvPr>
+        </p:nvSpPr>
+        <p:spPr/>
+      </p:sp>
+      <p:sp>
+        <p:nvSpPr>
+          <p:cNvPr id="3" name="Notes Placeholder 2"/>
+          <p:cNvSpPr>
+            <a:spLocks noGrp="1"/>
+          </p:cNvSpPr>
+          <p:nvPr>
+            <p:ph type="body" idx="1"/>
+          </p:nvPr>
+        </p:nvSpPr>
+        <p:spPr/>
+        <p:txBody>
+          <a:bodyPr/>
+          <a:lstStyle/>
+          <a:p>
+            <a:endParaRPr lang="en-US" dirty="0"/>
+          </a:p>
+        </p:txBody>
+      </p:sp>
+      <p:sp>
+        <p:nvSpPr>
+          <p:cNvPr id="4" name="Slide Number Placeholder 3"/>
+          <p:cNvSpPr>
+            <a:spLocks noGrp="1"/>
+          </p:cNvSpPr>
+          <p:nvPr>
+            <p:ph type="sldNum" sz="quarter" idx="5"/>
+          </p:nvPr>
+        </p:nvSpPr>
+        <p:spPr/>
+        <p:txBody>
+          <a:bodyPr/>
+          <a:lstStyle/>
+          <a:p>
+            <a:fld id="{E922BBE0-9C86-4477-BE99-0B912D62B6A1}" type="slidenum">
+              <a:rPr lang="en-US" smtClean="0"/>
+              <a:t>4</a:t>
+            </a:fld>
+            <a:endParaRPr lang="en-US"/>
+          </a:p>
+        </p:txBody>
+      </p:sp>
+    </p:spTree>
+    <p:extLst>
+      <p:ext uri="{BB962C8B-B14F-4D97-AF65-F5344CB8AC3E}">
+        <p14:creationId xmlns:p14="http://schemas.microsoft.com/office/powerpoint/2010/main" val="219014999"/>
+      </p:ext>
+    </p:extLst>
+  </p:cSld>
+  <p:clrMapOvr>
+    <a:masterClrMapping/>
+  </p:clrMapOvr>
+</p:notes>
+</file>
+
+<file path=ppt/notesSlides/notesSlide2.xml><?xml version="1.0" encoding="utf-8"?>
+<p:notes xmlns:a="http://schemas.openxmlformats.org/drawingml/2006/main" xmlns:r="http://schemas.openxmlformats.org/officeDocument/2006/relationships" xmlns:p="http://schemas.openxmlformats.org/presentationml/2006/main">
+  <p:cSld>
+    <p:spTree>
+      <p:nvGrpSpPr>
+        <p:cNvPr id="1" name=""/>
+        <p:cNvGrpSpPr/>
+        <p:nvPr/>
+      </p:nvGrpSpPr>
+      <p:grpSpPr>
+        <a:xfrm>
+          <a:off x="0" y="0"/>
+          <a:ext cx="0" cy="0"/>
+          <a:chOff x="0" y="0"/>
+          <a:chExt cx="0" cy="0"/>
+        </a:xfrm>
+      </p:grpSpPr>
+      <p:sp>
+        <p:nvSpPr>
+          <p:cNvPr id="2" name="Slide Image Placeholder 1"/>
+          <p:cNvSpPr>
+            <a:spLocks noGrp="1" noRot="1" noChangeAspect="1"/>
+          </p:cNvSpPr>
+          <p:nvPr>
+            <p:ph type="sldImg"/>
+          </p:nvPr>
+        </p:nvSpPr>
+        <p:spPr/>
+      </p:sp>
+      <p:sp>
+        <p:nvSpPr>
+          <p:cNvPr id="3" name="Notes Placeholder 2"/>
+          <p:cNvSpPr>
+            <a:spLocks noGrp="1"/>
+          </p:cNvSpPr>
+          <p:nvPr>
+            <p:ph type="body" idx="1"/>
+          </p:nvPr>
+        </p:nvSpPr>
+        <p:spPr/>
+        <p:txBody>
+          <a:bodyPr/>
+          <a:lstStyle/>
+          <a:p>
+            <a:r>
+              <a:rPr lang="en-US" dirty="0"/>
+              <a:t>Let’s take a look at median ABV by state. This bar graph shows median ABV in percentage for each state in a descending order. </a:t>
+            </a:r>
+          </a:p>
+          <a:p>
+            <a:r>
+              <a:rPr lang="en-US" dirty="0"/>
+              <a:t>The top 5 states that have the highest median alcohol content are: </a:t>
+            </a:r>
+          </a:p>
+          <a:p>
+            <a:pPr marL="0" marR="0" lvl="0" indent="0" algn="l" defTabSz="914400" rtl="0" eaLnBrk="1" fontAlgn="auto" latinLnBrk="0" hangingPunct="1">
+              <a:lnSpc>
+                <a:spcPct val="100000"/>
+              </a:lnSpc>
+              <a:spcBef>
+                <a:spcPts val="0"/>
+              </a:spcBef>
+              <a:spcAft>
+                <a:spcPts val="0"/>
+              </a:spcAft>
+              <a:buClrTx/>
+              <a:buSzTx/>
+              <a:buFontTx/>
+              <a:buNone/>
+              <a:tabLst/>
+              <a:defRPr/>
+            </a:pPr>
+            <a:r>
+              <a:rPr lang="en-US" dirty="0"/>
+              <a:t>The bottom 5 states that produce the least alcohol content are: </a:t>
+            </a:r>
+          </a:p>
+          <a:p>
+            <a:endParaRPr lang="en-US" dirty="0"/>
+          </a:p>
+        </p:txBody>
+      </p:sp>
+      <p:sp>
+        <p:nvSpPr>
+          <p:cNvPr id="4" name="Slide Number Placeholder 3"/>
+          <p:cNvSpPr>
+            <a:spLocks noGrp="1"/>
+          </p:cNvSpPr>
+          <p:nvPr>
+            <p:ph type="sldNum" sz="quarter" idx="5"/>
+          </p:nvPr>
+        </p:nvSpPr>
+        <p:spPr/>
+        <p:txBody>
+          <a:bodyPr/>
+          <a:lstStyle/>
+          <a:p>
+            <a:fld id="{E922BBE0-9C86-4477-BE99-0B912D62B6A1}" type="slidenum">
+              <a:rPr lang="en-US" smtClean="0"/>
+              <a:t>5</a:t>
+            </a:fld>
+            <a:endParaRPr lang="en-US"/>
+          </a:p>
+        </p:txBody>
+      </p:sp>
+    </p:spTree>
+    <p:extLst>
+      <p:ext uri="{BB962C8B-B14F-4D97-AF65-F5344CB8AC3E}">
+        <p14:creationId xmlns:p14="http://schemas.microsoft.com/office/powerpoint/2010/main" val="1648249139"/>
+      </p:ext>
+    </p:extLst>
+  </p:cSld>
+  <p:clrMapOvr>
+    <a:masterClrMapping/>
+  </p:clrMapOvr>
+</p:notes>
+</file>
+
+<file path=ppt/notesSlides/notesSlide3.xml><?xml version="1.0" encoding="utf-8"?>
+<p:notes xmlns:a="http://schemas.openxmlformats.org/drawingml/2006/main" xmlns:r="http://schemas.openxmlformats.org/officeDocument/2006/relationships" xmlns:p="http://schemas.openxmlformats.org/presentationml/2006/main">
+  <p:cSld>
+    <p:spTree>
+      <p:nvGrpSpPr>
+        <p:cNvPr id="1" name=""/>
+        <p:cNvGrpSpPr/>
+        <p:nvPr/>
+      </p:nvGrpSpPr>
+      <p:grpSpPr>
+        <a:xfrm>
+          <a:off x="0" y="0"/>
+          <a:ext cx="0" cy="0"/>
+          <a:chOff x="0" y="0"/>
+          <a:chExt cx="0" cy="0"/>
+        </a:xfrm>
+      </p:grpSpPr>
+      <p:sp>
+        <p:nvSpPr>
+          <p:cNvPr id="2" name="Slide Image Placeholder 1"/>
+          <p:cNvSpPr>
+            <a:spLocks noGrp="1" noRot="1" noChangeAspect="1"/>
+          </p:cNvSpPr>
+          <p:nvPr>
+            <p:ph type="sldImg"/>
+          </p:nvPr>
+        </p:nvSpPr>
+        <p:spPr/>
+      </p:sp>
+      <p:sp>
+        <p:nvSpPr>
+          <p:cNvPr id="3" name="Notes Placeholder 2"/>
+          <p:cNvSpPr>
+            <a:spLocks noGrp="1"/>
+          </p:cNvSpPr>
+          <p:nvPr>
+            <p:ph type="body" idx="1"/>
+          </p:nvPr>
+        </p:nvSpPr>
+        <p:spPr/>
+        <p:txBody>
+          <a:bodyPr/>
+          <a:lstStyle/>
+          <a:p>
+            <a:r>
+              <a:rPr lang="en-US" dirty="0"/>
+              <a:t>This bar graph shows median IBU values for each state in a descending order. </a:t>
+            </a:r>
+          </a:p>
+          <a:p>
+            <a:r>
+              <a:rPr lang="en-US" dirty="0"/>
+              <a:t>The top 5 states had the highest median IBU are: </a:t>
+            </a:r>
+          </a:p>
+          <a:p>
+            <a:pPr marL="0" marR="0" lvl="0" indent="0" algn="l" defTabSz="914400" rtl="0" eaLnBrk="1" fontAlgn="auto" latinLnBrk="0" hangingPunct="1">
+              <a:lnSpc>
+                <a:spcPct val="100000"/>
+              </a:lnSpc>
+              <a:spcBef>
+                <a:spcPts val="0"/>
+              </a:spcBef>
+              <a:spcAft>
+                <a:spcPts val="0"/>
+              </a:spcAft>
+              <a:buClrTx/>
+              <a:buSzTx/>
+              <a:buFontTx/>
+              <a:buNone/>
+              <a:tabLst/>
+              <a:defRPr/>
+            </a:pPr>
+            <a:r>
+              <a:rPr lang="en-US" dirty="0"/>
+              <a:t>The bottom 5 states had the least median IBU are: </a:t>
+            </a:r>
+          </a:p>
+        </p:txBody>
+      </p:sp>
+      <p:sp>
+        <p:nvSpPr>
+          <p:cNvPr id="4" name="Slide Number Placeholder 3"/>
+          <p:cNvSpPr>
+            <a:spLocks noGrp="1"/>
+          </p:cNvSpPr>
+          <p:nvPr>
+            <p:ph type="sldNum" sz="quarter" idx="5"/>
+          </p:nvPr>
+        </p:nvSpPr>
+        <p:spPr/>
+        <p:txBody>
+          <a:bodyPr/>
+          <a:lstStyle/>
+          <a:p>
+            <a:fld id="{E922BBE0-9C86-4477-BE99-0B912D62B6A1}" type="slidenum">
+              <a:rPr lang="en-US" smtClean="0"/>
+              <a:t>6</a:t>
+            </a:fld>
+            <a:endParaRPr lang="en-US"/>
+          </a:p>
+        </p:txBody>
+      </p:sp>
+    </p:spTree>
+    <p:extLst>
+      <p:ext uri="{BB962C8B-B14F-4D97-AF65-F5344CB8AC3E}">
+        <p14:creationId xmlns:p14="http://schemas.microsoft.com/office/powerpoint/2010/main" val="3872477739"/>
+      </p:ext>
+    </p:extLst>
+  </p:cSld>
+  <p:clrMapOvr>
+    <a:masterClrMapping/>
+  </p:clrMapOvr>
+</p:notes>
+</file>
+
+<file path=ppt/notesSlides/notesSlide4.xml><?xml version="1.0" encoding="utf-8"?>
+<p:notes xmlns:a="http://schemas.openxmlformats.org/drawingml/2006/main" xmlns:r="http://schemas.openxmlformats.org/officeDocument/2006/relationships" xmlns:p="http://schemas.openxmlformats.org/presentationml/2006/main">
+  <p:cSld>
+    <p:spTree>
+      <p:nvGrpSpPr>
+        <p:cNvPr id="1" name=""/>
+        <p:cNvGrpSpPr/>
+        <p:nvPr/>
+      </p:nvGrpSpPr>
+      <p:grpSpPr>
+        <a:xfrm>
+          <a:off x="0" y="0"/>
+          <a:ext cx="0" cy="0"/>
+          <a:chOff x="0" y="0"/>
+          <a:chExt cx="0" cy="0"/>
+        </a:xfrm>
+      </p:grpSpPr>
+      <p:sp>
+        <p:nvSpPr>
+          <p:cNvPr id="2" name="Slide Image Placeholder 1"/>
+          <p:cNvSpPr>
+            <a:spLocks noGrp="1" noRot="1" noChangeAspect="1"/>
+          </p:cNvSpPr>
+          <p:nvPr>
+            <p:ph type="sldImg"/>
+          </p:nvPr>
+        </p:nvSpPr>
+        <p:spPr/>
+      </p:sp>
+      <p:sp>
+        <p:nvSpPr>
+          <p:cNvPr id="3" name="Notes Placeholder 2"/>
+          <p:cNvSpPr>
+            <a:spLocks noGrp="1"/>
+          </p:cNvSpPr>
+          <p:nvPr>
+            <p:ph type="body" idx="1"/>
+          </p:nvPr>
+        </p:nvSpPr>
+        <p:spPr/>
+        <p:txBody>
+          <a:bodyPr/>
+          <a:lstStyle/>
+          <a:p>
+            <a:pPr marL="0" marR="0" lvl="0" indent="0" algn="l" defTabSz="914400" rtl="0" eaLnBrk="1" fontAlgn="auto" latinLnBrk="0" hangingPunct="1">
+              <a:lnSpc>
+                <a:spcPct val="100000"/>
+              </a:lnSpc>
+              <a:spcBef>
+                <a:spcPts val="0"/>
+              </a:spcBef>
+              <a:spcAft>
+                <a:spcPts val="0"/>
+              </a:spcAft>
+              <a:buClrTx/>
+              <a:buSzTx/>
+              <a:buFontTx/>
+              <a:buNone/>
+              <a:tabLst/>
+              <a:defRPr/>
+            </a:pPr>
+            <a:r>
+              <a:rPr lang="en-US" b="0" i="0" dirty="0">
+                <a:solidFill>
+                  <a:srgbClr val="00008B"/>
+                </a:solidFill>
+                <a:effectLst/>
+                <a:latin typeface="Times New Roman" panose="02020603050405020304" pitchFamily="18" charset="0"/>
+              </a:rPr>
+              <a:t>Kentucky led the States in the highest median alcohol content, while West Virginia led in bitterness. </a:t>
+            </a:r>
+          </a:p>
+          <a:p>
+            <a:pPr marL="0" marR="0" lvl="0" indent="0" algn="l" defTabSz="914400" rtl="0" eaLnBrk="1" fontAlgn="auto" latinLnBrk="0" hangingPunct="1">
+              <a:lnSpc>
+                <a:spcPct val="100000"/>
+              </a:lnSpc>
+              <a:spcBef>
+                <a:spcPts val="0"/>
+              </a:spcBef>
+              <a:spcAft>
+                <a:spcPts val="0"/>
+              </a:spcAft>
+              <a:buClrTx/>
+              <a:buSzTx/>
+              <a:buFontTx/>
+              <a:buNone/>
+              <a:tabLst/>
+              <a:defRPr/>
+            </a:pPr>
+            <a:r>
+              <a:rPr lang="en-US" b="0" i="0" dirty="0">
+                <a:solidFill>
+                  <a:srgbClr val="00008B"/>
+                </a:solidFill>
+                <a:effectLst/>
+                <a:latin typeface="Times New Roman" panose="02020603050405020304" pitchFamily="18" charset="0"/>
+              </a:rPr>
+              <a:t>It is interesting to note that while Kentucky and DC were in the top 5 in median alcohol content, they are at the lower half for their median IBU’s. While hops are often used to offset the taste for beers with a higher alcohol content, this doesn’t appear to be the case for them.</a:t>
+            </a:r>
+          </a:p>
+          <a:p>
+            <a:pPr marL="0" marR="0" lvl="0" indent="0" algn="l" defTabSz="914400" rtl="0" eaLnBrk="1" fontAlgn="auto" latinLnBrk="0" hangingPunct="1">
+              <a:lnSpc>
+                <a:spcPct val="100000"/>
+              </a:lnSpc>
+              <a:spcBef>
+                <a:spcPts val="0"/>
+              </a:spcBef>
+              <a:spcAft>
+                <a:spcPts val="0"/>
+              </a:spcAft>
+              <a:buClrTx/>
+              <a:buSzTx/>
+              <a:buFontTx/>
+              <a:buNone/>
+              <a:tabLst/>
+              <a:defRPr/>
+            </a:pPr>
+            <a:r>
+              <a:rPr lang="en-US" b="0" i="0" dirty="0">
+                <a:solidFill>
+                  <a:srgbClr val="00008B"/>
+                </a:solidFill>
+                <a:effectLst/>
+                <a:latin typeface="Times New Roman" panose="02020603050405020304" pitchFamily="18" charset="0"/>
+              </a:rPr>
+              <a:t>On the other hand, Delaware and West Virginia were both in the top 5 for ABV and IBU, suggesting the tendency of higher alcohol content beer have higher IBU value.  </a:t>
+            </a:r>
+          </a:p>
+          <a:p>
+            <a:endParaRPr lang="en-US" dirty="0"/>
+          </a:p>
+        </p:txBody>
+      </p:sp>
+      <p:sp>
+        <p:nvSpPr>
+          <p:cNvPr id="4" name="Slide Number Placeholder 3"/>
+          <p:cNvSpPr>
+            <a:spLocks noGrp="1"/>
+          </p:cNvSpPr>
+          <p:nvPr>
+            <p:ph type="sldNum" sz="quarter" idx="5"/>
+          </p:nvPr>
+        </p:nvSpPr>
+        <p:spPr/>
+        <p:txBody>
+          <a:bodyPr/>
+          <a:lstStyle/>
+          <a:p>
+            <a:fld id="{E922BBE0-9C86-4477-BE99-0B912D62B6A1}" type="slidenum">
+              <a:rPr lang="en-US" smtClean="0"/>
+              <a:t>7</a:t>
+            </a:fld>
+            <a:endParaRPr lang="en-US"/>
+          </a:p>
+        </p:txBody>
+      </p:sp>
+    </p:spTree>
+    <p:extLst>
+      <p:ext uri="{BB962C8B-B14F-4D97-AF65-F5344CB8AC3E}">
+        <p14:creationId xmlns:p14="http://schemas.microsoft.com/office/powerpoint/2010/main" val="1025766000"/>
+      </p:ext>
+    </p:extLst>
+  </p:cSld>
+  <p:clrMapOvr>
+    <a:masterClrMapping/>
+  </p:clrMapOvr>
+</p:notes>
+</file>
+
+<file path=ppt/notesSlides/notesSlide5.xml><?xml version="1.0" encoding="utf-8"?>
+<p:notes xmlns:a="http://schemas.openxmlformats.org/drawingml/2006/main" xmlns:r="http://schemas.openxmlformats.org/officeDocument/2006/relationships" xmlns:p="http://schemas.openxmlformats.org/presentationml/2006/main">
+  <p:cSld>
+    <p:spTree>
+      <p:nvGrpSpPr>
+        <p:cNvPr id="1" name=""/>
+        <p:cNvGrpSpPr/>
+        <p:nvPr/>
+      </p:nvGrpSpPr>
+      <p:grpSpPr>
+        <a:xfrm>
+          <a:off x="0" y="0"/>
+          <a:ext cx="0" cy="0"/>
+          <a:chOff x="0" y="0"/>
+          <a:chExt cx="0" cy="0"/>
+        </a:xfrm>
+      </p:grpSpPr>
+      <p:sp>
+        <p:nvSpPr>
+          <p:cNvPr id="2" name="Slide Image Placeholder 1"/>
+          <p:cNvSpPr>
+            <a:spLocks noGrp="1" noRot="1" noChangeAspect="1"/>
+          </p:cNvSpPr>
+          <p:nvPr>
+            <p:ph type="sldImg"/>
+          </p:nvPr>
+        </p:nvSpPr>
+        <p:spPr/>
+      </p:sp>
+      <p:sp>
+        <p:nvSpPr>
+          <p:cNvPr id="3" name="Notes Placeholder 2"/>
+          <p:cNvSpPr>
+            <a:spLocks noGrp="1"/>
+          </p:cNvSpPr>
+          <p:nvPr>
+            <p:ph type="body" idx="1"/>
+          </p:nvPr>
+        </p:nvSpPr>
+        <p:spPr/>
+        <p:txBody>
+          <a:bodyPr/>
+          <a:lstStyle/>
+          <a:p>
+            <a:r>
+              <a:rPr lang="en-US" dirty="0"/>
+              <a:t>This is the ABV distribution of craft beers in the data set. </a:t>
+            </a:r>
+          </a:p>
+          <a:p>
+            <a:r>
+              <a:rPr lang="en-US" dirty="0"/>
+              <a:t>The median alcohol content is at 5.6% and the mean at around 6%, while Budweiser falls in the first quantile at 5%.  </a:t>
+            </a:r>
+          </a:p>
+          <a:p>
+            <a:r>
+              <a:rPr lang="en-US" dirty="0"/>
+              <a:t>CO had the most alcohol content beer in the data set, with 12.8% ABV. </a:t>
+            </a:r>
+          </a:p>
+        </p:txBody>
+      </p:sp>
+      <p:sp>
+        <p:nvSpPr>
+          <p:cNvPr id="4" name="Slide Number Placeholder 3"/>
+          <p:cNvSpPr>
+            <a:spLocks noGrp="1"/>
+          </p:cNvSpPr>
+          <p:nvPr>
+            <p:ph type="sldNum" sz="quarter" idx="5"/>
+          </p:nvPr>
+        </p:nvSpPr>
+        <p:spPr/>
+        <p:txBody>
+          <a:bodyPr/>
+          <a:lstStyle/>
+          <a:p>
+            <a:fld id="{E922BBE0-9C86-4477-BE99-0B912D62B6A1}" type="slidenum">
+              <a:rPr lang="en-US" smtClean="0"/>
+              <a:t>8</a:t>
+            </a:fld>
+            <a:endParaRPr lang="en-US"/>
+          </a:p>
+        </p:txBody>
+      </p:sp>
+    </p:spTree>
+    <p:extLst>
+      <p:ext uri="{BB962C8B-B14F-4D97-AF65-F5344CB8AC3E}">
+        <p14:creationId xmlns:p14="http://schemas.microsoft.com/office/powerpoint/2010/main" val="2811687518"/>
+      </p:ext>
+    </p:extLst>
+  </p:cSld>
+  <p:clrMapOvr>
+    <a:masterClrMapping/>
+  </p:clrMapOvr>
+</p:notes>
+</file>
+
+<file path=ppt/notesSlides/notesSlide6.xml><?xml version="1.0" encoding="utf-8"?>
+<p:notes xmlns:a="http://schemas.openxmlformats.org/drawingml/2006/main" xmlns:r="http://schemas.openxmlformats.org/officeDocument/2006/relationships" xmlns:p="http://schemas.openxmlformats.org/presentationml/2006/main">
+  <p:cSld>
+    <p:spTree>
+      <p:nvGrpSpPr>
+        <p:cNvPr id="1" name=""/>
+        <p:cNvGrpSpPr/>
+        <p:nvPr/>
+      </p:nvGrpSpPr>
+      <p:grpSpPr>
+        <a:xfrm>
+          <a:off x="0" y="0"/>
+          <a:ext cx="0" cy="0"/>
+          <a:chOff x="0" y="0"/>
+          <a:chExt cx="0" cy="0"/>
+        </a:xfrm>
+      </p:grpSpPr>
+      <p:sp>
+        <p:nvSpPr>
+          <p:cNvPr id="2" name="Slide Image Placeholder 1"/>
+          <p:cNvSpPr>
+            <a:spLocks noGrp="1" noRot="1" noChangeAspect="1"/>
+          </p:cNvSpPr>
+          <p:nvPr>
+            <p:ph type="sldImg"/>
+          </p:nvPr>
+        </p:nvSpPr>
+        <p:spPr/>
+      </p:sp>
+      <p:sp>
+        <p:nvSpPr>
+          <p:cNvPr id="3" name="Notes Placeholder 2"/>
+          <p:cNvSpPr>
+            <a:spLocks noGrp="1"/>
+          </p:cNvSpPr>
+          <p:nvPr>
+            <p:ph type="body" idx="1"/>
+          </p:nvPr>
+        </p:nvSpPr>
+        <p:spPr/>
+        <p:txBody>
+          <a:bodyPr/>
+          <a:lstStyle/>
+          <a:p>
+            <a:r>
+              <a:rPr lang="en-US" dirty="0"/>
+              <a:t>Here’s the IBU distribution of craft beers in the data set. </a:t>
+            </a:r>
+          </a:p>
+          <a:p>
+            <a:r>
+              <a:rPr lang="en-US" dirty="0"/>
+              <a:t>It has the median IBU at 30.5 and the mean at around 40, while </a:t>
+            </a:r>
+            <a:r>
+              <a:rPr lang="en-US" b="0" i="0" dirty="0">
+                <a:solidFill>
+                  <a:srgbClr val="D1D5DB"/>
+                </a:solidFill>
+                <a:effectLst/>
+                <a:latin typeface="Söhne"/>
+              </a:rPr>
+              <a:t>Budweiser's IBU is 12. </a:t>
+            </a:r>
+          </a:p>
+          <a:p>
+            <a:r>
+              <a:rPr lang="en-US" b="0" i="0" dirty="0">
+                <a:solidFill>
+                  <a:srgbClr val="D1D5DB"/>
+                </a:solidFill>
+                <a:effectLst/>
+                <a:latin typeface="Söhne"/>
+              </a:rPr>
+              <a:t>OR had the bitterest beer in the data set, with an IBU of 138. </a:t>
+            </a:r>
+          </a:p>
+          <a:p>
+            <a:r>
+              <a:rPr lang="en-US" b="0" i="0" dirty="0">
+                <a:solidFill>
+                  <a:srgbClr val="D1D5DB"/>
+                </a:solidFill>
+                <a:effectLst/>
+                <a:latin typeface="Söhne"/>
+              </a:rPr>
+              <a:t>Let’s have Troy comes back for the rest of this presentation. </a:t>
+            </a:r>
+            <a:endParaRPr lang="en-US" dirty="0"/>
+          </a:p>
+        </p:txBody>
+      </p:sp>
+      <p:sp>
+        <p:nvSpPr>
+          <p:cNvPr id="4" name="Slide Number Placeholder 3"/>
+          <p:cNvSpPr>
+            <a:spLocks noGrp="1"/>
+          </p:cNvSpPr>
+          <p:nvPr>
+            <p:ph type="sldNum" sz="quarter" idx="5"/>
+          </p:nvPr>
+        </p:nvSpPr>
+        <p:spPr/>
+        <p:txBody>
+          <a:bodyPr/>
+          <a:lstStyle/>
+          <a:p>
+            <a:fld id="{E922BBE0-9C86-4477-BE99-0B912D62B6A1}" type="slidenum">
+              <a:rPr lang="en-US" smtClean="0"/>
+              <a:t>9</a:t>
+            </a:fld>
+            <a:endParaRPr lang="en-US"/>
+          </a:p>
+        </p:txBody>
+      </p:sp>
+    </p:spTree>
+    <p:extLst>
+      <p:ext uri="{BB962C8B-B14F-4D97-AF65-F5344CB8AC3E}">
+        <p14:creationId xmlns:p14="http://schemas.microsoft.com/office/powerpoint/2010/main" val="2098798493"/>
+      </p:ext>
+    </p:extLst>
+  </p:cSld>
+  <p:clrMapOvr>
+    <a:masterClrMapping/>
+  </p:clrMapOvr>
+</p:notes>
+</file>
+
+<file path=ppt/notesSlides/notesSlide7.xml><?xml version="1.0" encoding="utf-8"?>
+<p:notes xmlns:a="http://schemas.openxmlformats.org/drawingml/2006/main" xmlns:r="http://schemas.openxmlformats.org/officeDocument/2006/relationships" xmlns:p="http://schemas.openxmlformats.org/presentationml/2006/main">
+  <p:cSld>
+    <p:spTree>
+      <p:nvGrpSpPr>
+        <p:cNvPr id="1" name=""/>
+        <p:cNvGrpSpPr/>
+        <p:nvPr/>
+      </p:nvGrpSpPr>
+      <p:grpSpPr>
+        <a:xfrm>
+          <a:off x="0" y="0"/>
+          <a:ext cx="0" cy="0"/>
+          <a:chOff x="0" y="0"/>
+          <a:chExt cx="0" cy="0"/>
+        </a:xfrm>
+      </p:grpSpPr>
+      <p:sp>
+        <p:nvSpPr>
+          <p:cNvPr id="2" name="Slide Image Placeholder 1"/>
+          <p:cNvSpPr>
+            <a:spLocks noGrp="1" noRot="1" noChangeAspect="1"/>
+          </p:cNvSpPr>
+          <p:nvPr>
+            <p:ph type="sldImg"/>
+          </p:nvPr>
+        </p:nvSpPr>
+        <p:spPr/>
+      </p:sp>
+      <p:sp>
+        <p:nvSpPr>
+          <p:cNvPr id="3" name="Notes Placeholder 2"/>
+          <p:cNvSpPr>
+            <a:spLocks noGrp="1"/>
+          </p:cNvSpPr>
+          <p:nvPr>
+            <p:ph type="body" idx="1"/>
+          </p:nvPr>
+        </p:nvSpPr>
+        <p:spPr/>
+        <p:txBody>
+          <a:bodyPr/>
+          <a:lstStyle/>
+          <a:p>
+            <a:r>
+              <a:rPr lang="en-US" dirty="0"/>
+              <a:t>Often microbrewery</a:t>
+            </a:r>
+          </a:p>
+        </p:txBody>
+      </p:sp>
+      <p:sp>
+        <p:nvSpPr>
+          <p:cNvPr id="4" name="Slide Number Placeholder 3"/>
+          <p:cNvSpPr>
+            <a:spLocks noGrp="1"/>
+          </p:cNvSpPr>
+          <p:nvPr>
+            <p:ph type="sldNum" sz="quarter" idx="5"/>
+          </p:nvPr>
+        </p:nvSpPr>
+        <p:spPr/>
+        <p:txBody>
+          <a:bodyPr/>
+          <a:lstStyle/>
+          <a:p>
+            <a:fld id="{E922BBE0-9C86-4477-BE99-0B912D62B6A1}" type="slidenum">
+              <a:rPr lang="en-US" smtClean="0"/>
+              <a:t>10</a:t>
+            </a:fld>
+            <a:endParaRPr lang="en-US"/>
+          </a:p>
+        </p:txBody>
+      </p:sp>
+    </p:spTree>
+    <p:extLst>
+      <p:ext uri="{BB962C8B-B14F-4D97-AF65-F5344CB8AC3E}">
+        <p14:creationId xmlns:p14="http://schemas.microsoft.com/office/powerpoint/2010/main" val="2266278163"/>
+      </p:ext>
+    </p:extLst>
+  </p:cSld>
+  <p:clrMapOvr>
+    <a:masterClrMapping/>
+  </p:clrMapOvr>
+</p:notes>
 </file>
 
 <file path=ppt/slideLayouts/slideLayout1.xml><?xml version="1.0" encoding="utf-8"?>
@@ -2973,6 +4131,102 @@
           <a:p>
             <a:r>
               <a:rPr lang="en-US" sz="4000" dirty="0"/>
+              <a:t>ABV vs. IBU</a:t>
+            </a:r>
+          </a:p>
+        </p:txBody>
+      </p:sp>
+      <p:pic>
+        <p:nvPicPr>
+          <p:cNvPr id="5" name="Picture 4">
+            <a:extLst>
+              <a:ext uri="{FF2B5EF4-FFF2-40B4-BE49-F238E27FC236}">
+                <a16:creationId xmlns:a16="http://schemas.microsoft.com/office/drawing/2014/main" id="{23B47C09-F044-2E5E-1526-9BC88CCA4FDA}"/>
+              </a:ext>
+            </a:extLst>
+          </p:cNvPr>
+          <p:cNvPicPr>
+            <a:picLocks noChangeAspect="1"/>
+          </p:cNvPicPr>
+          <p:nvPr/>
+        </p:nvPicPr>
+        <p:blipFill>
+          <a:blip r:embed="rId3"/>
+          <a:stretch>
+            <a:fillRect/>
+          </a:stretch>
+        </p:blipFill>
+        <p:spPr>
+          <a:xfrm>
+            <a:off x="777118" y="855405"/>
+            <a:ext cx="8428875" cy="5211579"/>
+          </a:xfrm>
+          <a:prstGeom prst="rect">
+            <a:avLst/>
+          </a:prstGeom>
+          <a:noFill/>
+        </p:spPr>
+      </p:pic>
+    </p:spTree>
+    <p:extLst>
+      <p:ext uri="{BB962C8B-B14F-4D97-AF65-F5344CB8AC3E}">
+        <p14:creationId xmlns:p14="http://schemas.microsoft.com/office/powerpoint/2010/main" val="987015043"/>
+      </p:ext>
+    </p:extLst>
+  </p:cSld>
+  <p:clrMapOvr>
+    <a:masterClrMapping/>
+  </p:clrMapOvr>
+</p:sld>
+</file>
+
+<file path=ppt/slides/slide11.xml><?xml version="1.0" encoding="utf-8"?>
+<p:sld xmlns:a="http://schemas.openxmlformats.org/drawingml/2006/main" xmlns:r="http://schemas.openxmlformats.org/officeDocument/2006/relationships" xmlns:p="http://schemas.openxmlformats.org/presentationml/2006/main">
+  <p:cSld>
+    <p:spTree>
+      <p:nvGrpSpPr>
+        <p:cNvPr id="1" name=""/>
+        <p:cNvGrpSpPr/>
+        <p:nvPr/>
+      </p:nvGrpSpPr>
+      <p:grpSpPr>
+        <a:xfrm>
+          <a:off x="0" y="0"/>
+          <a:ext cx="0" cy="0"/>
+          <a:chOff x="0" y="0"/>
+          <a:chExt cx="0" cy="0"/>
+        </a:xfrm>
+      </p:grpSpPr>
+      <p:sp>
+        <p:nvSpPr>
+          <p:cNvPr id="2" name="Title 1">
+            <a:extLst>
+              <a:ext uri="{FF2B5EF4-FFF2-40B4-BE49-F238E27FC236}">
+                <a16:creationId xmlns:a16="http://schemas.microsoft.com/office/drawing/2014/main" id="{4B6F8C27-BB5F-E87C-34D7-208B35BC2052}"/>
+              </a:ext>
+            </a:extLst>
+          </p:cNvPr>
+          <p:cNvSpPr>
+            <a:spLocks noGrp="1"/>
+          </p:cNvSpPr>
+          <p:nvPr>
+            <p:ph type="title"/>
+          </p:nvPr>
+        </p:nvSpPr>
+        <p:spPr>
+          <a:xfrm>
+            <a:off x="404943" y="33915"/>
+            <a:ext cx="10047352" cy="821488"/>
+          </a:xfrm>
+        </p:spPr>
+        <p:txBody>
+          <a:bodyPr anchor="ctr">
+            <a:normAutofit/>
+          </a:bodyPr>
+          <a:lstStyle/>
+          <a:p>
+            <a:r>
+              <a:rPr lang="en-US" sz="4000" dirty="0"/>
               <a:t>Next Steps in EDA Process</a:t>
             </a:r>
           </a:p>
@@ -3027,6 +4281,248 @@
     <p:extLst>
       <p:ext uri="{BB962C8B-B14F-4D97-AF65-F5344CB8AC3E}">
         <p14:creationId xmlns:p14="http://schemas.microsoft.com/office/powerpoint/2010/main" val="3695498628"/>
+      </p:ext>
+    </p:extLst>
+  </p:cSld>
+  <p:clrMapOvr>
+    <a:masterClrMapping/>
+  </p:clrMapOvr>
+  <p:timing>
+    <p:tnLst>
+      <p:par>
+        <p:cTn id="1" dur="indefinite" restart="never" nodeType="tmRoot">
+          <p:childTnLst>
+            <p:seq concurrent="1" nextAc="seek">
+              <p:cTn id="2" dur="indefinite" nodeType="mainSeq">
+                <p:childTnLst>
+                  <p:par>
+                    <p:cTn id="3" fill="hold">
+                      <p:stCondLst>
+                        <p:cond delay="indefinite"/>
+                      </p:stCondLst>
+                      <p:childTnLst>
+                        <p:par>
+                          <p:cTn id="4" fill="hold">
+                            <p:stCondLst>
+                              <p:cond delay="0"/>
+                            </p:stCondLst>
+                            <p:childTnLst>
+                              <p:par>
+                                <p:cTn id="5" presetID="10" presetClass="entr" presetSubtype="0" fill="hold" grpId="0" nodeType="clickEffect">
+                                  <p:stCondLst>
+                                    <p:cond delay="0"/>
+                                  </p:stCondLst>
+                                  <p:childTnLst>
+                                    <p:set>
+                                      <p:cBhvr>
+                                        <p:cTn id="6" dur="1" fill="hold">
+                                          <p:stCondLst>
+                                            <p:cond delay="0"/>
+                                          </p:stCondLst>
+                                        </p:cTn>
+                                        <p:tgtEl>
+                                          <p:spTgt spid="7">
+                                            <p:txEl>
+                                              <p:pRg st="0" end="0"/>
+                                            </p:txEl>
+                                          </p:spTgt>
+                                        </p:tgtEl>
+                                        <p:attrNameLst>
+                                          <p:attrName>style.visibility</p:attrName>
+                                        </p:attrNameLst>
+                                      </p:cBhvr>
+                                      <p:to>
+                                        <p:strVal val="visible"/>
+                                      </p:to>
+                                    </p:set>
+                                    <p:animEffect transition="in" filter="fade">
+                                      <p:cBhvr>
+                                        <p:cTn id="7" dur="500"/>
+                                        <p:tgtEl>
+                                          <p:spTgt spid="7">
+                                            <p:txEl>
+                                              <p:pRg st="0" end="0"/>
+                                            </p:txEl>
+                                          </p:spTgt>
+                                        </p:tgtEl>
+                                      </p:cBhvr>
+                                    </p:animEffect>
+                                  </p:childTnLst>
+                                </p:cTn>
+                              </p:par>
+                            </p:childTnLst>
+                          </p:cTn>
+                        </p:par>
+                      </p:childTnLst>
+                    </p:cTn>
+                  </p:par>
+                  <p:par>
+                    <p:cTn id="8" fill="hold">
+                      <p:stCondLst>
+                        <p:cond delay="indefinite"/>
+                      </p:stCondLst>
+                      <p:childTnLst>
+                        <p:par>
+                          <p:cTn id="9" fill="hold">
+                            <p:stCondLst>
+                              <p:cond delay="0"/>
+                            </p:stCondLst>
+                            <p:childTnLst>
+                              <p:par>
+                                <p:cTn id="10" presetID="10" presetClass="entr" presetSubtype="0" fill="hold" grpId="0" nodeType="clickEffect">
+                                  <p:stCondLst>
+                                    <p:cond delay="0"/>
+                                  </p:stCondLst>
+                                  <p:childTnLst>
+                                    <p:set>
+                                      <p:cBhvr>
+                                        <p:cTn id="11" dur="1" fill="hold">
+                                          <p:stCondLst>
+                                            <p:cond delay="0"/>
+                                          </p:stCondLst>
+                                        </p:cTn>
+                                        <p:tgtEl>
+                                          <p:spTgt spid="7">
+                                            <p:txEl>
+                                              <p:pRg st="1" end="1"/>
+                                            </p:txEl>
+                                          </p:spTgt>
+                                        </p:tgtEl>
+                                        <p:attrNameLst>
+                                          <p:attrName>style.visibility</p:attrName>
+                                        </p:attrNameLst>
+                                      </p:cBhvr>
+                                      <p:to>
+                                        <p:strVal val="visible"/>
+                                      </p:to>
+                                    </p:set>
+                                    <p:animEffect transition="in" filter="fade">
+                                      <p:cBhvr>
+                                        <p:cTn id="12" dur="500"/>
+                                        <p:tgtEl>
+                                          <p:spTgt spid="7">
+                                            <p:txEl>
+                                              <p:pRg st="1" end="1"/>
+                                            </p:txEl>
+                                          </p:spTgt>
+                                        </p:tgtEl>
+                                      </p:cBhvr>
+                                    </p:animEffect>
+                                  </p:childTnLst>
+                                </p:cTn>
+                              </p:par>
+                            </p:childTnLst>
+                          </p:cTn>
+                        </p:par>
+                      </p:childTnLst>
+                    </p:cTn>
+                  </p:par>
+                </p:childTnLst>
+              </p:cTn>
+              <p:prevCondLst>
+                <p:cond evt="onPrev" delay="0">
+                  <p:tgtEl>
+                    <p:sldTgt/>
+                  </p:tgtEl>
+                </p:cond>
+              </p:prevCondLst>
+              <p:nextCondLst>
+                <p:cond evt="onNext" delay="0">
+                  <p:tgtEl>
+                    <p:sldTgt/>
+                  </p:tgtEl>
+                </p:cond>
+              </p:nextCondLst>
+            </p:seq>
+          </p:childTnLst>
+        </p:cTn>
+      </p:par>
+    </p:tnLst>
+    <p:bldLst>
+      <p:bldP spid="7" grpId="0" build="p"/>
+    </p:bldLst>
+  </p:timing>
+</p:sld>
+</file>
+
+<file path=ppt/slides/slide12.xml><?xml version="1.0" encoding="utf-8"?>
+<p:sld xmlns:a="http://schemas.openxmlformats.org/drawingml/2006/main" xmlns:r="http://schemas.openxmlformats.org/officeDocument/2006/relationships" xmlns:p="http://schemas.openxmlformats.org/presentationml/2006/main">
+  <p:cSld>
+    <p:spTree>
+      <p:nvGrpSpPr>
+        <p:cNvPr id="1" name=""/>
+        <p:cNvGrpSpPr/>
+        <p:nvPr/>
+      </p:nvGrpSpPr>
+      <p:grpSpPr>
+        <a:xfrm>
+          <a:off x="0" y="0"/>
+          <a:ext cx="0" cy="0"/>
+          <a:chOff x="0" y="0"/>
+          <a:chExt cx="0" cy="0"/>
+        </a:xfrm>
+      </p:grpSpPr>
+      <p:sp>
+        <p:nvSpPr>
+          <p:cNvPr id="4" name="Title 3">
+            <a:extLst>
+              <a:ext uri="{FF2B5EF4-FFF2-40B4-BE49-F238E27FC236}">
+                <a16:creationId xmlns:a16="http://schemas.microsoft.com/office/drawing/2014/main" id="{E0CAB93F-3DCE-3FE1-9D9A-7B43BB2EE6CA}"/>
+              </a:ext>
+            </a:extLst>
+          </p:cNvPr>
+          <p:cNvSpPr>
+            <a:spLocks noGrp="1"/>
+          </p:cNvSpPr>
+          <p:nvPr>
+            <p:ph type="ctrTitle"/>
+          </p:nvPr>
+        </p:nvSpPr>
+        <p:spPr/>
+        <p:txBody>
+          <a:bodyPr>
+            <a:normAutofit/>
+          </a:bodyPr>
+          <a:lstStyle/>
+          <a:p>
+            <a:r>
+              <a:rPr lang="en-US" sz="4000" dirty="0">
+                <a:latin typeface="Georgia Pro Semibold" panose="02040702050405020303" pitchFamily="18" charset="0"/>
+              </a:rPr>
+              <a:t>Thank you!</a:t>
+            </a:r>
+          </a:p>
+        </p:txBody>
+      </p:sp>
+      <p:sp>
+        <p:nvSpPr>
+          <p:cNvPr id="5" name="Subtitle 4">
+            <a:extLst>
+              <a:ext uri="{FF2B5EF4-FFF2-40B4-BE49-F238E27FC236}">
+                <a16:creationId xmlns:a16="http://schemas.microsoft.com/office/drawing/2014/main" id="{C00DE337-7898-70B4-7B6E-74C32E8B4904}"/>
+              </a:ext>
+            </a:extLst>
+          </p:cNvPr>
+          <p:cNvSpPr>
+            <a:spLocks noGrp="1"/>
+          </p:cNvSpPr>
+          <p:nvPr>
+            <p:ph type="subTitle" idx="1"/>
+          </p:nvPr>
+        </p:nvSpPr>
+        <p:spPr/>
+        <p:txBody>
+          <a:bodyPr/>
+          <a:lstStyle/>
+          <a:p>
+            <a:endParaRPr lang="en-US" dirty="0"/>
+          </a:p>
+        </p:txBody>
+      </p:sp>
+    </p:spTree>
+    <p:extLst>
+      <p:ext uri="{BB962C8B-B14F-4D97-AF65-F5344CB8AC3E}">
+        <p14:creationId xmlns:p14="http://schemas.microsoft.com/office/powerpoint/2010/main" val="4235031416"/>
       </p:ext>
     </p:extLst>
   </p:cSld>
@@ -3139,6 +4635,344 @@
   <p:clrMapOvr>
     <a:masterClrMapping/>
   </p:clrMapOvr>
+  <p:timing>
+    <p:tnLst>
+      <p:par>
+        <p:cTn id="1" dur="indefinite" restart="never" nodeType="tmRoot">
+          <p:childTnLst>
+            <p:seq concurrent="1" nextAc="seek">
+              <p:cTn id="2" dur="indefinite" nodeType="mainSeq">
+                <p:childTnLst>
+                  <p:par>
+                    <p:cTn id="3" fill="hold">
+                      <p:stCondLst>
+                        <p:cond delay="indefinite"/>
+                      </p:stCondLst>
+                      <p:childTnLst>
+                        <p:par>
+                          <p:cTn id="4" fill="hold">
+                            <p:stCondLst>
+                              <p:cond delay="0"/>
+                            </p:stCondLst>
+                            <p:childTnLst>
+                              <p:par>
+                                <p:cTn id="5" presetID="10" presetClass="entr" presetSubtype="0" fill="hold" grpId="0" nodeType="clickEffect">
+                                  <p:stCondLst>
+                                    <p:cond delay="0"/>
+                                  </p:stCondLst>
+                                  <p:childTnLst>
+                                    <p:set>
+                                      <p:cBhvr>
+                                        <p:cTn id="6" dur="1" fill="hold">
+                                          <p:stCondLst>
+                                            <p:cond delay="0"/>
+                                          </p:stCondLst>
+                                        </p:cTn>
+                                        <p:tgtEl>
+                                          <p:spTgt spid="3">
+                                            <p:txEl>
+                                              <p:pRg st="0" end="0"/>
+                                            </p:txEl>
+                                          </p:spTgt>
+                                        </p:tgtEl>
+                                        <p:attrNameLst>
+                                          <p:attrName>style.visibility</p:attrName>
+                                        </p:attrNameLst>
+                                      </p:cBhvr>
+                                      <p:to>
+                                        <p:strVal val="visible"/>
+                                      </p:to>
+                                    </p:set>
+                                    <p:animEffect transition="in" filter="fade">
+                                      <p:cBhvr>
+                                        <p:cTn id="7" dur="500"/>
+                                        <p:tgtEl>
+                                          <p:spTgt spid="3">
+                                            <p:txEl>
+                                              <p:pRg st="0" end="0"/>
+                                            </p:txEl>
+                                          </p:spTgt>
+                                        </p:tgtEl>
+                                      </p:cBhvr>
+                                    </p:animEffect>
+                                  </p:childTnLst>
+                                </p:cTn>
+                              </p:par>
+                            </p:childTnLst>
+                          </p:cTn>
+                        </p:par>
+                      </p:childTnLst>
+                    </p:cTn>
+                  </p:par>
+                  <p:par>
+                    <p:cTn id="8" fill="hold">
+                      <p:stCondLst>
+                        <p:cond delay="indefinite"/>
+                      </p:stCondLst>
+                      <p:childTnLst>
+                        <p:par>
+                          <p:cTn id="9" fill="hold">
+                            <p:stCondLst>
+                              <p:cond delay="0"/>
+                            </p:stCondLst>
+                            <p:childTnLst>
+                              <p:par>
+                                <p:cTn id="10" presetID="10" presetClass="entr" presetSubtype="0" fill="hold" grpId="0" nodeType="clickEffect">
+                                  <p:stCondLst>
+                                    <p:cond delay="0"/>
+                                  </p:stCondLst>
+                                  <p:childTnLst>
+                                    <p:set>
+                                      <p:cBhvr>
+                                        <p:cTn id="11" dur="1" fill="hold">
+                                          <p:stCondLst>
+                                            <p:cond delay="0"/>
+                                          </p:stCondLst>
+                                        </p:cTn>
+                                        <p:tgtEl>
+                                          <p:spTgt spid="3">
+                                            <p:txEl>
+                                              <p:pRg st="1" end="1"/>
+                                            </p:txEl>
+                                          </p:spTgt>
+                                        </p:tgtEl>
+                                        <p:attrNameLst>
+                                          <p:attrName>style.visibility</p:attrName>
+                                        </p:attrNameLst>
+                                      </p:cBhvr>
+                                      <p:to>
+                                        <p:strVal val="visible"/>
+                                      </p:to>
+                                    </p:set>
+                                    <p:animEffect transition="in" filter="fade">
+                                      <p:cBhvr>
+                                        <p:cTn id="12" dur="500"/>
+                                        <p:tgtEl>
+                                          <p:spTgt spid="3">
+                                            <p:txEl>
+                                              <p:pRg st="1" end="1"/>
+                                            </p:txEl>
+                                          </p:spTgt>
+                                        </p:tgtEl>
+                                      </p:cBhvr>
+                                    </p:animEffect>
+                                  </p:childTnLst>
+                                </p:cTn>
+                              </p:par>
+                            </p:childTnLst>
+                          </p:cTn>
+                        </p:par>
+                      </p:childTnLst>
+                    </p:cTn>
+                  </p:par>
+                  <p:par>
+                    <p:cTn id="13" fill="hold">
+                      <p:stCondLst>
+                        <p:cond delay="indefinite"/>
+                      </p:stCondLst>
+                      <p:childTnLst>
+                        <p:par>
+                          <p:cTn id="14" fill="hold">
+                            <p:stCondLst>
+                              <p:cond delay="0"/>
+                            </p:stCondLst>
+                            <p:childTnLst>
+                              <p:par>
+                                <p:cTn id="15" presetID="10" presetClass="entr" presetSubtype="0" fill="hold" grpId="0" nodeType="clickEffect">
+                                  <p:stCondLst>
+                                    <p:cond delay="0"/>
+                                  </p:stCondLst>
+                                  <p:childTnLst>
+                                    <p:set>
+                                      <p:cBhvr>
+                                        <p:cTn id="16" dur="1" fill="hold">
+                                          <p:stCondLst>
+                                            <p:cond delay="0"/>
+                                          </p:stCondLst>
+                                        </p:cTn>
+                                        <p:tgtEl>
+                                          <p:spTgt spid="3">
+                                            <p:txEl>
+                                              <p:pRg st="2" end="2"/>
+                                            </p:txEl>
+                                          </p:spTgt>
+                                        </p:tgtEl>
+                                        <p:attrNameLst>
+                                          <p:attrName>style.visibility</p:attrName>
+                                        </p:attrNameLst>
+                                      </p:cBhvr>
+                                      <p:to>
+                                        <p:strVal val="visible"/>
+                                      </p:to>
+                                    </p:set>
+                                    <p:animEffect transition="in" filter="fade">
+                                      <p:cBhvr>
+                                        <p:cTn id="17" dur="500"/>
+                                        <p:tgtEl>
+                                          <p:spTgt spid="3">
+                                            <p:txEl>
+                                              <p:pRg st="2" end="2"/>
+                                            </p:txEl>
+                                          </p:spTgt>
+                                        </p:tgtEl>
+                                      </p:cBhvr>
+                                    </p:animEffect>
+                                  </p:childTnLst>
+                                </p:cTn>
+                              </p:par>
+                            </p:childTnLst>
+                          </p:cTn>
+                        </p:par>
+                      </p:childTnLst>
+                    </p:cTn>
+                  </p:par>
+                  <p:par>
+                    <p:cTn id="18" fill="hold">
+                      <p:stCondLst>
+                        <p:cond delay="indefinite"/>
+                      </p:stCondLst>
+                      <p:childTnLst>
+                        <p:par>
+                          <p:cTn id="19" fill="hold">
+                            <p:stCondLst>
+                              <p:cond delay="0"/>
+                            </p:stCondLst>
+                            <p:childTnLst>
+                              <p:par>
+                                <p:cTn id="20" presetID="10" presetClass="entr" presetSubtype="0" fill="hold" grpId="0" nodeType="clickEffect">
+                                  <p:stCondLst>
+                                    <p:cond delay="0"/>
+                                  </p:stCondLst>
+                                  <p:childTnLst>
+                                    <p:set>
+                                      <p:cBhvr>
+                                        <p:cTn id="21" dur="1" fill="hold">
+                                          <p:stCondLst>
+                                            <p:cond delay="0"/>
+                                          </p:stCondLst>
+                                        </p:cTn>
+                                        <p:tgtEl>
+                                          <p:spTgt spid="3">
+                                            <p:txEl>
+                                              <p:pRg st="3" end="3"/>
+                                            </p:txEl>
+                                          </p:spTgt>
+                                        </p:tgtEl>
+                                        <p:attrNameLst>
+                                          <p:attrName>style.visibility</p:attrName>
+                                        </p:attrNameLst>
+                                      </p:cBhvr>
+                                      <p:to>
+                                        <p:strVal val="visible"/>
+                                      </p:to>
+                                    </p:set>
+                                    <p:animEffect transition="in" filter="fade">
+                                      <p:cBhvr>
+                                        <p:cTn id="22" dur="500"/>
+                                        <p:tgtEl>
+                                          <p:spTgt spid="3">
+                                            <p:txEl>
+                                              <p:pRg st="3" end="3"/>
+                                            </p:txEl>
+                                          </p:spTgt>
+                                        </p:tgtEl>
+                                      </p:cBhvr>
+                                    </p:animEffect>
+                                  </p:childTnLst>
+                                </p:cTn>
+                              </p:par>
+                            </p:childTnLst>
+                          </p:cTn>
+                        </p:par>
+                      </p:childTnLst>
+                    </p:cTn>
+                  </p:par>
+                  <p:par>
+                    <p:cTn id="23" fill="hold">
+                      <p:stCondLst>
+                        <p:cond delay="indefinite"/>
+                      </p:stCondLst>
+                      <p:childTnLst>
+                        <p:par>
+                          <p:cTn id="24" fill="hold">
+                            <p:stCondLst>
+                              <p:cond delay="0"/>
+                            </p:stCondLst>
+                            <p:childTnLst>
+                              <p:par>
+                                <p:cTn id="25" presetID="10" presetClass="entr" presetSubtype="0" fill="hold" grpId="0" nodeType="clickEffect">
+                                  <p:stCondLst>
+                                    <p:cond delay="0"/>
+                                  </p:stCondLst>
+                                  <p:childTnLst>
+                                    <p:set>
+                                      <p:cBhvr>
+                                        <p:cTn id="26" dur="1" fill="hold">
+                                          <p:stCondLst>
+                                            <p:cond delay="0"/>
+                                          </p:stCondLst>
+                                        </p:cTn>
+                                        <p:tgtEl>
+                                          <p:spTgt spid="3">
+                                            <p:txEl>
+                                              <p:pRg st="4" end="4"/>
+                                            </p:txEl>
+                                          </p:spTgt>
+                                        </p:tgtEl>
+                                        <p:attrNameLst>
+                                          <p:attrName>style.visibility</p:attrName>
+                                        </p:attrNameLst>
+                                      </p:cBhvr>
+                                      <p:to>
+                                        <p:strVal val="visible"/>
+                                      </p:to>
+                                    </p:set>
+                                    <p:animEffect transition="in" filter="fade">
+                                      <p:cBhvr>
+                                        <p:cTn id="27" dur="500"/>
+                                        <p:tgtEl>
+                                          <p:spTgt spid="3">
+                                            <p:txEl>
+                                              <p:pRg st="4" end="4"/>
+                                            </p:txEl>
+                                          </p:spTgt>
+                                        </p:tgtEl>
+                                      </p:cBhvr>
+                                    </p:animEffect>
+                                  </p:childTnLst>
+                                </p:cTn>
+                              </p:par>
+                            </p:childTnLst>
+                          </p:cTn>
+                        </p:par>
+                      </p:childTnLst>
+                    </p:cTn>
+                  </p:par>
+                </p:childTnLst>
+              </p:cTn>
+              <p:prevCondLst>
+                <p:cond evt="onPrev" delay="0">
+                  <p:tgtEl>
+                    <p:sldTgt/>
+                  </p:tgtEl>
+                </p:cond>
+              </p:prevCondLst>
+              <p:nextCondLst>
+                <p:cond evt="onNext" delay="0">
+                  <p:tgtEl>
+                    <p:sldTgt/>
+                  </p:tgtEl>
+                </p:cond>
+              </p:nextCondLst>
+            </p:seq>
+          </p:childTnLst>
+        </p:cTn>
+      </p:par>
+    </p:tnLst>
+    <p:bldLst>
+      <p:bldP spid="3" grpId="0" build="p"/>
+    </p:bldLst>
+  </p:timing>
 </p:sld>
 </file>
 
@@ -3447,7 +5281,7 @@
             <a:pPr lvl="1"/>
             <a:r>
               <a:rPr lang="en-US" dirty="0"/>
-              <a:t>IBV missing: 1005 out of 2410 = 42% </a:t>
+              <a:t>IBU missing: 1005 out of 2410 = 42% </a:t>
             </a:r>
           </a:p>
           <a:p>
@@ -3506,7 +5340,7 @@
                   <a:srgbClr val="FF0000"/>
                 </a:solidFill>
               </a:rPr>
-              <a:t>IBV missing: 11 out of 2410 = 0.46%</a:t>
+              <a:t>IBU missing: 11 out of 2410 = 0.46%</a:t>
             </a:r>
           </a:p>
           <a:p>
@@ -3847,6 +5681,608 @@
   <p:clrMapOvr>
     <a:masterClrMapping/>
   </p:clrMapOvr>
+  <p:timing>
+    <p:tnLst>
+      <p:par>
+        <p:cTn id="1" dur="indefinite" restart="never" nodeType="tmRoot">
+          <p:childTnLst>
+            <p:seq concurrent="1" nextAc="seek">
+              <p:cTn id="2" dur="indefinite" nodeType="mainSeq">
+                <p:childTnLst>
+                  <p:par>
+                    <p:cTn id="3" fill="hold">
+                      <p:stCondLst>
+                        <p:cond delay="indefinite"/>
+                      </p:stCondLst>
+                      <p:childTnLst>
+                        <p:par>
+                          <p:cTn id="4" fill="hold">
+                            <p:stCondLst>
+                              <p:cond delay="0"/>
+                            </p:stCondLst>
+                            <p:childTnLst>
+                              <p:par>
+                                <p:cTn id="5" presetID="10" presetClass="entr" presetSubtype="0" fill="hold" nodeType="clickEffect">
+                                  <p:stCondLst>
+                                    <p:cond delay="0"/>
+                                  </p:stCondLst>
+                                  <p:childTnLst>
+                                    <p:set>
+                                      <p:cBhvr>
+                                        <p:cTn id="6" dur="1" fill="hold">
+                                          <p:stCondLst>
+                                            <p:cond delay="0"/>
+                                          </p:stCondLst>
+                                        </p:cTn>
+                                        <p:tgtEl>
+                                          <p:spTgt spid="3">
+                                            <p:txEl>
+                                              <p:pRg st="0" end="0"/>
+                                            </p:txEl>
+                                          </p:spTgt>
+                                        </p:tgtEl>
+                                        <p:attrNameLst>
+                                          <p:attrName>style.visibility</p:attrName>
+                                        </p:attrNameLst>
+                                      </p:cBhvr>
+                                      <p:to>
+                                        <p:strVal val="visible"/>
+                                      </p:to>
+                                    </p:set>
+                                    <p:animEffect transition="in" filter="fade">
+                                      <p:cBhvr>
+                                        <p:cTn id="7" dur="500"/>
+                                        <p:tgtEl>
+                                          <p:spTgt spid="3">
+                                            <p:txEl>
+                                              <p:pRg st="0" end="0"/>
+                                            </p:txEl>
+                                          </p:spTgt>
+                                        </p:tgtEl>
+                                      </p:cBhvr>
+                                    </p:animEffect>
+                                  </p:childTnLst>
+                                </p:cTn>
+                              </p:par>
+                              <p:par>
+                                <p:cTn id="8" presetID="10" presetClass="entr" presetSubtype="0" fill="hold" nodeType="withEffect">
+                                  <p:stCondLst>
+                                    <p:cond delay="0"/>
+                                  </p:stCondLst>
+                                  <p:childTnLst>
+                                    <p:set>
+                                      <p:cBhvr>
+                                        <p:cTn id="9" dur="1" fill="hold">
+                                          <p:stCondLst>
+                                            <p:cond delay="0"/>
+                                          </p:stCondLst>
+                                        </p:cTn>
+                                        <p:tgtEl>
+                                          <p:spTgt spid="3">
+                                            <p:txEl>
+                                              <p:pRg st="1" end="1"/>
+                                            </p:txEl>
+                                          </p:spTgt>
+                                        </p:tgtEl>
+                                        <p:attrNameLst>
+                                          <p:attrName>style.visibility</p:attrName>
+                                        </p:attrNameLst>
+                                      </p:cBhvr>
+                                      <p:to>
+                                        <p:strVal val="visible"/>
+                                      </p:to>
+                                    </p:set>
+                                    <p:animEffect transition="in" filter="fade">
+                                      <p:cBhvr>
+                                        <p:cTn id="10" dur="500"/>
+                                        <p:tgtEl>
+                                          <p:spTgt spid="3">
+                                            <p:txEl>
+                                              <p:pRg st="1" end="1"/>
+                                            </p:txEl>
+                                          </p:spTgt>
+                                        </p:tgtEl>
+                                      </p:cBhvr>
+                                    </p:animEffect>
+                                  </p:childTnLst>
+                                </p:cTn>
+                              </p:par>
+                              <p:par>
+                                <p:cTn id="11" presetID="10" presetClass="entr" presetSubtype="0" fill="hold" nodeType="withEffect">
+                                  <p:stCondLst>
+                                    <p:cond delay="0"/>
+                                  </p:stCondLst>
+                                  <p:childTnLst>
+                                    <p:set>
+                                      <p:cBhvr>
+                                        <p:cTn id="12" dur="1" fill="hold">
+                                          <p:stCondLst>
+                                            <p:cond delay="0"/>
+                                          </p:stCondLst>
+                                        </p:cTn>
+                                        <p:tgtEl>
+                                          <p:spTgt spid="3">
+                                            <p:txEl>
+                                              <p:pRg st="2" end="2"/>
+                                            </p:txEl>
+                                          </p:spTgt>
+                                        </p:tgtEl>
+                                        <p:attrNameLst>
+                                          <p:attrName>style.visibility</p:attrName>
+                                        </p:attrNameLst>
+                                      </p:cBhvr>
+                                      <p:to>
+                                        <p:strVal val="visible"/>
+                                      </p:to>
+                                    </p:set>
+                                    <p:animEffect transition="in" filter="fade">
+                                      <p:cBhvr>
+                                        <p:cTn id="13" dur="500"/>
+                                        <p:tgtEl>
+                                          <p:spTgt spid="3">
+                                            <p:txEl>
+                                              <p:pRg st="2" end="2"/>
+                                            </p:txEl>
+                                          </p:spTgt>
+                                        </p:tgtEl>
+                                      </p:cBhvr>
+                                    </p:animEffect>
+                                  </p:childTnLst>
+                                </p:cTn>
+                              </p:par>
+                              <p:par>
+                                <p:cTn id="14" presetID="10" presetClass="entr" presetSubtype="0" fill="hold" nodeType="withEffect">
+                                  <p:stCondLst>
+                                    <p:cond delay="0"/>
+                                  </p:stCondLst>
+                                  <p:childTnLst>
+                                    <p:set>
+                                      <p:cBhvr>
+                                        <p:cTn id="15" dur="1" fill="hold">
+                                          <p:stCondLst>
+                                            <p:cond delay="0"/>
+                                          </p:stCondLst>
+                                        </p:cTn>
+                                        <p:tgtEl>
+                                          <p:spTgt spid="3">
+                                            <p:txEl>
+                                              <p:pRg st="3" end="3"/>
+                                            </p:txEl>
+                                          </p:spTgt>
+                                        </p:tgtEl>
+                                        <p:attrNameLst>
+                                          <p:attrName>style.visibility</p:attrName>
+                                        </p:attrNameLst>
+                                      </p:cBhvr>
+                                      <p:to>
+                                        <p:strVal val="visible"/>
+                                      </p:to>
+                                    </p:set>
+                                    <p:animEffect transition="in" filter="fade">
+                                      <p:cBhvr>
+                                        <p:cTn id="16" dur="500"/>
+                                        <p:tgtEl>
+                                          <p:spTgt spid="3">
+                                            <p:txEl>
+                                              <p:pRg st="3" end="3"/>
+                                            </p:txEl>
+                                          </p:spTgt>
+                                        </p:tgtEl>
+                                      </p:cBhvr>
+                                    </p:animEffect>
+                                  </p:childTnLst>
+                                </p:cTn>
+                              </p:par>
+                            </p:childTnLst>
+                          </p:cTn>
+                        </p:par>
+                      </p:childTnLst>
+                    </p:cTn>
+                  </p:par>
+                  <p:par>
+                    <p:cTn id="17" fill="hold">
+                      <p:stCondLst>
+                        <p:cond delay="indefinite"/>
+                      </p:stCondLst>
+                      <p:childTnLst>
+                        <p:par>
+                          <p:cTn id="18" fill="hold">
+                            <p:stCondLst>
+                              <p:cond delay="0"/>
+                            </p:stCondLst>
+                            <p:childTnLst>
+                              <p:par>
+                                <p:cTn id="19" presetID="10" presetClass="entr" presetSubtype="0" fill="hold" nodeType="clickEffect">
+                                  <p:stCondLst>
+                                    <p:cond delay="0"/>
+                                  </p:stCondLst>
+                                  <p:childTnLst>
+                                    <p:set>
+                                      <p:cBhvr>
+                                        <p:cTn id="20" dur="1" fill="hold">
+                                          <p:stCondLst>
+                                            <p:cond delay="0"/>
+                                          </p:stCondLst>
+                                        </p:cTn>
+                                        <p:tgtEl>
+                                          <p:spTgt spid="3">
+                                            <p:txEl>
+                                              <p:pRg st="4" end="4"/>
+                                            </p:txEl>
+                                          </p:spTgt>
+                                        </p:tgtEl>
+                                        <p:attrNameLst>
+                                          <p:attrName>style.visibility</p:attrName>
+                                        </p:attrNameLst>
+                                      </p:cBhvr>
+                                      <p:to>
+                                        <p:strVal val="visible"/>
+                                      </p:to>
+                                    </p:set>
+                                    <p:animEffect transition="in" filter="fade">
+                                      <p:cBhvr>
+                                        <p:cTn id="21" dur="500"/>
+                                        <p:tgtEl>
+                                          <p:spTgt spid="3">
+                                            <p:txEl>
+                                              <p:pRg st="4" end="4"/>
+                                            </p:txEl>
+                                          </p:spTgt>
+                                        </p:tgtEl>
+                                      </p:cBhvr>
+                                    </p:animEffect>
+                                  </p:childTnLst>
+                                </p:cTn>
+                              </p:par>
+                              <p:par>
+                                <p:cTn id="22" presetID="10" presetClass="entr" presetSubtype="0" fill="hold" nodeType="withEffect">
+                                  <p:stCondLst>
+                                    <p:cond delay="0"/>
+                                  </p:stCondLst>
+                                  <p:childTnLst>
+                                    <p:set>
+                                      <p:cBhvr>
+                                        <p:cTn id="23" dur="1" fill="hold">
+                                          <p:stCondLst>
+                                            <p:cond delay="0"/>
+                                          </p:stCondLst>
+                                        </p:cTn>
+                                        <p:tgtEl>
+                                          <p:spTgt spid="3">
+                                            <p:txEl>
+                                              <p:pRg st="5" end="5"/>
+                                            </p:txEl>
+                                          </p:spTgt>
+                                        </p:tgtEl>
+                                        <p:attrNameLst>
+                                          <p:attrName>style.visibility</p:attrName>
+                                        </p:attrNameLst>
+                                      </p:cBhvr>
+                                      <p:to>
+                                        <p:strVal val="visible"/>
+                                      </p:to>
+                                    </p:set>
+                                    <p:animEffect transition="in" filter="fade">
+                                      <p:cBhvr>
+                                        <p:cTn id="24" dur="500"/>
+                                        <p:tgtEl>
+                                          <p:spTgt spid="3">
+                                            <p:txEl>
+                                              <p:pRg st="5" end="5"/>
+                                            </p:txEl>
+                                          </p:spTgt>
+                                        </p:tgtEl>
+                                      </p:cBhvr>
+                                    </p:animEffect>
+                                  </p:childTnLst>
+                                </p:cTn>
+                              </p:par>
+                              <p:par>
+                                <p:cTn id="25" presetID="10" presetClass="entr" presetSubtype="0" fill="hold" nodeType="withEffect">
+                                  <p:stCondLst>
+                                    <p:cond delay="0"/>
+                                  </p:stCondLst>
+                                  <p:childTnLst>
+                                    <p:set>
+                                      <p:cBhvr>
+                                        <p:cTn id="26" dur="1" fill="hold">
+                                          <p:stCondLst>
+                                            <p:cond delay="0"/>
+                                          </p:stCondLst>
+                                        </p:cTn>
+                                        <p:tgtEl>
+                                          <p:spTgt spid="3">
+                                            <p:txEl>
+                                              <p:pRg st="6" end="6"/>
+                                            </p:txEl>
+                                          </p:spTgt>
+                                        </p:tgtEl>
+                                        <p:attrNameLst>
+                                          <p:attrName>style.visibility</p:attrName>
+                                        </p:attrNameLst>
+                                      </p:cBhvr>
+                                      <p:to>
+                                        <p:strVal val="visible"/>
+                                      </p:to>
+                                    </p:set>
+                                    <p:animEffect transition="in" filter="fade">
+                                      <p:cBhvr>
+                                        <p:cTn id="27" dur="500"/>
+                                        <p:tgtEl>
+                                          <p:spTgt spid="3">
+                                            <p:txEl>
+                                              <p:pRg st="6" end="6"/>
+                                            </p:txEl>
+                                          </p:spTgt>
+                                        </p:tgtEl>
+                                      </p:cBhvr>
+                                    </p:animEffect>
+                                  </p:childTnLst>
+                                </p:cTn>
+                              </p:par>
+                              <p:par>
+                                <p:cTn id="28" presetID="10" presetClass="entr" presetSubtype="0" fill="hold" nodeType="withEffect">
+                                  <p:stCondLst>
+                                    <p:cond delay="0"/>
+                                  </p:stCondLst>
+                                  <p:childTnLst>
+                                    <p:set>
+                                      <p:cBhvr>
+                                        <p:cTn id="29" dur="1" fill="hold">
+                                          <p:stCondLst>
+                                            <p:cond delay="0"/>
+                                          </p:stCondLst>
+                                        </p:cTn>
+                                        <p:tgtEl>
+                                          <p:spTgt spid="3">
+                                            <p:txEl>
+                                              <p:pRg st="7" end="7"/>
+                                            </p:txEl>
+                                          </p:spTgt>
+                                        </p:tgtEl>
+                                        <p:attrNameLst>
+                                          <p:attrName>style.visibility</p:attrName>
+                                        </p:attrNameLst>
+                                      </p:cBhvr>
+                                      <p:to>
+                                        <p:strVal val="visible"/>
+                                      </p:to>
+                                    </p:set>
+                                    <p:animEffect transition="in" filter="fade">
+                                      <p:cBhvr>
+                                        <p:cTn id="30" dur="500"/>
+                                        <p:tgtEl>
+                                          <p:spTgt spid="3">
+                                            <p:txEl>
+                                              <p:pRg st="7" end="7"/>
+                                            </p:txEl>
+                                          </p:spTgt>
+                                        </p:tgtEl>
+                                      </p:cBhvr>
+                                    </p:animEffect>
+                                  </p:childTnLst>
+                                </p:cTn>
+                              </p:par>
+                            </p:childTnLst>
+                          </p:cTn>
+                        </p:par>
+                      </p:childTnLst>
+                    </p:cTn>
+                  </p:par>
+                  <p:par>
+                    <p:cTn id="31" fill="hold">
+                      <p:stCondLst>
+                        <p:cond delay="indefinite"/>
+                      </p:stCondLst>
+                      <p:childTnLst>
+                        <p:par>
+                          <p:cTn id="32" fill="hold">
+                            <p:stCondLst>
+                              <p:cond delay="0"/>
+                            </p:stCondLst>
+                            <p:childTnLst>
+                              <p:par>
+                                <p:cTn id="33" presetID="10" presetClass="entr" presetSubtype="0" fill="hold" nodeType="clickEffect">
+                                  <p:stCondLst>
+                                    <p:cond delay="0"/>
+                                  </p:stCondLst>
+                                  <p:childTnLst>
+                                    <p:set>
+                                      <p:cBhvr>
+                                        <p:cTn id="34" dur="1" fill="hold">
+                                          <p:stCondLst>
+                                            <p:cond delay="0"/>
+                                          </p:stCondLst>
+                                        </p:cTn>
+                                        <p:tgtEl>
+                                          <p:spTgt spid="6"/>
+                                        </p:tgtEl>
+                                        <p:attrNameLst>
+                                          <p:attrName>style.visibility</p:attrName>
+                                        </p:attrNameLst>
+                                      </p:cBhvr>
+                                      <p:to>
+                                        <p:strVal val="visible"/>
+                                      </p:to>
+                                    </p:set>
+                                    <p:animEffect transition="in" filter="fade">
+                                      <p:cBhvr>
+                                        <p:cTn id="35" dur="500"/>
+                                        <p:tgtEl>
+                                          <p:spTgt spid="6"/>
+                                        </p:tgtEl>
+                                      </p:cBhvr>
+                                    </p:animEffect>
+                                  </p:childTnLst>
+                                </p:cTn>
+                              </p:par>
+                              <p:par>
+                                <p:cTn id="36" presetID="10" presetClass="entr" presetSubtype="0" fill="hold" nodeType="withEffect">
+                                  <p:stCondLst>
+                                    <p:cond delay="0"/>
+                                  </p:stCondLst>
+                                  <p:childTnLst>
+                                    <p:set>
+                                      <p:cBhvr>
+                                        <p:cTn id="37" dur="1" fill="hold">
+                                          <p:stCondLst>
+                                            <p:cond delay="0"/>
+                                          </p:stCondLst>
+                                        </p:cTn>
+                                        <p:tgtEl>
+                                          <p:spTgt spid="8"/>
+                                        </p:tgtEl>
+                                        <p:attrNameLst>
+                                          <p:attrName>style.visibility</p:attrName>
+                                        </p:attrNameLst>
+                                      </p:cBhvr>
+                                      <p:to>
+                                        <p:strVal val="visible"/>
+                                      </p:to>
+                                    </p:set>
+                                    <p:animEffect transition="in" filter="fade">
+                                      <p:cBhvr>
+                                        <p:cTn id="38" dur="500"/>
+                                        <p:tgtEl>
+                                          <p:spTgt spid="8"/>
+                                        </p:tgtEl>
+                                      </p:cBhvr>
+                                    </p:animEffect>
+                                  </p:childTnLst>
+                                </p:cTn>
+                              </p:par>
+                            </p:childTnLst>
+                          </p:cTn>
+                        </p:par>
+                      </p:childTnLst>
+                    </p:cTn>
+                  </p:par>
+                  <p:par>
+                    <p:cTn id="39" fill="hold">
+                      <p:stCondLst>
+                        <p:cond delay="indefinite"/>
+                      </p:stCondLst>
+                      <p:childTnLst>
+                        <p:par>
+                          <p:cTn id="40" fill="hold">
+                            <p:stCondLst>
+                              <p:cond delay="0"/>
+                            </p:stCondLst>
+                            <p:childTnLst>
+                              <p:par>
+                                <p:cTn id="41" presetID="10" presetClass="entr" presetSubtype="0" fill="hold" nodeType="clickEffect">
+                                  <p:stCondLst>
+                                    <p:cond delay="0"/>
+                                  </p:stCondLst>
+                                  <p:childTnLst>
+                                    <p:set>
+                                      <p:cBhvr>
+                                        <p:cTn id="42" dur="1" fill="hold">
+                                          <p:stCondLst>
+                                            <p:cond delay="0"/>
+                                          </p:stCondLst>
+                                        </p:cTn>
+                                        <p:tgtEl>
+                                          <p:spTgt spid="3">
+                                            <p:txEl>
+                                              <p:pRg st="8" end="8"/>
+                                            </p:txEl>
+                                          </p:spTgt>
+                                        </p:tgtEl>
+                                        <p:attrNameLst>
+                                          <p:attrName>style.visibility</p:attrName>
+                                        </p:attrNameLst>
+                                      </p:cBhvr>
+                                      <p:to>
+                                        <p:strVal val="visible"/>
+                                      </p:to>
+                                    </p:set>
+                                    <p:animEffect transition="in" filter="fade">
+                                      <p:cBhvr>
+                                        <p:cTn id="43" dur="500"/>
+                                        <p:tgtEl>
+                                          <p:spTgt spid="3">
+                                            <p:txEl>
+                                              <p:pRg st="8" end="8"/>
+                                            </p:txEl>
+                                          </p:spTgt>
+                                        </p:tgtEl>
+                                      </p:cBhvr>
+                                    </p:animEffect>
+                                  </p:childTnLst>
+                                </p:cTn>
+                              </p:par>
+                              <p:par>
+                                <p:cTn id="44" presetID="10" presetClass="entr" presetSubtype="0" fill="hold" nodeType="withEffect">
+                                  <p:stCondLst>
+                                    <p:cond delay="0"/>
+                                  </p:stCondLst>
+                                  <p:childTnLst>
+                                    <p:set>
+                                      <p:cBhvr>
+                                        <p:cTn id="45" dur="1" fill="hold">
+                                          <p:stCondLst>
+                                            <p:cond delay="0"/>
+                                          </p:stCondLst>
+                                        </p:cTn>
+                                        <p:tgtEl>
+                                          <p:spTgt spid="3">
+                                            <p:txEl>
+                                              <p:pRg st="9" end="9"/>
+                                            </p:txEl>
+                                          </p:spTgt>
+                                        </p:tgtEl>
+                                        <p:attrNameLst>
+                                          <p:attrName>style.visibility</p:attrName>
+                                        </p:attrNameLst>
+                                      </p:cBhvr>
+                                      <p:to>
+                                        <p:strVal val="visible"/>
+                                      </p:to>
+                                    </p:set>
+                                    <p:animEffect transition="in" filter="fade">
+                                      <p:cBhvr>
+                                        <p:cTn id="46" dur="500"/>
+                                        <p:tgtEl>
+                                          <p:spTgt spid="3">
+                                            <p:txEl>
+                                              <p:pRg st="9" end="9"/>
+                                            </p:txEl>
+                                          </p:spTgt>
+                                        </p:tgtEl>
+                                      </p:cBhvr>
+                                    </p:animEffect>
+                                  </p:childTnLst>
+                                </p:cTn>
+                              </p:par>
+                            </p:childTnLst>
+                          </p:cTn>
+                        </p:par>
+                      </p:childTnLst>
+                    </p:cTn>
+                  </p:par>
+                </p:childTnLst>
+              </p:cTn>
+              <p:prevCondLst>
+                <p:cond evt="onPrev" delay="0">
+                  <p:tgtEl>
+                    <p:sldTgt/>
+                  </p:tgtEl>
+                </p:cond>
+              </p:prevCondLst>
+              <p:nextCondLst>
+                <p:cond evt="onNext" delay="0">
+                  <p:tgtEl>
+                    <p:sldTgt/>
+                  </p:tgtEl>
+                </p:cond>
+              </p:nextCondLst>
+            </p:seq>
+          </p:childTnLst>
+        </p:cTn>
+      </p:par>
+    </p:tnLst>
+  </p:timing>
 </p:sld>
 </file>
 
@@ -3867,41 +6303,6 @@
           <a:chExt cx="0" cy="0"/>
         </a:xfrm>
       </p:grpSpPr>
-      <p:sp>
-        <p:nvSpPr>
-          <p:cNvPr id="2" name="Title 1">
-            <a:extLst>
-              <a:ext uri="{FF2B5EF4-FFF2-40B4-BE49-F238E27FC236}">
-                <a16:creationId xmlns:a16="http://schemas.microsoft.com/office/drawing/2014/main" id="{4B6F8C27-BB5F-E87C-34D7-208B35BC2052}"/>
-              </a:ext>
-            </a:extLst>
-          </p:cNvPr>
-          <p:cNvSpPr>
-            <a:spLocks noGrp="1"/>
-          </p:cNvSpPr>
-          <p:nvPr>
-            <p:ph type="title"/>
-          </p:nvPr>
-        </p:nvSpPr>
-        <p:spPr>
-          <a:xfrm>
-            <a:off x="404943" y="33928"/>
-            <a:ext cx="10047352" cy="895229"/>
-          </a:xfrm>
-        </p:spPr>
-        <p:txBody>
-          <a:bodyPr anchor="ctr">
-            <a:normAutofit/>
-          </a:bodyPr>
-          <a:lstStyle/>
-          <a:p>
-            <a:r>
-              <a:rPr lang="en-US" sz="4000" dirty="0"/>
-              <a:t>Median ABV and IBU by State</a:t>
-            </a:r>
-          </a:p>
-        </p:txBody>
-      </p:sp>
       <p:pic>
         <p:nvPicPr>
           <p:cNvPr id="7" name="Picture 6">
@@ -3917,14 +6318,14 @@
           <p:nvPr/>
         </p:nvPicPr>
         <p:blipFill rotWithShape="1">
-          <a:blip r:embed="rId2"/>
+          <a:blip r:embed="rId3"/>
           <a:srcRect b="1383"/>
           <a:stretch/>
         </p:blipFill>
         <p:spPr>
           <a:xfrm>
-            <a:off x="670372" y="792331"/>
-            <a:ext cx="8667401" cy="5284913"/>
+            <a:off x="670373" y="659980"/>
+            <a:ext cx="8365343" cy="5100734"/>
           </a:xfrm>
           <a:prstGeom prst="rect">
             <a:avLst/>
@@ -3932,6 +6333,171 @@
           <a:noFill/>
         </p:spPr>
       </p:pic>
+      <p:sp>
+        <p:nvSpPr>
+          <p:cNvPr id="2" name="Title 1">
+            <a:extLst>
+              <a:ext uri="{FF2B5EF4-FFF2-40B4-BE49-F238E27FC236}">
+                <a16:creationId xmlns:a16="http://schemas.microsoft.com/office/drawing/2014/main" id="{4B6F8C27-BB5F-E87C-34D7-208B35BC2052}"/>
+              </a:ext>
+            </a:extLst>
+          </p:cNvPr>
+          <p:cNvSpPr>
+            <a:spLocks noGrp="1"/>
+          </p:cNvSpPr>
+          <p:nvPr>
+            <p:ph type="title"/>
+          </p:nvPr>
+        </p:nvSpPr>
+        <p:spPr>
+          <a:xfrm>
+            <a:off x="404943" y="33928"/>
+            <a:ext cx="10047352" cy="895229"/>
+          </a:xfrm>
+        </p:spPr>
+        <p:txBody>
+          <a:bodyPr anchor="ctr">
+            <a:normAutofit/>
+          </a:bodyPr>
+          <a:lstStyle/>
+          <a:p>
+            <a:r>
+              <a:rPr lang="en-US" sz="4000" dirty="0"/>
+              <a:t>Median ABV by State</a:t>
+            </a:r>
+          </a:p>
+        </p:txBody>
+      </p:sp>
+      <p:sp>
+        <p:nvSpPr>
+          <p:cNvPr id="11" name="TextBox 10">
+            <a:extLst>
+              <a:ext uri="{FF2B5EF4-FFF2-40B4-BE49-F238E27FC236}">
+                <a16:creationId xmlns:a16="http://schemas.microsoft.com/office/drawing/2014/main" id="{B8C981BF-3DB9-5E98-8390-399F646A84D6}"/>
+              </a:ext>
+            </a:extLst>
+          </p:cNvPr>
+          <p:cNvSpPr txBox="1"/>
+          <p:nvPr/>
+        </p:nvSpPr>
+        <p:spPr>
+          <a:xfrm>
+            <a:off x="2418347" y="5498427"/>
+            <a:ext cx="2863521" cy="1384995"/>
+          </a:xfrm>
+          <a:prstGeom prst="rect">
+            <a:avLst/>
+          </a:prstGeom>
+          <a:noFill/>
+        </p:spPr>
+        <p:txBody>
+          <a:bodyPr wrap="square" rtlCol="0">
+            <a:spAutoFit/>
+          </a:bodyPr>
+          <a:lstStyle/>
+          <a:p>
+            <a:r>
+              <a:rPr lang="en-US" sz="1400" dirty="0"/>
+              <a:t>Top 5 States:</a:t>
+            </a:r>
+          </a:p>
+          <a:p>
+            <a:r>
+              <a:rPr lang="en-US" sz="1400" dirty="0"/>
+              <a:t>Kentucky</a:t>
+            </a:r>
+          </a:p>
+          <a:p>
+            <a:r>
+              <a:rPr lang="en-US" sz="1400" dirty="0"/>
+              <a:t>District of Columbia* (not a State)</a:t>
+            </a:r>
+          </a:p>
+          <a:p>
+            <a:r>
+              <a:rPr lang="en-US" sz="1400" dirty="0"/>
+              <a:t>Delaware </a:t>
+            </a:r>
+          </a:p>
+          <a:p>
+            <a:r>
+              <a:rPr lang="en-US" sz="1400" dirty="0"/>
+              <a:t>Nevada</a:t>
+            </a:r>
+          </a:p>
+          <a:p>
+            <a:r>
+              <a:rPr lang="en-US" sz="1400" dirty="0"/>
+              <a:t>West Virginia</a:t>
+            </a:r>
+          </a:p>
+        </p:txBody>
+      </p:sp>
+      <p:sp>
+        <p:nvSpPr>
+          <p:cNvPr id="12" name="TextBox 11">
+            <a:extLst>
+              <a:ext uri="{FF2B5EF4-FFF2-40B4-BE49-F238E27FC236}">
+                <a16:creationId xmlns:a16="http://schemas.microsoft.com/office/drawing/2014/main" id="{833E354F-BFCA-CCA4-F013-F615E55FF23C}"/>
+              </a:ext>
+            </a:extLst>
+          </p:cNvPr>
+          <p:cNvSpPr txBox="1"/>
+          <p:nvPr/>
+        </p:nvSpPr>
+        <p:spPr>
+          <a:xfrm>
+            <a:off x="5662863" y="5497069"/>
+            <a:ext cx="2863521" cy="1384995"/>
+          </a:xfrm>
+          <a:prstGeom prst="rect">
+            <a:avLst/>
+          </a:prstGeom>
+          <a:noFill/>
+        </p:spPr>
+        <p:txBody>
+          <a:bodyPr wrap="square" rtlCol="0">
+            <a:spAutoFit/>
+          </a:bodyPr>
+          <a:lstStyle/>
+          <a:p>
+            <a:r>
+              <a:rPr lang="en-US" sz="1400" dirty="0"/>
+              <a:t>Bottom 5 States:</a:t>
+            </a:r>
+          </a:p>
+          <a:p>
+            <a:r>
+              <a:rPr lang="en-US" sz="1400" dirty="0"/>
+              <a:t>Kansas</a:t>
+            </a:r>
+          </a:p>
+          <a:p>
+            <a:r>
+              <a:rPr lang="en-US" sz="1400" dirty="0"/>
+              <a:t>North Dakota</a:t>
+            </a:r>
+          </a:p>
+          <a:p>
+            <a:r>
+              <a:rPr lang="en-US" sz="1400" dirty="0"/>
+              <a:t>Wyoming </a:t>
+            </a:r>
+          </a:p>
+          <a:p>
+            <a:r>
+              <a:rPr lang="en-US" sz="1400" dirty="0"/>
+              <a:t>New Jersey </a:t>
+            </a:r>
+          </a:p>
+          <a:p>
+            <a:r>
+              <a:rPr lang="en-US" sz="1400" dirty="0"/>
+              <a:t>Utah</a:t>
+            </a:r>
+          </a:p>
+        </p:txBody>
+      </p:sp>
     </p:spTree>
     <p:extLst>
       <p:ext uri="{BB962C8B-B14F-4D97-AF65-F5344CB8AC3E}">
@@ -3942,6 +6508,146 @@
   <p:clrMapOvr>
     <a:masterClrMapping/>
   </p:clrMapOvr>
+  <p:timing>
+    <p:tnLst>
+      <p:par>
+        <p:cTn id="1" dur="indefinite" restart="never" nodeType="tmRoot">
+          <p:childTnLst>
+            <p:seq concurrent="1" nextAc="seek">
+              <p:cTn id="2" dur="indefinite" nodeType="mainSeq">
+                <p:childTnLst>
+                  <p:par>
+                    <p:cTn id="3" fill="hold">
+                      <p:stCondLst>
+                        <p:cond delay="indefinite"/>
+                      </p:stCondLst>
+                      <p:childTnLst>
+                        <p:par>
+                          <p:cTn id="4" fill="hold">
+                            <p:stCondLst>
+                              <p:cond delay="0"/>
+                            </p:stCondLst>
+                            <p:childTnLst>
+                              <p:par>
+                                <p:cTn id="5" presetID="10" presetClass="entr" presetSubtype="0" fill="hold" grpId="0" nodeType="clickEffect">
+                                  <p:stCondLst>
+                                    <p:cond delay="0"/>
+                                  </p:stCondLst>
+                                  <p:childTnLst>
+                                    <p:set>
+                                      <p:cBhvr>
+                                        <p:cTn id="6" dur="1" fill="hold">
+                                          <p:stCondLst>
+                                            <p:cond delay="0"/>
+                                          </p:stCondLst>
+                                        </p:cTn>
+                                        <p:tgtEl>
+                                          <p:spTgt spid="11"/>
+                                        </p:tgtEl>
+                                        <p:attrNameLst>
+                                          <p:attrName>style.visibility</p:attrName>
+                                        </p:attrNameLst>
+                                      </p:cBhvr>
+                                      <p:to>
+                                        <p:strVal val="visible"/>
+                                      </p:to>
+                                    </p:set>
+                                    <p:animEffect transition="in" filter="fade">
+                                      <p:cBhvr>
+                                        <p:cTn id="7" dur="500"/>
+                                        <p:tgtEl>
+                                          <p:spTgt spid="11"/>
+                                        </p:tgtEl>
+                                      </p:cBhvr>
+                                    </p:animEffect>
+                                  </p:childTnLst>
+                                </p:cTn>
+                              </p:par>
+                            </p:childTnLst>
+                          </p:cTn>
+                        </p:par>
+                      </p:childTnLst>
+                    </p:cTn>
+                  </p:par>
+                  <p:par>
+                    <p:cTn id="8" fill="hold">
+                      <p:stCondLst>
+                        <p:cond delay="indefinite"/>
+                      </p:stCondLst>
+                      <p:childTnLst>
+                        <p:par>
+                          <p:cTn id="9" fill="hold">
+                            <p:stCondLst>
+                              <p:cond delay="0"/>
+                            </p:stCondLst>
+                            <p:childTnLst>
+                              <p:par>
+                                <p:cTn id="10" presetID="10" presetClass="entr" presetSubtype="0" fill="hold" grpId="0" nodeType="clickEffect">
+                                  <p:stCondLst>
+                                    <p:cond delay="0"/>
+                                  </p:stCondLst>
+                                  <p:childTnLst>
+                                    <p:set>
+                                      <p:cBhvr>
+                                        <p:cTn id="11" dur="1" fill="hold">
+                                          <p:stCondLst>
+                                            <p:cond delay="0"/>
+                                          </p:stCondLst>
+                                        </p:cTn>
+                                        <p:tgtEl>
+                                          <p:spTgt spid="12"/>
+                                        </p:tgtEl>
+                                        <p:attrNameLst>
+                                          <p:attrName>style.visibility</p:attrName>
+                                        </p:attrNameLst>
+                                      </p:cBhvr>
+                                      <p:to>
+                                        <p:strVal val="visible"/>
+                                      </p:to>
+                                    </p:set>
+                                    <p:animEffect transition="in" filter="fade">
+                                      <p:cBhvr>
+                                        <p:cTn id="12" dur="500"/>
+                                        <p:tgtEl>
+                                          <p:spTgt spid="12"/>
+                                        </p:tgtEl>
+                                      </p:cBhvr>
+                                    </p:animEffect>
+                                  </p:childTnLst>
+                                </p:cTn>
+                              </p:par>
+                            </p:childTnLst>
+                          </p:cTn>
+                        </p:par>
+                      </p:childTnLst>
+                    </p:cTn>
+                  </p:par>
+                </p:childTnLst>
+              </p:cTn>
+              <p:prevCondLst>
+                <p:cond evt="onPrev" delay="0">
+                  <p:tgtEl>
+                    <p:sldTgt/>
+                  </p:tgtEl>
+                </p:cond>
+              </p:prevCondLst>
+              <p:nextCondLst>
+                <p:cond evt="onNext" delay="0">
+                  <p:tgtEl>
+                    <p:sldTgt/>
+                  </p:tgtEl>
+                </p:cond>
+              </p:nextCondLst>
+            </p:seq>
+          </p:childTnLst>
+        </p:cTn>
+      </p:par>
+    </p:tnLst>
+    <p:bldLst>
+      <p:bldP spid="11" grpId="0"/>
+      <p:bldP spid="12" grpId="0"/>
+    </p:bldLst>
+  </p:timing>
 </p:sld>
 </file>
 
@@ -3962,41 +6668,6 @@
           <a:chExt cx="0" cy="0"/>
         </a:xfrm>
       </p:grpSpPr>
-      <p:sp>
-        <p:nvSpPr>
-          <p:cNvPr id="2" name="Title 1">
-            <a:extLst>
-              <a:ext uri="{FF2B5EF4-FFF2-40B4-BE49-F238E27FC236}">
-                <a16:creationId xmlns:a16="http://schemas.microsoft.com/office/drawing/2014/main" id="{4B6F8C27-BB5F-E87C-34D7-208B35BC2052}"/>
-              </a:ext>
-            </a:extLst>
-          </p:cNvPr>
-          <p:cNvSpPr>
-            <a:spLocks noGrp="1"/>
-          </p:cNvSpPr>
-          <p:nvPr>
-            <p:ph type="title"/>
-          </p:nvPr>
-        </p:nvSpPr>
-        <p:spPr>
-          <a:xfrm>
-            <a:off x="404943" y="92917"/>
-            <a:ext cx="10047352" cy="688753"/>
-          </a:xfrm>
-        </p:spPr>
-        <p:txBody>
-          <a:bodyPr anchor="ctr">
-            <a:normAutofit/>
-          </a:bodyPr>
-          <a:lstStyle/>
-          <a:p>
-            <a:r>
-              <a:rPr lang="en-US" sz="4000" dirty="0"/>
-              <a:t>Median ABV and IBU by State</a:t>
-            </a:r>
-          </a:p>
-        </p:txBody>
-      </p:sp>
       <p:pic>
         <p:nvPicPr>
           <p:cNvPr id="4" name="Picture 3">
@@ -4012,14 +6683,14 @@
           <p:nvPr/>
         </p:nvPicPr>
         <p:blipFill rotWithShape="1">
-          <a:blip r:embed="rId2"/>
+          <a:blip r:embed="rId3"/>
           <a:srcRect b="1383"/>
           <a:stretch/>
         </p:blipFill>
         <p:spPr>
           <a:xfrm>
-            <a:off x="786173" y="835892"/>
-            <a:ext cx="8595843" cy="5241353"/>
+            <a:off x="786174" y="643385"/>
+            <a:ext cx="8381890" cy="5110894"/>
           </a:xfrm>
           <a:prstGeom prst="rect">
             <a:avLst/>
@@ -4027,6 +6698,171 @@
           <a:noFill/>
         </p:spPr>
       </p:pic>
+      <p:sp>
+        <p:nvSpPr>
+          <p:cNvPr id="2" name="Title 1">
+            <a:extLst>
+              <a:ext uri="{FF2B5EF4-FFF2-40B4-BE49-F238E27FC236}">
+                <a16:creationId xmlns:a16="http://schemas.microsoft.com/office/drawing/2014/main" id="{4B6F8C27-BB5F-E87C-34D7-208B35BC2052}"/>
+              </a:ext>
+            </a:extLst>
+          </p:cNvPr>
+          <p:cNvSpPr>
+            <a:spLocks noGrp="1"/>
+          </p:cNvSpPr>
+          <p:nvPr>
+            <p:ph type="title"/>
+          </p:nvPr>
+        </p:nvSpPr>
+        <p:spPr>
+          <a:xfrm>
+            <a:off x="404943" y="92917"/>
+            <a:ext cx="10047352" cy="688753"/>
+          </a:xfrm>
+        </p:spPr>
+        <p:txBody>
+          <a:bodyPr anchor="ctr">
+            <a:normAutofit/>
+          </a:bodyPr>
+          <a:lstStyle/>
+          <a:p>
+            <a:r>
+              <a:rPr lang="en-US" sz="4000" dirty="0"/>
+              <a:t>Median IBU by State</a:t>
+            </a:r>
+          </a:p>
+        </p:txBody>
+      </p:sp>
+      <p:sp>
+        <p:nvSpPr>
+          <p:cNvPr id="7" name="TextBox 6">
+            <a:extLst>
+              <a:ext uri="{FF2B5EF4-FFF2-40B4-BE49-F238E27FC236}">
+                <a16:creationId xmlns:a16="http://schemas.microsoft.com/office/drawing/2014/main" id="{64AA7CD2-A6C2-0EF3-B4F6-2A02092EC25A}"/>
+              </a:ext>
+            </a:extLst>
+          </p:cNvPr>
+          <p:cNvSpPr txBox="1"/>
+          <p:nvPr/>
+        </p:nvSpPr>
+        <p:spPr>
+          <a:xfrm>
+            <a:off x="2418347" y="5498427"/>
+            <a:ext cx="2863521" cy="1384995"/>
+          </a:xfrm>
+          <a:prstGeom prst="rect">
+            <a:avLst/>
+          </a:prstGeom>
+          <a:noFill/>
+        </p:spPr>
+        <p:txBody>
+          <a:bodyPr wrap="square" rtlCol="0">
+            <a:spAutoFit/>
+          </a:bodyPr>
+          <a:lstStyle/>
+          <a:p>
+            <a:r>
+              <a:rPr lang="en-US" sz="1400" dirty="0"/>
+              <a:t>Top 5 States:</a:t>
+            </a:r>
+          </a:p>
+          <a:p>
+            <a:r>
+              <a:rPr lang="en-US" sz="1400" dirty="0"/>
+              <a:t>West Virginia</a:t>
+            </a:r>
+          </a:p>
+          <a:p>
+            <a:r>
+              <a:rPr lang="en-US" sz="1400" dirty="0"/>
+              <a:t>Delaware </a:t>
+            </a:r>
+          </a:p>
+          <a:p>
+            <a:r>
+              <a:rPr lang="en-US" sz="1400" dirty="0"/>
+              <a:t>Mississippi </a:t>
+            </a:r>
+          </a:p>
+          <a:p>
+            <a:r>
+              <a:rPr lang="en-US" sz="1400" dirty="0"/>
+              <a:t>Minnesota</a:t>
+            </a:r>
+          </a:p>
+          <a:p>
+            <a:r>
+              <a:rPr lang="en-US" sz="1400" dirty="0"/>
+              <a:t>Vermont</a:t>
+            </a:r>
+          </a:p>
+        </p:txBody>
+      </p:sp>
+      <p:sp>
+        <p:nvSpPr>
+          <p:cNvPr id="8" name="TextBox 7">
+            <a:extLst>
+              <a:ext uri="{FF2B5EF4-FFF2-40B4-BE49-F238E27FC236}">
+                <a16:creationId xmlns:a16="http://schemas.microsoft.com/office/drawing/2014/main" id="{B883C76D-F98A-B328-BDB5-8AA2E632C8FF}"/>
+              </a:ext>
+            </a:extLst>
+          </p:cNvPr>
+          <p:cNvSpPr txBox="1"/>
+          <p:nvPr/>
+        </p:nvSpPr>
+        <p:spPr>
+          <a:xfrm>
+            <a:off x="5662863" y="5497069"/>
+            <a:ext cx="2863521" cy="1384995"/>
+          </a:xfrm>
+          <a:prstGeom prst="rect">
+            <a:avLst/>
+          </a:prstGeom>
+          <a:noFill/>
+        </p:spPr>
+        <p:txBody>
+          <a:bodyPr wrap="square" rtlCol="0">
+            <a:spAutoFit/>
+          </a:bodyPr>
+          <a:lstStyle/>
+          <a:p>
+            <a:r>
+              <a:rPr lang="en-US" sz="1400" dirty="0"/>
+              <a:t>Bottom 5 States:</a:t>
+            </a:r>
+          </a:p>
+          <a:p>
+            <a:r>
+              <a:rPr lang="en-US" sz="1400" dirty="0"/>
+              <a:t>Kansas</a:t>
+            </a:r>
+          </a:p>
+          <a:p>
+            <a:r>
+              <a:rPr lang="en-US" sz="1400" dirty="0"/>
+              <a:t>Wyoming</a:t>
+            </a:r>
+          </a:p>
+          <a:p>
+            <a:r>
+              <a:rPr lang="en-US" sz="1400" dirty="0"/>
+              <a:t>Arizonia </a:t>
+            </a:r>
+          </a:p>
+          <a:p>
+            <a:r>
+              <a:rPr lang="en-US" sz="1400" dirty="0"/>
+              <a:t>Wisconsin</a:t>
+            </a:r>
+          </a:p>
+          <a:p>
+            <a:r>
+              <a:rPr lang="en-US" sz="1400" dirty="0"/>
+              <a:t>New Hampshire</a:t>
+            </a:r>
+          </a:p>
+        </p:txBody>
+      </p:sp>
     </p:spTree>
     <p:extLst>
       <p:ext uri="{BB962C8B-B14F-4D97-AF65-F5344CB8AC3E}">
@@ -4037,6 +6873,146 @@
   <p:clrMapOvr>
     <a:masterClrMapping/>
   </p:clrMapOvr>
+  <p:timing>
+    <p:tnLst>
+      <p:par>
+        <p:cTn id="1" dur="indefinite" restart="never" nodeType="tmRoot">
+          <p:childTnLst>
+            <p:seq concurrent="1" nextAc="seek">
+              <p:cTn id="2" dur="indefinite" nodeType="mainSeq">
+                <p:childTnLst>
+                  <p:par>
+                    <p:cTn id="3" fill="hold">
+                      <p:stCondLst>
+                        <p:cond delay="indefinite"/>
+                      </p:stCondLst>
+                      <p:childTnLst>
+                        <p:par>
+                          <p:cTn id="4" fill="hold">
+                            <p:stCondLst>
+                              <p:cond delay="0"/>
+                            </p:stCondLst>
+                            <p:childTnLst>
+                              <p:par>
+                                <p:cTn id="5" presetID="10" presetClass="entr" presetSubtype="0" fill="hold" grpId="0" nodeType="clickEffect">
+                                  <p:stCondLst>
+                                    <p:cond delay="0"/>
+                                  </p:stCondLst>
+                                  <p:childTnLst>
+                                    <p:set>
+                                      <p:cBhvr>
+                                        <p:cTn id="6" dur="1" fill="hold">
+                                          <p:stCondLst>
+                                            <p:cond delay="0"/>
+                                          </p:stCondLst>
+                                        </p:cTn>
+                                        <p:tgtEl>
+                                          <p:spTgt spid="7"/>
+                                        </p:tgtEl>
+                                        <p:attrNameLst>
+                                          <p:attrName>style.visibility</p:attrName>
+                                        </p:attrNameLst>
+                                      </p:cBhvr>
+                                      <p:to>
+                                        <p:strVal val="visible"/>
+                                      </p:to>
+                                    </p:set>
+                                    <p:animEffect transition="in" filter="fade">
+                                      <p:cBhvr>
+                                        <p:cTn id="7" dur="500"/>
+                                        <p:tgtEl>
+                                          <p:spTgt spid="7"/>
+                                        </p:tgtEl>
+                                      </p:cBhvr>
+                                    </p:animEffect>
+                                  </p:childTnLst>
+                                </p:cTn>
+                              </p:par>
+                            </p:childTnLst>
+                          </p:cTn>
+                        </p:par>
+                      </p:childTnLst>
+                    </p:cTn>
+                  </p:par>
+                  <p:par>
+                    <p:cTn id="8" fill="hold">
+                      <p:stCondLst>
+                        <p:cond delay="indefinite"/>
+                      </p:stCondLst>
+                      <p:childTnLst>
+                        <p:par>
+                          <p:cTn id="9" fill="hold">
+                            <p:stCondLst>
+                              <p:cond delay="0"/>
+                            </p:stCondLst>
+                            <p:childTnLst>
+                              <p:par>
+                                <p:cTn id="10" presetID="10" presetClass="entr" presetSubtype="0" fill="hold" grpId="0" nodeType="clickEffect">
+                                  <p:stCondLst>
+                                    <p:cond delay="0"/>
+                                  </p:stCondLst>
+                                  <p:childTnLst>
+                                    <p:set>
+                                      <p:cBhvr>
+                                        <p:cTn id="11" dur="1" fill="hold">
+                                          <p:stCondLst>
+                                            <p:cond delay="0"/>
+                                          </p:stCondLst>
+                                        </p:cTn>
+                                        <p:tgtEl>
+                                          <p:spTgt spid="8"/>
+                                        </p:tgtEl>
+                                        <p:attrNameLst>
+                                          <p:attrName>style.visibility</p:attrName>
+                                        </p:attrNameLst>
+                                      </p:cBhvr>
+                                      <p:to>
+                                        <p:strVal val="visible"/>
+                                      </p:to>
+                                    </p:set>
+                                    <p:animEffect transition="in" filter="fade">
+                                      <p:cBhvr>
+                                        <p:cTn id="12" dur="500"/>
+                                        <p:tgtEl>
+                                          <p:spTgt spid="8"/>
+                                        </p:tgtEl>
+                                      </p:cBhvr>
+                                    </p:animEffect>
+                                  </p:childTnLst>
+                                </p:cTn>
+                              </p:par>
+                            </p:childTnLst>
+                          </p:cTn>
+                        </p:par>
+                      </p:childTnLst>
+                    </p:cTn>
+                  </p:par>
+                </p:childTnLst>
+              </p:cTn>
+              <p:prevCondLst>
+                <p:cond evt="onPrev" delay="0">
+                  <p:tgtEl>
+                    <p:sldTgt/>
+                  </p:tgtEl>
+                </p:cond>
+              </p:prevCondLst>
+              <p:nextCondLst>
+                <p:cond evt="onNext" delay="0">
+                  <p:tgtEl>
+                    <p:sldTgt/>
+                  </p:tgtEl>
+                </p:cond>
+              </p:nextCondLst>
+            </p:seq>
+          </p:childTnLst>
+        </p:cTn>
+      </p:par>
+    </p:tnLst>
+    <p:bldLst>
+      <p:bldP spid="7" grpId="0"/>
+      <p:bldP spid="8" grpId="0"/>
+    </p:bldLst>
+  </p:timing>
 </p:sld>
 </file>
 
@@ -4115,7 +7091,9 @@
           </a:xfrm>
         </p:spPr>
         <p:txBody>
-          <a:bodyPr/>
+          <a:bodyPr>
+            <a:normAutofit lnSpcReduction="10000"/>
+          </a:bodyPr>
           <a:lstStyle/>
           <a:p>
             <a:pPr marL="0" indent="0">
@@ -4138,7 +7116,7 @@
             </a:pPr>
             <a:r>
               <a:rPr lang="en-US" dirty="0"/>
-              <a:t>While Kentucky was highest in ABV it scored in the lower half for IBU.</a:t>
+              <a:t>While Kentucky and DC were in the Top 5 in ABV, they scored in the lower half for IBU.</a:t>
             </a:r>
           </a:p>
           <a:p>
@@ -4153,20 +7131,8 @@
             </a:pPr>
             <a:r>
               <a:rPr lang="en-US" dirty="0"/>
-              <a:t>West Virginia was in top 5 for both ABV and IBU.</a:t>
-            </a:r>
-          </a:p>
-          <a:p>
-            <a:pPr marL="0" indent="0">
-              <a:buNone/>
-            </a:pPr>
-            <a:endParaRPr lang="en-US" dirty="0"/>
-          </a:p>
-          <a:p>
-            <a:pPr marL="0" indent="0">
-              <a:buNone/>
-            </a:pPr>
-            <a:endParaRPr lang="en-US" dirty="0"/>
+              <a:t>Delaware and West Virginia were in Top 5 for both ABV and IBU.</a:t>
+            </a:r>
           </a:p>
           <a:p>
             <a:pPr marL="0" indent="0">
@@ -4196,7 +7162,7 @@
         </p:nvGrpSpPr>
         <p:grpSpPr>
           <a:xfrm>
-            <a:off x="7315200" y="2056039"/>
+            <a:off x="7521532" y="1738729"/>
             <a:ext cx="3470990" cy="819816"/>
             <a:chOff x="6096000" y="1699448"/>
             <a:chExt cx="4198778" cy="1883505"/>
@@ -4479,7 +7445,7 @@
         </p:nvCxnSpPr>
         <p:spPr>
           <a:xfrm flipH="1">
-            <a:off x="6606073" y="2565918"/>
+            <a:off x="6812405" y="2248608"/>
             <a:ext cx="1296956" cy="1026368"/>
           </a:xfrm>
           <a:prstGeom prst="straightConnector1">
@@ -4514,6 +7480,307 @@
   <p:clrMapOvr>
     <a:masterClrMapping/>
   </p:clrMapOvr>
+  <p:timing>
+    <p:tnLst>
+      <p:par>
+        <p:cTn id="1" dur="indefinite" restart="never" nodeType="tmRoot">
+          <p:childTnLst>
+            <p:seq concurrent="1" nextAc="seek">
+              <p:cTn id="2" dur="indefinite" nodeType="mainSeq">
+                <p:childTnLst>
+                  <p:par>
+                    <p:cTn id="3" fill="hold">
+                      <p:stCondLst>
+                        <p:cond delay="indefinite"/>
+                      </p:stCondLst>
+                      <p:childTnLst>
+                        <p:par>
+                          <p:cTn id="4" fill="hold">
+                            <p:stCondLst>
+                              <p:cond delay="0"/>
+                            </p:stCondLst>
+                            <p:childTnLst>
+                              <p:par>
+                                <p:cTn id="5" presetID="10" presetClass="entr" presetSubtype="0" fill="hold" nodeType="clickEffect">
+                                  <p:stCondLst>
+                                    <p:cond delay="0"/>
+                                  </p:stCondLst>
+                                  <p:childTnLst>
+                                    <p:set>
+                                      <p:cBhvr>
+                                        <p:cTn id="6" dur="1" fill="hold">
+                                          <p:stCondLst>
+                                            <p:cond delay="0"/>
+                                          </p:stCondLst>
+                                        </p:cTn>
+                                        <p:tgtEl>
+                                          <p:spTgt spid="3">
+                                            <p:txEl>
+                                              <p:pRg st="0" end="0"/>
+                                            </p:txEl>
+                                          </p:spTgt>
+                                        </p:tgtEl>
+                                        <p:attrNameLst>
+                                          <p:attrName>style.visibility</p:attrName>
+                                        </p:attrNameLst>
+                                      </p:cBhvr>
+                                      <p:to>
+                                        <p:strVal val="visible"/>
+                                      </p:to>
+                                    </p:set>
+                                    <p:animEffect transition="in" filter="fade">
+                                      <p:cBhvr>
+                                        <p:cTn id="7" dur="500"/>
+                                        <p:tgtEl>
+                                          <p:spTgt spid="3">
+                                            <p:txEl>
+                                              <p:pRg st="0" end="0"/>
+                                            </p:txEl>
+                                          </p:spTgt>
+                                        </p:tgtEl>
+                                      </p:cBhvr>
+                                    </p:animEffect>
+                                  </p:childTnLst>
+                                </p:cTn>
+                              </p:par>
+                            </p:childTnLst>
+                          </p:cTn>
+                        </p:par>
+                      </p:childTnLst>
+                    </p:cTn>
+                  </p:par>
+                  <p:par>
+                    <p:cTn id="8" fill="hold">
+                      <p:stCondLst>
+                        <p:cond delay="indefinite"/>
+                      </p:stCondLst>
+                      <p:childTnLst>
+                        <p:par>
+                          <p:cTn id="9" fill="hold">
+                            <p:stCondLst>
+                              <p:cond delay="0"/>
+                            </p:stCondLst>
+                            <p:childTnLst>
+                              <p:par>
+                                <p:cTn id="10" presetID="10" presetClass="entr" presetSubtype="0" fill="hold" nodeType="clickEffect">
+                                  <p:stCondLst>
+                                    <p:cond delay="0"/>
+                                  </p:stCondLst>
+                                  <p:childTnLst>
+                                    <p:set>
+                                      <p:cBhvr>
+                                        <p:cTn id="11" dur="1" fill="hold">
+                                          <p:stCondLst>
+                                            <p:cond delay="0"/>
+                                          </p:stCondLst>
+                                        </p:cTn>
+                                        <p:tgtEl>
+                                          <p:spTgt spid="3">
+                                            <p:txEl>
+                                              <p:pRg st="2" end="2"/>
+                                            </p:txEl>
+                                          </p:spTgt>
+                                        </p:tgtEl>
+                                        <p:attrNameLst>
+                                          <p:attrName>style.visibility</p:attrName>
+                                        </p:attrNameLst>
+                                      </p:cBhvr>
+                                      <p:to>
+                                        <p:strVal val="visible"/>
+                                      </p:to>
+                                    </p:set>
+                                    <p:animEffect transition="in" filter="fade">
+                                      <p:cBhvr>
+                                        <p:cTn id="12" dur="500"/>
+                                        <p:tgtEl>
+                                          <p:spTgt spid="3">
+                                            <p:txEl>
+                                              <p:pRg st="2" end="2"/>
+                                            </p:txEl>
+                                          </p:spTgt>
+                                        </p:tgtEl>
+                                      </p:cBhvr>
+                                    </p:animEffect>
+                                  </p:childTnLst>
+                                </p:cTn>
+                              </p:par>
+                            </p:childTnLst>
+                          </p:cTn>
+                        </p:par>
+                      </p:childTnLst>
+                    </p:cTn>
+                  </p:par>
+                  <p:par>
+                    <p:cTn id="13" fill="hold">
+                      <p:stCondLst>
+                        <p:cond delay="indefinite"/>
+                      </p:stCondLst>
+                      <p:childTnLst>
+                        <p:par>
+                          <p:cTn id="14" fill="hold">
+                            <p:stCondLst>
+                              <p:cond delay="0"/>
+                            </p:stCondLst>
+                            <p:childTnLst>
+                              <p:par>
+                                <p:cTn id="15" presetID="10" presetClass="entr" presetSubtype="0" fill="hold" nodeType="clickEffect">
+                                  <p:stCondLst>
+                                    <p:cond delay="0"/>
+                                  </p:stCondLst>
+                                  <p:childTnLst>
+                                    <p:set>
+                                      <p:cBhvr>
+                                        <p:cTn id="16" dur="1" fill="hold">
+                                          <p:stCondLst>
+                                            <p:cond delay="0"/>
+                                          </p:stCondLst>
+                                        </p:cTn>
+                                        <p:tgtEl>
+                                          <p:spTgt spid="5"/>
+                                        </p:tgtEl>
+                                        <p:attrNameLst>
+                                          <p:attrName>style.visibility</p:attrName>
+                                        </p:attrNameLst>
+                                      </p:cBhvr>
+                                      <p:to>
+                                        <p:strVal val="visible"/>
+                                      </p:to>
+                                    </p:set>
+                                    <p:animEffect transition="in" filter="fade">
+                                      <p:cBhvr>
+                                        <p:cTn id="17" dur="500"/>
+                                        <p:tgtEl>
+                                          <p:spTgt spid="5"/>
+                                        </p:tgtEl>
+                                      </p:cBhvr>
+                                    </p:animEffect>
+                                  </p:childTnLst>
+                                </p:cTn>
+                              </p:par>
+                              <p:par>
+                                <p:cTn id="18" presetID="10" presetClass="entr" presetSubtype="0" fill="hold" nodeType="withEffect">
+                                  <p:stCondLst>
+                                    <p:cond delay="0"/>
+                                  </p:stCondLst>
+                                  <p:childTnLst>
+                                    <p:set>
+                                      <p:cBhvr>
+                                        <p:cTn id="19" dur="1" fill="hold">
+                                          <p:stCondLst>
+                                            <p:cond delay="0"/>
+                                          </p:stCondLst>
+                                        </p:cTn>
+                                        <p:tgtEl>
+                                          <p:spTgt spid="8"/>
+                                        </p:tgtEl>
+                                        <p:attrNameLst>
+                                          <p:attrName>style.visibility</p:attrName>
+                                        </p:attrNameLst>
+                                      </p:cBhvr>
+                                      <p:to>
+                                        <p:strVal val="visible"/>
+                                      </p:to>
+                                    </p:set>
+                                    <p:animEffect transition="in" filter="fade">
+                                      <p:cBhvr>
+                                        <p:cTn id="20" dur="500"/>
+                                        <p:tgtEl>
+                                          <p:spTgt spid="8"/>
+                                        </p:tgtEl>
+                                      </p:cBhvr>
+                                    </p:animEffect>
+                                  </p:childTnLst>
+                                </p:cTn>
+                              </p:par>
+                            </p:childTnLst>
+                          </p:cTn>
+                        </p:par>
+                      </p:childTnLst>
+                    </p:cTn>
+                  </p:par>
+                  <p:par>
+                    <p:cTn id="21" fill="hold">
+                      <p:stCondLst>
+                        <p:cond delay="indefinite"/>
+                      </p:stCondLst>
+                      <p:childTnLst>
+                        <p:par>
+                          <p:cTn id="22" fill="hold">
+                            <p:stCondLst>
+                              <p:cond delay="0"/>
+                            </p:stCondLst>
+                            <p:childTnLst>
+                              <p:par>
+                                <p:cTn id="23" presetID="10" presetClass="entr" presetSubtype="0" fill="hold" nodeType="clickEffect">
+                                  <p:stCondLst>
+                                    <p:cond delay="0"/>
+                                  </p:stCondLst>
+                                  <p:childTnLst>
+                                    <p:set>
+                                      <p:cBhvr>
+                                        <p:cTn id="24" dur="1" fill="hold">
+                                          <p:stCondLst>
+                                            <p:cond delay="0"/>
+                                          </p:stCondLst>
+                                        </p:cTn>
+                                        <p:tgtEl>
+                                          <p:spTgt spid="3">
+                                            <p:txEl>
+                                              <p:pRg st="4" end="4"/>
+                                            </p:txEl>
+                                          </p:spTgt>
+                                        </p:tgtEl>
+                                        <p:attrNameLst>
+                                          <p:attrName>style.visibility</p:attrName>
+                                        </p:attrNameLst>
+                                      </p:cBhvr>
+                                      <p:to>
+                                        <p:strVal val="visible"/>
+                                      </p:to>
+                                    </p:set>
+                                    <p:animEffect transition="in" filter="fade">
+                                      <p:cBhvr>
+                                        <p:cTn id="25" dur="500"/>
+                                        <p:tgtEl>
+                                          <p:spTgt spid="3">
+                                            <p:txEl>
+                                              <p:pRg st="4" end="4"/>
+                                            </p:txEl>
+                                          </p:spTgt>
+                                        </p:tgtEl>
+                                      </p:cBhvr>
+                                    </p:animEffect>
+                                  </p:childTnLst>
+                                </p:cTn>
+                              </p:par>
+                            </p:childTnLst>
+                          </p:cTn>
+                        </p:par>
+                      </p:childTnLst>
+                    </p:cTn>
+                  </p:par>
+                </p:childTnLst>
+              </p:cTn>
+              <p:prevCondLst>
+                <p:cond evt="onPrev" delay="0">
+                  <p:tgtEl>
+                    <p:sldTgt/>
+                  </p:tgtEl>
+                </p:cond>
+              </p:prevCondLst>
+              <p:nextCondLst>
+                <p:cond evt="onNext" delay="0">
+                  <p:tgtEl>
+                    <p:sldTgt/>
+                  </p:tgtEl>
+                </p:cond>
+              </p:nextCondLst>
+            </p:seq>
+          </p:childTnLst>
+        </p:cTn>
+      </p:par>
+    </p:tnLst>
+  </p:timing>
 </p:sld>
 </file>
 
@@ -4584,7 +7851,7 @@
           <p:nvPr/>
         </p:nvPicPr>
         <p:blipFill>
-          <a:blip r:embed="rId2"/>
+          <a:blip r:embed="rId3"/>
           <a:stretch>
             <a:fillRect/>
           </a:stretch>
@@ -4614,8 +7881,8 @@
         </p:nvSpPr>
         <p:spPr>
           <a:xfrm>
-            <a:off x="7024991" y="739689"/>
-            <a:ext cx="3685736" cy="2246769"/>
+            <a:off x="6787925" y="824354"/>
+            <a:ext cx="4557409" cy="2862322"/>
           </a:xfrm>
           <a:prstGeom prst="rect">
             <a:avLst/>
@@ -4646,16 +7913,16 @@
                   <a:srgbClr val="0000FF"/>
                 </a:solidFill>
               </a:rPr>
-              <a:t>Median</a:t>
-            </a:r>
-            <a:r>
-              <a:rPr lang="en-US" sz="2000" dirty="0"/>
-              <a:t> = 5.6%</a:t>
-            </a:r>
-          </a:p>
-          <a:p>
-            <a:r>
-              <a:rPr lang="en-US" sz="2000" dirty="0"/>
+              <a:t>Median = 5.6%</a:t>
+            </a:r>
+          </a:p>
+          <a:p>
+            <a:r>
+              <a:rPr lang="en-US" sz="2000" dirty="0">
+                <a:solidFill>
+                  <a:srgbClr val="005D00"/>
+                </a:solidFill>
+              </a:rPr>
               <a:t>Mean = 5.97%</a:t>
             </a:r>
           </a:p>
@@ -4668,7 +7935,7 @@
           <a:p>
             <a:r>
               <a:rPr lang="en-US" sz="2000" dirty="0"/>
-              <a:t>Max = 12.8%</a:t>
+              <a:t>Max = 12.8% </a:t>
             </a:r>
           </a:p>
           <a:p>
@@ -4676,6 +7943,237 @@
               <a:rPr lang="en-US" sz="2000" dirty="0"/>
               <a:t>Standard Deviation = 1.35%</a:t>
             </a:r>
+          </a:p>
+          <a:p>
+            <a:endParaRPr lang="en-US" sz="2000" dirty="0"/>
+          </a:p>
+          <a:p>
+            <a:r>
+              <a:rPr lang="en-US" sz="2000" dirty="0"/>
+              <a:t>Budweiser: 5%</a:t>
+            </a:r>
+          </a:p>
+        </p:txBody>
+      </p:sp>
+      <p:sp>
+        <p:nvSpPr>
+          <p:cNvPr id="8" name="TextBox 7">
+            <a:extLst>
+              <a:ext uri="{FF2B5EF4-FFF2-40B4-BE49-F238E27FC236}">
+                <a16:creationId xmlns:a16="http://schemas.microsoft.com/office/drawing/2014/main" id="{698AFD18-0F66-D1B4-DA9B-B89DEA35EC83}"/>
+              </a:ext>
+            </a:extLst>
+          </p:cNvPr>
+          <p:cNvSpPr txBox="1"/>
+          <p:nvPr/>
+        </p:nvSpPr>
+        <p:spPr>
+          <a:xfrm>
+            <a:off x="3795822" y="6039293"/>
+            <a:ext cx="776177" cy="307777"/>
+          </a:xfrm>
+          <a:prstGeom prst="rect">
+            <a:avLst/>
+          </a:prstGeom>
+          <a:noFill/>
+        </p:spPr>
+        <p:txBody>
+          <a:bodyPr wrap="square" rtlCol="0">
+            <a:spAutoFit/>
+          </a:bodyPr>
+          <a:lstStyle/>
+          <a:p>
+            <a:r>
+              <a:rPr lang="en-US" sz="1400" dirty="0">
+                <a:solidFill>
+                  <a:srgbClr val="0000FF"/>
+                </a:solidFill>
+              </a:rPr>
+              <a:t>Median</a:t>
+            </a:r>
+          </a:p>
+        </p:txBody>
+      </p:sp>
+      <p:cxnSp>
+        <p:nvCxnSpPr>
+          <p:cNvPr id="11" name="Straight Arrow Connector 10">
+            <a:extLst>
+              <a:ext uri="{FF2B5EF4-FFF2-40B4-BE49-F238E27FC236}">
+                <a16:creationId xmlns:a16="http://schemas.microsoft.com/office/drawing/2014/main" id="{D45BD5CC-4A87-9247-1E83-A56FF14532C7}"/>
+              </a:ext>
+            </a:extLst>
+          </p:cNvPr>
+          <p:cNvCxnSpPr>
+            <a:cxnSpLocks/>
+          </p:cNvCxnSpPr>
+          <p:nvPr/>
+        </p:nvCxnSpPr>
+        <p:spPr>
+          <a:xfrm flipV="1">
+            <a:off x="4369981" y="5592726"/>
+            <a:ext cx="212652" cy="489097"/>
+          </a:xfrm>
+          <a:prstGeom prst="straightConnector1">
+            <a:avLst/>
+          </a:prstGeom>
+          <a:ln w="12700">
+            <a:solidFill>
+              <a:schemeClr val="tx1"/>
+            </a:solidFill>
+            <a:tailEnd type="triangle"/>
+          </a:ln>
+        </p:spPr>
+        <p:style>
+          <a:lnRef idx="1">
+            <a:schemeClr val="accent1"/>
+          </a:lnRef>
+          <a:fillRef idx="0">
+            <a:schemeClr val="accent1"/>
+          </a:fillRef>
+          <a:effectRef idx="0">
+            <a:schemeClr val="accent1"/>
+          </a:effectRef>
+          <a:fontRef idx="minor">
+            <a:schemeClr val="tx1"/>
+          </a:fontRef>
+        </p:style>
+      </p:cxnSp>
+      <p:sp>
+        <p:nvSpPr>
+          <p:cNvPr id="19" name="TextBox 18">
+            <a:extLst>
+              <a:ext uri="{FF2B5EF4-FFF2-40B4-BE49-F238E27FC236}">
+                <a16:creationId xmlns:a16="http://schemas.microsoft.com/office/drawing/2014/main" id="{07606414-F299-A1F4-A0EB-407FB4AECF1A}"/>
+              </a:ext>
+            </a:extLst>
+          </p:cNvPr>
+          <p:cNvSpPr txBox="1"/>
+          <p:nvPr/>
+        </p:nvSpPr>
+        <p:spPr>
+          <a:xfrm>
+            <a:off x="5649430" y="6095999"/>
+            <a:ext cx="776177" cy="307777"/>
+          </a:xfrm>
+          <a:prstGeom prst="rect">
+            <a:avLst/>
+          </a:prstGeom>
+          <a:noFill/>
+        </p:spPr>
+        <p:txBody>
+          <a:bodyPr wrap="square" rtlCol="0">
+            <a:spAutoFit/>
+          </a:bodyPr>
+          <a:lstStyle/>
+          <a:p>
+            <a:r>
+              <a:rPr lang="en-US" sz="1400" dirty="0">
+                <a:solidFill>
+                  <a:srgbClr val="005D00"/>
+                </a:solidFill>
+              </a:rPr>
+              <a:t>Mean</a:t>
+            </a:r>
+          </a:p>
+        </p:txBody>
+      </p:sp>
+      <p:cxnSp>
+        <p:nvCxnSpPr>
+          <p:cNvPr id="20" name="Straight Arrow Connector 19">
+            <a:extLst>
+              <a:ext uri="{FF2B5EF4-FFF2-40B4-BE49-F238E27FC236}">
+                <a16:creationId xmlns:a16="http://schemas.microsoft.com/office/drawing/2014/main" id="{FB247FB5-DB4B-4311-BCF1-46447917C601}"/>
+              </a:ext>
+            </a:extLst>
+          </p:cNvPr>
+          <p:cNvCxnSpPr>
+            <a:cxnSpLocks/>
+          </p:cNvCxnSpPr>
+          <p:nvPr/>
+        </p:nvCxnSpPr>
+        <p:spPr>
+          <a:xfrm flipH="1" flipV="1">
+            <a:off x="4890977" y="5486400"/>
+            <a:ext cx="967563" cy="595423"/>
+          </a:xfrm>
+          <a:prstGeom prst="straightConnector1">
+            <a:avLst/>
+          </a:prstGeom>
+          <a:ln w="12700">
+            <a:solidFill>
+              <a:schemeClr val="tx1"/>
+            </a:solidFill>
+            <a:tailEnd type="triangle"/>
+          </a:ln>
+        </p:spPr>
+        <p:style>
+          <a:lnRef idx="1">
+            <a:schemeClr val="accent1"/>
+          </a:lnRef>
+          <a:fillRef idx="0">
+            <a:schemeClr val="accent1"/>
+          </a:fillRef>
+          <a:effectRef idx="0">
+            <a:schemeClr val="accent1"/>
+          </a:effectRef>
+          <a:fontRef idx="minor">
+            <a:schemeClr val="tx1"/>
+          </a:fontRef>
+        </p:style>
+      </p:cxnSp>
+      <p:sp>
+        <p:nvSpPr>
+          <p:cNvPr id="3" name="TextBox 2">
+            <a:extLst>
+              <a:ext uri="{FF2B5EF4-FFF2-40B4-BE49-F238E27FC236}">
+                <a16:creationId xmlns:a16="http://schemas.microsoft.com/office/drawing/2014/main" id="{FE35B592-BF3A-6481-5B4A-B685F89EF8BB}"/>
+              </a:ext>
+            </a:extLst>
+          </p:cNvPr>
+          <p:cNvSpPr txBox="1"/>
+          <p:nvPr/>
+        </p:nvSpPr>
+        <p:spPr>
+          <a:xfrm>
+            <a:off x="7357362" y="3894667"/>
+            <a:ext cx="2775684" cy="1631216"/>
+          </a:xfrm>
+          <a:prstGeom prst="rect">
+            <a:avLst/>
+          </a:prstGeom>
+          <a:noFill/>
+        </p:spPr>
+        <p:txBody>
+          <a:bodyPr wrap="square" rtlCol="0">
+            <a:spAutoFit/>
+          </a:bodyPr>
+          <a:lstStyle/>
+          <a:p>
+            <a:r>
+              <a:rPr lang="en-US" sz="2000" dirty="0"/>
+              <a:t>Max. Alcohol content:</a:t>
+            </a:r>
+          </a:p>
+          <a:p>
+            <a:r>
+              <a:rPr lang="en-US" sz="2000" dirty="0"/>
+              <a:t>Lee Hill Series Vol. 5</a:t>
+            </a:r>
+          </a:p>
+          <a:p>
+            <a:r>
+              <a:rPr lang="en-US" sz="2000" dirty="0"/>
+              <a:t>Boulder, CO</a:t>
+            </a:r>
+          </a:p>
+          <a:p>
+            <a:r>
+              <a:rPr lang="en-US" sz="2000" dirty="0"/>
+              <a:t>ABV 12.8% </a:t>
+            </a:r>
+          </a:p>
+          <a:p>
+            <a:endParaRPr lang="en-US" sz="2000" dirty="0"/>
           </a:p>
         </p:txBody>
       </p:sp>
@@ -4689,6 +8187,146 @@
   <p:clrMapOvr>
     <a:masterClrMapping/>
   </p:clrMapOvr>
+  <p:timing>
+    <p:tnLst>
+      <p:par>
+        <p:cTn id="1" dur="indefinite" restart="never" nodeType="tmRoot">
+          <p:childTnLst>
+            <p:seq concurrent="1" nextAc="seek">
+              <p:cTn id="2" dur="indefinite" nodeType="mainSeq">
+                <p:childTnLst>
+                  <p:par>
+                    <p:cTn id="3" fill="hold">
+                      <p:stCondLst>
+                        <p:cond delay="indefinite"/>
+                      </p:stCondLst>
+                      <p:childTnLst>
+                        <p:par>
+                          <p:cTn id="4" fill="hold">
+                            <p:stCondLst>
+                              <p:cond delay="0"/>
+                            </p:stCondLst>
+                            <p:childTnLst>
+                              <p:par>
+                                <p:cTn id="5" presetID="10" presetClass="entr" presetSubtype="0" fill="hold" grpId="0" nodeType="clickEffect">
+                                  <p:stCondLst>
+                                    <p:cond delay="0"/>
+                                  </p:stCondLst>
+                                  <p:childTnLst>
+                                    <p:set>
+                                      <p:cBhvr>
+                                        <p:cTn id="6" dur="1" fill="hold">
+                                          <p:stCondLst>
+                                            <p:cond delay="0"/>
+                                          </p:stCondLst>
+                                        </p:cTn>
+                                        <p:tgtEl>
+                                          <p:spTgt spid="10"/>
+                                        </p:tgtEl>
+                                        <p:attrNameLst>
+                                          <p:attrName>style.visibility</p:attrName>
+                                        </p:attrNameLst>
+                                      </p:cBhvr>
+                                      <p:to>
+                                        <p:strVal val="visible"/>
+                                      </p:to>
+                                    </p:set>
+                                    <p:animEffect transition="in" filter="fade">
+                                      <p:cBhvr>
+                                        <p:cTn id="7" dur="500"/>
+                                        <p:tgtEl>
+                                          <p:spTgt spid="10"/>
+                                        </p:tgtEl>
+                                      </p:cBhvr>
+                                    </p:animEffect>
+                                  </p:childTnLst>
+                                </p:cTn>
+                              </p:par>
+                            </p:childTnLst>
+                          </p:cTn>
+                        </p:par>
+                      </p:childTnLst>
+                    </p:cTn>
+                  </p:par>
+                  <p:par>
+                    <p:cTn id="8" fill="hold">
+                      <p:stCondLst>
+                        <p:cond delay="indefinite"/>
+                      </p:stCondLst>
+                      <p:childTnLst>
+                        <p:par>
+                          <p:cTn id="9" fill="hold">
+                            <p:stCondLst>
+                              <p:cond delay="0"/>
+                            </p:stCondLst>
+                            <p:childTnLst>
+                              <p:par>
+                                <p:cTn id="10" presetID="10" presetClass="entr" presetSubtype="0" fill="hold" grpId="0" nodeType="clickEffect">
+                                  <p:stCondLst>
+                                    <p:cond delay="0"/>
+                                  </p:stCondLst>
+                                  <p:childTnLst>
+                                    <p:set>
+                                      <p:cBhvr>
+                                        <p:cTn id="11" dur="1" fill="hold">
+                                          <p:stCondLst>
+                                            <p:cond delay="0"/>
+                                          </p:stCondLst>
+                                        </p:cTn>
+                                        <p:tgtEl>
+                                          <p:spTgt spid="3"/>
+                                        </p:tgtEl>
+                                        <p:attrNameLst>
+                                          <p:attrName>style.visibility</p:attrName>
+                                        </p:attrNameLst>
+                                      </p:cBhvr>
+                                      <p:to>
+                                        <p:strVal val="visible"/>
+                                      </p:to>
+                                    </p:set>
+                                    <p:animEffect transition="in" filter="fade">
+                                      <p:cBhvr>
+                                        <p:cTn id="12" dur="500"/>
+                                        <p:tgtEl>
+                                          <p:spTgt spid="3"/>
+                                        </p:tgtEl>
+                                      </p:cBhvr>
+                                    </p:animEffect>
+                                  </p:childTnLst>
+                                </p:cTn>
+                              </p:par>
+                            </p:childTnLst>
+                          </p:cTn>
+                        </p:par>
+                      </p:childTnLst>
+                    </p:cTn>
+                  </p:par>
+                </p:childTnLst>
+              </p:cTn>
+              <p:prevCondLst>
+                <p:cond evt="onPrev" delay="0">
+                  <p:tgtEl>
+                    <p:sldTgt/>
+                  </p:tgtEl>
+                </p:cond>
+              </p:prevCondLst>
+              <p:nextCondLst>
+                <p:cond evt="onNext" delay="0">
+                  <p:tgtEl>
+                    <p:sldTgt/>
+                  </p:tgtEl>
+                </p:cond>
+              </p:nextCondLst>
+            </p:seq>
+          </p:childTnLst>
+        </p:cTn>
+      </p:par>
+    </p:tnLst>
+    <p:bldLst>
+      <p:bldP spid="10" grpId="0"/>
+      <p:bldP spid="3" grpId="0"/>
+    </p:bldLst>
+  </p:timing>
 </p:sld>
 </file>
 
@@ -4709,47 +8347,12 @@
           <a:chExt cx="0" cy="0"/>
         </a:xfrm>
       </p:grpSpPr>
-      <p:sp>
-        <p:nvSpPr>
-          <p:cNvPr id="2" name="Title 1">
+      <p:pic>
+        <p:nvPicPr>
+          <p:cNvPr id="4" name="Picture 3">
             <a:extLst>
               <a:ext uri="{FF2B5EF4-FFF2-40B4-BE49-F238E27FC236}">
-                <a16:creationId xmlns:a16="http://schemas.microsoft.com/office/drawing/2014/main" id="{4B6F8C27-BB5F-E87C-34D7-208B35BC2052}"/>
-              </a:ext>
-            </a:extLst>
-          </p:cNvPr>
-          <p:cNvSpPr>
-            <a:spLocks noGrp="1"/>
-          </p:cNvSpPr>
-          <p:nvPr>
-            <p:ph type="title"/>
-          </p:nvPr>
-        </p:nvSpPr>
-        <p:spPr>
-          <a:xfrm>
-            <a:off x="404943" y="33915"/>
-            <a:ext cx="10047352" cy="821488"/>
-          </a:xfrm>
-        </p:spPr>
-        <p:txBody>
-          <a:bodyPr anchor="ctr">
-            <a:normAutofit/>
-          </a:bodyPr>
-          <a:lstStyle/>
-          <a:p>
-            <a:r>
-              <a:rPr lang="en-US" sz="4000" dirty="0"/>
-              <a:t>ABV vs. IBU</a:t>
-            </a:r>
-          </a:p>
-        </p:txBody>
-      </p:sp>
-      <p:pic>
-        <p:nvPicPr>
-          <p:cNvPr id="5" name="Picture 4">
-            <a:extLst>
-              <a:ext uri="{FF2B5EF4-FFF2-40B4-BE49-F238E27FC236}">
-                <a16:creationId xmlns:a16="http://schemas.microsoft.com/office/drawing/2014/main" id="{23B47C09-F044-2E5E-1526-9BC88CCA4FDA}"/>
+                <a16:creationId xmlns:a16="http://schemas.microsoft.com/office/drawing/2014/main" id="{74EEE36B-6A33-9383-A0C9-81F778F63CFE}"/>
               </a:ext>
             </a:extLst>
           </p:cNvPr>
@@ -4759,32 +8362,521 @@
           <p:nvPr/>
         </p:nvPicPr>
         <p:blipFill>
-          <a:blip r:embed="rId2"/>
+          <a:blip r:embed="rId3"/>
           <a:stretch>
             <a:fillRect/>
           </a:stretch>
         </p:blipFill>
         <p:spPr>
           <a:xfrm>
-            <a:off x="777118" y="855405"/>
-            <a:ext cx="8428875" cy="5211579"/>
+            <a:off x="594531" y="957120"/>
+            <a:ext cx="8249217" cy="5100190"/>
+          </a:xfrm>
+          <a:prstGeom prst="rect">
+            <a:avLst/>
+          </a:prstGeom>
+          <a:ln>
+            <a:noFill/>
+          </a:ln>
+        </p:spPr>
+      </p:pic>
+      <p:sp>
+        <p:nvSpPr>
+          <p:cNvPr id="2" name="Title 1">
+            <a:extLst>
+              <a:ext uri="{FF2B5EF4-FFF2-40B4-BE49-F238E27FC236}">
+                <a16:creationId xmlns:a16="http://schemas.microsoft.com/office/drawing/2014/main" id="{4B6F8C27-BB5F-E87C-34D7-208B35BC2052}"/>
+              </a:ext>
+            </a:extLst>
+          </p:cNvPr>
+          <p:cNvSpPr>
+            <a:spLocks noGrp="1"/>
+          </p:cNvSpPr>
+          <p:nvPr>
+            <p:ph type="title"/>
+          </p:nvPr>
+        </p:nvSpPr>
+        <p:spPr>
+          <a:xfrm>
+            <a:off x="404943" y="33914"/>
+            <a:ext cx="10047352" cy="909979"/>
+          </a:xfrm>
+        </p:spPr>
+        <p:txBody>
+          <a:bodyPr anchor="ctr">
+            <a:normAutofit/>
+          </a:bodyPr>
+          <a:lstStyle/>
+          <a:p>
+            <a:r>
+              <a:rPr lang="en-US" sz="4000" dirty="0"/>
+              <a:t>IBU Statistics</a:t>
+            </a:r>
+          </a:p>
+        </p:txBody>
+      </p:sp>
+      <p:sp>
+        <p:nvSpPr>
+          <p:cNvPr id="10" name="TextBox 9">
+            <a:extLst>
+              <a:ext uri="{FF2B5EF4-FFF2-40B4-BE49-F238E27FC236}">
+                <a16:creationId xmlns:a16="http://schemas.microsoft.com/office/drawing/2014/main" id="{9BF02209-FC6E-AB62-B2E5-8820A2054DD6}"/>
+              </a:ext>
+            </a:extLst>
+          </p:cNvPr>
+          <p:cNvSpPr txBox="1"/>
+          <p:nvPr/>
+        </p:nvSpPr>
+        <p:spPr>
+          <a:xfrm>
+            <a:off x="7024991" y="739689"/>
+            <a:ext cx="3685736" cy="2862322"/>
           </a:xfrm>
           <a:prstGeom prst="rect">
             <a:avLst/>
           </a:prstGeom>
           <a:noFill/>
         </p:spPr>
-      </p:pic>
+        <p:txBody>
+          <a:bodyPr wrap="square" rtlCol="0">
+            <a:spAutoFit/>
+          </a:bodyPr>
+          <a:lstStyle/>
+          <a:p>
+            <a:r>
+              <a:rPr lang="en-US" sz="2000" dirty="0"/>
+              <a:t>Min = 0</a:t>
+            </a:r>
+          </a:p>
+          <a:p>
+            <a:r>
+              <a:rPr lang="en-US" sz="2000" dirty="0"/>
+              <a:t>1st Quantile (25%) = 20 </a:t>
+            </a:r>
+          </a:p>
+          <a:p>
+            <a:r>
+              <a:rPr lang="en-US" sz="2000" dirty="0">
+                <a:solidFill>
+                  <a:srgbClr val="0000FF"/>
+                </a:solidFill>
+              </a:rPr>
+              <a:t>Median = 30.50</a:t>
+            </a:r>
+          </a:p>
+          <a:p>
+            <a:r>
+              <a:rPr lang="en-US" sz="2000" dirty="0">
+                <a:solidFill>
+                  <a:srgbClr val="005D00"/>
+                </a:solidFill>
+              </a:rPr>
+              <a:t>Mean = 39.77</a:t>
+            </a:r>
+          </a:p>
+          <a:p>
+            <a:r>
+              <a:rPr lang="en-US" sz="2000" dirty="0"/>
+              <a:t>3rd Quantile (75%) = 60.00</a:t>
+            </a:r>
+          </a:p>
+          <a:p>
+            <a:r>
+              <a:rPr lang="en-US" sz="2000" dirty="0"/>
+              <a:t>Max = 138.00</a:t>
+            </a:r>
+          </a:p>
+          <a:p>
+            <a:r>
+              <a:rPr lang="en-US" sz="2000" dirty="0"/>
+              <a:t>Standard Deviation = 24.5</a:t>
+            </a:r>
+          </a:p>
+          <a:p>
+            <a:endParaRPr lang="en-US" sz="2000" dirty="0"/>
+          </a:p>
+          <a:p>
+            <a:r>
+              <a:rPr lang="en-US" sz="2000" dirty="0"/>
+              <a:t>Budweiser: 12</a:t>
+            </a:r>
+          </a:p>
+        </p:txBody>
+      </p:sp>
+      <p:sp>
+        <p:nvSpPr>
+          <p:cNvPr id="3" name="TextBox 2">
+            <a:extLst>
+              <a:ext uri="{FF2B5EF4-FFF2-40B4-BE49-F238E27FC236}">
+                <a16:creationId xmlns:a16="http://schemas.microsoft.com/office/drawing/2014/main" id="{BF59C1EB-9753-F7D7-F19B-D0E1689CEFFB}"/>
+              </a:ext>
+            </a:extLst>
+          </p:cNvPr>
+          <p:cNvSpPr txBox="1"/>
+          <p:nvPr/>
+        </p:nvSpPr>
+        <p:spPr>
+          <a:xfrm>
+            <a:off x="2424223" y="5996762"/>
+            <a:ext cx="776177" cy="307777"/>
+          </a:xfrm>
+          <a:prstGeom prst="rect">
+            <a:avLst/>
+          </a:prstGeom>
+          <a:noFill/>
+        </p:spPr>
+        <p:txBody>
+          <a:bodyPr wrap="square" rtlCol="0">
+            <a:spAutoFit/>
+          </a:bodyPr>
+          <a:lstStyle/>
+          <a:p>
+            <a:r>
+              <a:rPr lang="en-US" sz="1400" dirty="0">
+                <a:solidFill>
+                  <a:srgbClr val="0000FF"/>
+                </a:solidFill>
+              </a:rPr>
+              <a:t>Median</a:t>
+            </a:r>
+          </a:p>
+        </p:txBody>
+      </p:sp>
+      <p:cxnSp>
+        <p:nvCxnSpPr>
+          <p:cNvPr id="6" name="Straight Arrow Connector 5">
+            <a:extLst>
+              <a:ext uri="{FF2B5EF4-FFF2-40B4-BE49-F238E27FC236}">
+                <a16:creationId xmlns:a16="http://schemas.microsoft.com/office/drawing/2014/main" id="{3F359840-92DA-43B5-29BB-F64CD6D20F92}"/>
+              </a:ext>
+            </a:extLst>
+          </p:cNvPr>
+          <p:cNvCxnSpPr>
+            <a:cxnSpLocks/>
+          </p:cNvCxnSpPr>
+          <p:nvPr/>
+        </p:nvCxnSpPr>
+        <p:spPr>
+          <a:xfrm flipV="1">
+            <a:off x="2998382" y="5550195"/>
+            <a:ext cx="212652" cy="489097"/>
+          </a:xfrm>
+          <a:prstGeom prst="straightConnector1">
+            <a:avLst/>
+          </a:prstGeom>
+          <a:ln w="12700">
+            <a:solidFill>
+              <a:schemeClr val="tx1"/>
+            </a:solidFill>
+            <a:tailEnd type="triangle"/>
+          </a:ln>
+        </p:spPr>
+        <p:style>
+          <a:lnRef idx="1">
+            <a:schemeClr val="accent1"/>
+          </a:lnRef>
+          <a:fillRef idx="0">
+            <a:schemeClr val="accent1"/>
+          </a:fillRef>
+          <a:effectRef idx="0">
+            <a:schemeClr val="accent1"/>
+          </a:effectRef>
+          <a:fontRef idx="minor">
+            <a:schemeClr val="tx1"/>
+          </a:fontRef>
+        </p:style>
+      </p:cxnSp>
+      <p:sp>
+        <p:nvSpPr>
+          <p:cNvPr id="7" name="TextBox 6">
+            <a:extLst>
+              <a:ext uri="{FF2B5EF4-FFF2-40B4-BE49-F238E27FC236}">
+                <a16:creationId xmlns:a16="http://schemas.microsoft.com/office/drawing/2014/main" id="{5EC34FDF-3F49-BBD4-30BD-A4742B1342CE}"/>
+              </a:ext>
+            </a:extLst>
+          </p:cNvPr>
+          <p:cNvSpPr txBox="1"/>
+          <p:nvPr/>
+        </p:nvSpPr>
+        <p:spPr>
+          <a:xfrm>
+            <a:off x="3693041" y="5989673"/>
+            <a:ext cx="655676" cy="307777"/>
+          </a:xfrm>
+          <a:prstGeom prst="rect">
+            <a:avLst/>
+          </a:prstGeom>
+          <a:noFill/>
+        </p:spPr>
+        <p:txBody>
+          <a:bodyPr wrap="square" rtlCol="0">
+            <a:spAutoFit/>
+          </a:bodyPr>
+          <a:lstStyle/>
+          <a:p>
+            <a:r>
+              <a:rPr lang="en-US" sz="1400" dirty="0">
+                <a:solidFill>
+                  <a:srgbClr val="005D00"/>
+                </a:solidFill>
+              </a:rPr>
+              <a:t>Mean</a:t>
+            </a:r>
+          </a:p>
+        </p:txBody>
+      </p:sp>
+      <p:cxnSp>
+        <p:nvCxnSpPr>
+          <p:cNvPr id="8" name="Straight Arrow Connector 7">
+            <a:extLst>
+              <a:ext uri="{FF2B5EF4-FFF2-40B4-BE49-F238E27FC236}">
+                <a16:creationId xmlns:a16="http://schemas.microsoft.com/office/drawing/2014/main" id="{512BF754-81E5-4427-2BFE-091AF1D4DFA4}"/>
+              </a:ext>
+            </a:extLst>
+          </p:cNvPr>
+          <p:cNvCxnSpPr>
+            <a:cxnSpLocks/>
+            <a:stCxn id="7" idx="0"/>
+          </p:cNvCxnSpPr>
+          <p:nvPr/>
+        </p:nvCxnSpPr>
+        <p:spPr>
+          <a:xfrm flipH="1" flipV="1">
+            <a:off x="3668233" y="5528930"/>
+            <a:ext cx="352646" cy="460743"/>
+          </a:xfrm>
+          <a:prstGeom prst="straightConnector1">
+            <a:avLst/>
+          </a:prstGeom>
+          <a:ln w="12700">
+            <a:solidFill>
+              <a:schemeClr val="tx1"/>
+            </a:solidFill>
+            <a:tailEnd type="triangle"/>
+          </a:ln>
+        </p:spPr>
+        <p:style>
+          <a:lnRef idx="1">
+            <a:schemeClr val="accent1"/>
+          </a:lnRef>
+          <a:fillRef idx="0">
+            <a:schemeClr val="accent1"/>
+          </a:fillRef>
+          <a:effectRef idx="0">
+            <a:schemeClr val="accent1"/>
+          </a:effectRef>
+          <a:fontRef idx="minor">
+            <a:schemeClr val="tx1"/>
+          </a:fontRef>
+        </p:style>
+      </p:cxnSp>
+      <p:sp>
+        <p:nvSpPr>
+          <p:cNvPr id="11" name="TextBox 10">
+            <a:extLst>
+              <a:ext uri="{FF2B5EF4-FFF2-40B4-BE49-F238E27FC236}">
+                <a16:creationId xmlns:a16="http://schemas.microsoft.com/office/drawing/2014/main" id="{52677664-3617-40EF-2EAA-04117BACDBE4}"/>
+              </a:ext>
+            </a:extLst>
+          </p:cNvPr>
+          <p:cNvSpPr txBox="1"/>
+          <p:nvPr/>
+        </p:nvSpPr>
+        <p:spPr>
+          <a:xfrm>
+            <a:off x="7040126" y="3689396"/>
+            <a:ext cx="2943634" cy="1631216"/>
+          </a:xfrm>
+          <a:prstGeom prst="rect">
+            <a:avLst/>
+          </a:prstGeom>
+          <a:noFill/>
+        </p:spPr>
+        <p:txBody>
+          <a:bodyPr wrap="square" rtlCol="0">
+            <a:spAutoFit/>
+          </a:bodyPr>
+          <a:lstStyle/>
+          <a:p>
+            <a:r>
+              <a:rPr lang="en-US" sz="2000"/>
+              <a:t>Highest IBU:</a:t>
+            </a:r>
+            <a:endParaRPr lang="en-US" sz="2000" dirty="0"/>
+          </a:p>
+          <a:p>
+            <a:r>
+              <a:rPr lang="en-US" sz="2000" dirty="0"/>
+              <a:t>Bitter Bitch Imperial IPA</a:t>
+            </a:r>
+          </a:p>
+          <a:p>
+            <a:r>
+              <a:rPr lang="en-US" sz="2000" dirty="0"/>
+              <a:t>Astoria, OR</a:t>
+            </a:r>
+          </a:p>
+          <a:p>
+            <a:r>
+              <a:rPr lang="en-US" sz="2000" dirty="0"/>
+              <a:t>IBU 138</a:t>
+            </a:r>
+          </a:p>
+          <a:p>
+            <a:endParaRPr lang="en-US" sz="2000" dirty="0"/>
+          </a:p>
+        </p:txBody>
+      </p:sp>
     </p:spTree>
     <p:extLst>
       <p:ext uri="{BB962C8B-B14F-4D97-AF65-F5344CB8AC3E}">
-        <p14:creationId xmlns:p14="http://schemas.microsoft.com/office/powerpoint/2010/main" val="987015043"/>
+        <p14:creationId xmlns:p14="http://schemas.microsoft.com/office/powerpoint/2010/main" val="4216798497"/>
       </p:ext>
     </p:extLst>
   </p:cSld>
   <p:clrMapOvr>
     <a:masterClrMapping/>
   </p:clrMapOvr>
+  <p:timing>
+    <p:tnLst>
+      <p:par>
+        <p:cTn id="1" dur="indefinite" restart="never" nodeType="tmRoot">
+          <p:childTnLst>
+            <p:seq concurrent="1" nextAc="seek">
+              <p:cTn id="2" dur="indefinite" nodeType="mainSeq">
+                <p:childTnLst>
+                  <p:par>
+                    <p:cTn id="3" fill="hold">
+                      <p:stCondLst>
+                        <p:cond delay="indefinite"/>
+                      </p:stCondLst>
+                      <p:childTnLst>
+                        <p:par>
+                          <p:cTn id="4" fill="hold">
+                            <p:stCondLst>
+                              <p:cond delay="0"/>
+                            </p:stCondLst>
+                            <p:childTnLst>
+                              <p:par>
+                                <p:cTn id="5" presetID="10" presetClass="entr" presetSubtype="0" fill="hold" grpId="0" nodeType="clickEffect">
+                                  <p:stCondLst>
+                                    <p:cond delay="0"/>
+                                  </p:stCondLst>
+                                  <p:childTnLst>
+                                    <p:set>
+                                      <p:cBhvr>
+                                        <p:cTn id="6" dur="1" fill="hold">
+                                          <p:stCondLst>
+                                            <p:cond delay="0"/>
+                                          </p:stCondLst>
+                                        </p:cTn>
+                                        <p:tgtEl>
+                                          <p:spTgt spid="10"/>
+                                        </p:tgtEl>
+                                        <p:attrNameLst>
+                                          <p:attrName>style.visibility</p:attrName>
+                                        </p:attrNameLst>
+                                      </p:cBhvr>
+                                      <p:to>
+                                        <p:strVal val="visible"/>
+                                      </p:to>
+                                    </p:set>
+                                    <p:animEffect transition="in" filter="fade">
+                                      <p:cBhvr>
+                                        <p:cTn id="7" dur="500"/>
+                                        <p:tgtEl>
+                                          <p:spTgt spid="10"/>
+                                        </p:tgtEl>
+                                      </p:cBhvr>
+                                    </p:animEffect>
+                                  </p:childTnLst>
+                                </p:cTn>
+                              </p:par>
+                            </p:childTnLst>
+                          </p:cTn>
+                        </p:par>
+                      </p:childTnLst>
+                    </p:cTn>
+                  </p:par>
+                  <p:par>
+                    <p:cTn id="8" fill="hold">
+                      <p:stCondLst>
+                        <p:cond delay="indefinite"/>
+                      </p:stCondLst>
+                      <p:childTnLst>
+                        <p:par>
+                          <p:cTn id="9" fill="hold">
+                            <p:stCondLst>
+                              <p:cond delay="0"/>
+                            </p:stCondLst>
+                            <p:childTnLst>
+                              <p:par>
+                                <p:cTn id="10" presetID="10" presetClass="entr" presetSubtype="0" fill="hold" grpId="0" nodeType="clickEffect">
+                                  <p:stCondLst>
+                                    <p:cond delay="0"/>
+                                  </p:stCondLst>
+                                  <p:childTnLst>
+                                    <p:set>
+                                      <p:cBhvr>
+                                        <p:cTn id="11" dur="1" fill="hold">
+                                          <p:stCondLst>
+                                            <p:cond delay="0"/>
+                                          </p:stCondLst>
+                                        </p:cTn>
+                                        <p:tgtEl>
+                                          <p:spTgt spid="11"/>
+                                        </p:tgtEl>
+                                        <p:attrNameLst>
+                                          <p:attrName>style.visibility</p:attrName>
+                                        </p:attrNameLst>
+                                      </p:cBhvr>
+                                      <p:to>
+                                        <p:strVal val="visible"/>
+                                      </p:to>
+                                    </p:set>
+                                    <p:animEffect transition="in" filter="fade">
+                                      <p:cBhvr>
+                                        <p:cTn id="12" dur="500"/>
+                                        <p:tgtEl>
+                                          <p:spTgt spid="11"/>
+                                        </p:tgtEl>
+                                      </p:cBhvr>
+                                    </p:animEffect>
+                                  </p:childTnLst>
+                                </p:cTn>
+                              </p:par>
+                            </p:childTnLst>
+                          </p:cTn>
+                        </p:par>
+                      </p:childTnLst>
+                    </p:cTn>
+                  </p:par>
+                </p:childTnLst>
+              </p:cTn>
+              <p:prevCondLst>
+                <p:cond evt="onPrev" delay="0">
+                  <p:tgtEl>
+                    <p:sldTgt/>
+                  </p:tgtEl>
+                </p:cond>
+              </p:prevCondLst>
+              <p:nextCondLst>
+                <p:cond evt="onNext" delay="0">
+                  <p:tgtEl>
+                    <p:sldTgt/>
+                  </p:tgtEl>
+                </p:cond>
+              </p:nextCondLst>
+            </p:seq>
+          </p:childTnLst>
+        </p:cTn>
+      </p:par>
+    </p:tnLst>
+    <p:bldLst>
+      <p:bldP spid="10" grpId="0"/>
+      <p:bldP spid="11" grpId="0"/>
+    </p:bldLst>
+  </p:timing>
 </p:sld>
 </file>
 
@@ -5047,4 +9139,299 @@
     </a:ext>
   </a:extLst>
 </a:theme>
+</file>
+
+<file path=ppt/theme/theme2.xml><?xml version="1.0" encoding="utf-8"?>
+<a:theme xmlns:a="http://schemas.openxmlformats.org/drawingml/2006/main" name="Office Theme">
+  <a:themeElements>
+    <a:clrScheme name="Office">
+      <a:dk1>
+        <a:sysClr val="windowText" lastClr="000000"/>
+      </a:dk1>
+      <a:lt1>
+        <a:sysClr val="window" lastClr="FFFFFF"/>
+      </a:lt1>
+      <a:dk2>
+        <a:srgbClr val="44546A"/>
+      </a:dk2>
+      <a:lt2>
+        <a:srgbClr val="E7E6E6"/>
+      </a:lt2>
+      <a:accent1>
+        <a:srgbClr val="4472C4"/>
+      </a:accent1>
+      <a:accent2>
+        <a:srgbClr val="ED7D31"/>
+      </a:accent2>
+      <a:accent3>
+        <a:srgbClr val="A5A5A5"/>
+      </a:accent3>
+      <a:accent4>
+        <a:srgbClr val="FFC000"/>
+      </a:accent4>
+      <a:accent5>
+        <a:srgbClr val="5B9BD5"/>
+      </a:accent5>
+      <a:accent6>
+        <a:srgbClr val="70AD47"/>
+      </a:accent6>
+      <a:hlink>
+        <a:srgbClr val="0563C1"/>
+      </a:hlink>
+      <a:folHlink>
+        <a:srgbClr val="954F72"/>
+      </a:folHlink>
+    </a:clrScheme>
+    <a:fontScheme name="Office">
+      <a:majorFont>
+        <a:latin typeface="Calibri Light" panose="020F0302020204030204"/>
+        <a:ea typeface=""/>
+        <a:cs typeface=""/>
+        <a:font script="Jpan" typeface="游ゴシック Light"/>
+        <a:font script="Hang" typeface="맑은 고딕"/>
+        <a:font script="Hans" typeface="等线 Light"/>
+        <a:font script="Hant" typeface="新細明體"/>
+        <a:font script="Arab" typeface="Times New Roman"/>
+        <a:font script="Hebr" typeface="Times New Roman"/>
+        <a:font script="Thai" typeface="Angsana New"/>
+        <a:font script="Ethi" typeface="Nyala"/>
+        <a:font script="Beng" typeface="Vrinda"/>
+        <a:font script="Gujr" typeface="Shruti"/>
+        <a:font script="Khmr" typeface="MoolBoran"/>
+        <a:font script="Knda" typeface="Tunga"/>
+        <a:font script="Guru" typeface="Raavi"/>
+        <a:font script="Cans" typeface="Euphemia"/>
+        <a:font script="Cher" typeface="Plantagenet Cherokee"/>
+        <a:font script="Yiii" typeface="Microsoft Yi Baiti"/>
+        <a:font script="Tibt" typeface="Microsoft Himalaya"/>
+        <a:font script="Thaa" typeface="MV Boli"/>
+        <a:font script="Deva" typeface="Mangal"/>
+        <a:font script="Telu" typeface="Gautami"/>
+        <a:font script="Taml" typeface="Latha"/>
+        <a:font script="Syrc" typeface="Estrangelo Edessa"/>
+        <a:font script="Orya" typeface="Kalinga"/>
+        <a:font script="Mlym" typeface="Kartika"/>
+        <a:font script="Laoo" typeface="DokChampa"/>
+        <a:font script="Sinh" typeface="Iskoola Pota"/>
+        <a:font script="Mong" typeface="Mongolian Baiti"/>
+        <a:font script="Viet" typeface="Times New Roman"/>
+        <a:font script="Uigh" typeface="Microsoft Uighur"/>
+        <a:font script="Geor" typeface="Sylfaen"/>
+        <a:font script="Armn" typeface="Arial"/>
+        <a:font script="Bugi" typeface="Leelawadee UI"/>
+        <a:font script="Bopo" typeface="Microsoft JhengHei"/>
+        <a:font script="Java" typeface="Javanese Text"/>
+        <a:font script="Lisu" typeface="Segoe UI"/>
+        <a:font script="Mymr" typeface="Myanmar Text"/>
+        <a:font script="Nkoo" typeface="Ebrima"/>
+        <a:font script="Olck" typeface="Nirmala UI"/>
+        <a:font script="Osma" typeface="Ebrima"/>
+        <a:font script="Phag" typeface="Phagspa"/>
+        <a:font script="Syrn" typeface="Estrangelo Edessa"/>
+        <a:font script="Syrj" typeface="Estrangelo Edessa"/>
+        <a:font script="Syre" typeface="Estrangelo Edessa"/>
+        <a:font script="Sora" typeface="Nirmala UI"/>
+        <a:font script="Tale" typeface="Microsoft Tai Le"/>
+        <a:font script="Talu" typeface="Microsoft New Tai Lue"/>
+        <a:font script="Tfng" typeface="Ebrima"/>
+      </a:majorFont>
+      <a:minorFont>
+        <a:latin typeface="Calibri" panose="020F0502020204030204"/>
+        <a:ea typeface=""/>
+        <a:cs typeface=""/>
+        <a:font script="Jpan" typeface="游ゴシック"/>
+        <a:font script="Hang" typeface="맑은 고딕"/>
+        <a:font script="Hans" typeface="等线"/>
+        <a:font script="Hant" typeface="新細明體"/>
+        <a:font script="Arab" typeface="Arial"/>
+        <a:font script="Hebr" typeface="Arial"/>
+        <a:font script="Thai" typeface="Cordia New"/>
+        <a:font script="Ethi" typeface="Nyala"/>
+        <a:font script="Beng" typeface="Vrinda"/>
+        <a:font script="Gujr" typeface="Shruti"/>
+        <a:font script="Khmr" typeface="DaunPenh"/>
+        <a:font script="Knda" typeface="Tunga"/>
+        <a:font script="Guru" typeface="Raavi"/>
+        <a:font script="Cans" typeface="Euphemia"/>
+        <a:font script="Cher" typeface="Plantagenet Cherokee"/>
+        <a:font script="Yiii" typeface="Microsoft Yi Baiti"/>
+        <a:font script="Tibt" typeface="Microsoft Himalaya"/>
+        <a:font script="Thaa" typeface="MV Boli"/>
+        <a:font script="Deva" typeface="Mangal"/>
+        <a:font script="Telu" typeface="Gautami"/>
+        <a:font script="Taml" typeface="Latha"/>
+        <a:font script="Syrc" typeface="Estrangelo Edessa"/>
+        <a:font script="Orya" typeface="Kalinga"/>
+        <a:font script="Mlym" typeface="Kartika"/>
+        <a:font script="Laoo" typeface="DokChampa"/>
+        <a:font script="Sinh" typeface="Iskoola Pota"/>
+        <a:font script="Mong" typeface="Mongolian Baiti"/>
+        <a:font script="Viet" typeface="Arial"/>
+        <a:font script="Uigh" typeface="Microsoft Uighur"/>
+        <a:font script="Geor" typeface="Sylfaen"/>
+        <a:font script="Armn" typeface="Arial"/>
+        <a:font script="Bugi" typeface="Leelawadee UI"/>
+        <a:font script="Bopo" typeface="Microsoft JhengHei"/>
+        <a:font script="Java" typeface="Javanese Text"/>
+        <a:font script="Lisu" typeface="Segoe UI"/>
+        <a:font script="Mymr" typeface="Myanmar Text"/>
+        <a:font script="Nkoo" typeface="Ebrima"/>
+        <a:font script="Olck" typeface="Nirmala UI"/>
+        <a:font script="Osma" typeface="Ebrima"/>
+        <a:font script="Phag" typeface="Phagspa"/>
+        <a:font script="Syrn" typeface="Estrangelo Edessa"/>
+        <a:font script="Syrj" typeface="Estrangelo Edessa"/>
+        <a:font script="Syre" typeface="Estrangelo Edessa"/>
+        <a:font script="Sora" typeface="Nirmala UI"/>
+        <a:font script="Tale" typeface="Microsoft Tai Le"/>
+        <a:font script="Talu" typeface="Microsoft New Tai Lue"/>
+        <a:font script="Tfng" typeface="Ebrima"/>
+      </a:minorFont>
+    </a:fontScheme>
+    <a:fmtScheme name="Office">
+      <a:fillStyleLst>
+        <a:solidFill>
+          <a:schemeClr val="phClr"/>
+        </a:solidFill>
+        <a:gradFill rotWithShape="1">
+          <a:gsLst>
+            <a:gs pos="0">
+              <a:schemeClr val="phClr">
+                <a:lumMod val="110000"/>
+                <a:satMod val="105000"/>
+                <a:tint val="67000"/>
+              </a:schemeClr>
+            </a:gs>
+            <a:gs pos="50000">
+              <a:schemeClr val="phClr">
+                <a:lumMod val="105000"/>
+                <a:satMod val="103000"/>
+                <a:tint val="73000"/>
+              </a:schemeClr>
+            </a:gs>
+            <a:gs pos="100000">
+              <a:schemeClr val="phClr">
+                <a:lumMod val="105000"/>
+                <a:satMod val="109000"/>
+                <a:tint val="81000"/>
+              </a:schemeClr>
+            </a:gs>
+          </a:gsLst>
+          <a:lin ang="5400000" scaled="0"/>
+        </a:gradFill>
+        <a:gradFill rotWithShape="1">
+          <a:gsLst>
+            <a:gs pos="0">
+              <a:schemeClr val="phClr">
+                <a:satMod val="103000"/>
+                <a:lumMod val="102000"/>
+                <a:tint val="94000"/>
+              </a:schemeClr>
+            </a:gs>
+            <a:gs pos="50000">
+              <a:schemeClr val="phClr">
+                <a:satMod val="110000"/>
+                <a:lumMod val="100000"/>
+                <a:shade val="100000"/>
+              </a:schemeClr>
+            </a:gs>
+            <a:gs pos="100000">
+              <a:schemeClr val="phClr">
+                <a:lumMod val="99000"/>
+                <a:satMod val="120000"/>
+                <a:shade val="78000"/>
+              </a:schemeClr>
+            </a:gs>
+          </a:gsLst>
+          <a:lin ang="5400000" scaled="0"/>
+        </a:gradFill>
+      </a:fillStyleLst>
+      <a:lnStyleLst>
+        <a:ln w="6350" cap="flat" cmpd="sng" algn="ctr">
+          <a:solidFill>
+            <a:schemeClr val="phClr"/>
+          </a:solidFill>
+          <a:prstDash val="solid"/>
+          <a:miter lim="800000"/>
+        </a:ln>
+        <a:ln w="12700" cap="flat" cmpd="sng" algn="ctr">
+          <a:solidFill>
+            <a:schemeClr val="phClr"/>
+          </a:solidFill>
+          <a:prstDash val="solid"/>
+          <a:miter lim="800000"/>
+        </a:ln>
+        <a:ln w="19050" cap="flat" cmpd="sng" algn="ctr">
+          <a:solidFill>
+            <a:schemeClr val="phClr"/>
+          </a:solidFill>
+          <a:prstDash val="solid"/>
+          <a:miter lim="800000"/>
+        </a:ln>
+      </a:lnStyleLst>
+      <a:effectStyleLst>
+        <a:effectStyle>
+          <a:effectLst/>
+        </a:effectStyle>
+        <a:effectStyle>
+          <a:effectLst/>
+        </a:effectStyle>
+        <a:effectStyle>
+          <a:effectLst>
+            <a:outerShdw blurRad="57150" dist="19050" dir="5400000" algn="ctr" rotWithShape="0">
+              <a:srgbClr val="000000">
+                <a:alpha val="63000"/>
+              </a:srgbClr>
+            </a:outerShdw>
+          </a:effectLst>
+        </a:effectStyle>
+      </a:effectStyleLst>
+      <a:bgFillStyleLst>
+        <a:solidFill>
+          <a:schemeClr val="phClr"/>
+        </a:solidFill>
+        <a:solidFill>
+          <a:schemeClr val="phClr">
+            <a:tint val="95000"/>
+            <a:satMod val="170000"/>
+          </a:schemeClr>
+        </a:solidFill>
+        <a:gradFill rotWithShape="1">
+          <a:gsLst>
+            <a:gs pos="0">
+              <a:schemeClr val="phClr">
+                <a:tint val="93000"/>
+                <a:satMod val="150000"/>
+                <a:shade val="98000"/>
+                <a:lumMod val="102000"/>
+              </a:schemeClr>
+            </a:gs>
+            <a:gs pos="50000">
+              <a:schemeClr val="phClr">
+                <a:tint val="98000"/>
+                <a:satMod val="130000"/>
+                <a:shade val="90000"/>
+                <a:lumMod val="103000"/>
+              </a:schemeClr>
+            </a:gs>
+            <a:gs pos="100000">
+              <a:schemeClr val="phClr">
+                <a:shade val="63000"/>
+                <a:satMod val="120000"/>
+              </a:schemeClr>
+            </a:gs>
+          </a:gsLst>
+          <a:lin ang="5400000" scaled="0"/>
+        </a:gradFill>
+      </a:bgFillStyleLst>
+    </a:fmtScheme>
+  </a:themeElements>
+  <a:objectDefaults/>
+  <a:extraClrSchemeLst/>
+  <a:extLst>
+    <a:ext uri="{05A4C25C-085E-4340-85A3-A5531E510DB2}">
+      <thm15:themeFamily xmlns:thm15="http://schemas.microsoft.com/office/thememl/2012/main" name="Office Theme" id="{62F939B6-93AF-4DB8-9C6B-D6C7DFDC589F}" vid="{4A3C46E8-61CC-4603-A589-7422A47A8E4A}"/>
+    </a:ext>
+  </a:extLst>
+</a:theme>
 </file>